--- a/Présentation1.pptx
+++ b/Présentation1.pptx
@@ -5,7 +5,7 @@
     <p:sldMasterId id="2147483840" r:id="rId1"/>
   </p:sldMasterIdLst>
   <p:notesMasterIdLst>
-    <p:notesMasterId r:id="rId13"/>
+    <p:notesMasterId r:id="rId21"/>
   </p:notesMasterIdLst>
   <p:sldIdLst>
     <p:sldId id="256" r:id="rId2"/>
@@ -19,6 +19,14 @@
     <p:sldId id="265" r:id="rId10"/>
     <p:sldId id="266" r:id="rId11"/>
     <p:sldId id="268" r:id="rId12"/>
+    <p:sldId id="269" r:id="rId13"/>
+    <p:sldId id="270" r:id="rId14"/>
+    <p:sldId id="271" r:id="rId15"/>
+    <p:sldId id="273" r:id="rId16"/>
+    <p:sldId id="272" r:id="rId17"/>
+    <p:sldId id="274" r:id="rId18"/>
+    <p:sldId id="275" r:id="rId19"/>
+    <p:sldId id="276" r:id="rId20"/>
   </p:sldIdLst>
   <p:sldSz cx="12192000" cy="6858000"/>
   <p:notesSz cx="6858000" cy="9144000"/>
@@ -145,9 +153,24 @@
           <p14:sldIdLst>
             <p14:sldId id="266"/>
             <p14:sldId id="268"/>
+            <p14:sldId id="269"/>
+            <p14:sldId id="270"/>
+            <p14:sldId id="271"/>
+            <p14:sldId id="273"/>
+            <p14:sldId id="272"/>
+            <p14:sldId id="274"/>
+          </p14:sldIdLst>
+        </p14:section>
+        <p14:section name="Perspectives pour la suite" id="{66964EE5-A75D-BF42-B63B-FD258108FEAD}">
+          <p14:sldIdLst>
+            <p14:sldId id="275"/>
+            <p14:sldId id="276"/>
           </p14:sldIdLst>
         </p14:section>
       </p14:sectionLst>
+    </p:ext>
+    <p:ext uri="{EFAFB233-063F-42B5-8137-9DF3F51BA10A}">
+      <p15:sldGuideLst xmlns:p15="http://schemas.microsoft.com/office/powerpoint/2012/main"/>
     </p:ext>
   </p:extLst>
 </p:presentation>
@@ -235,7 +258,7 @@
           <a:p>
             <a:fld id="{EB14B83D-97C1-5F44-84C9-3CE56D0AA4F2}" type="datetimeFigureOut">
               <a:rPr lang="fr-FR" smtClean="0"/>
-              <a:t>06/03/2018</a:t>
+              <a:t>07/03/2018</a:t>
             </a:fld>
             <a:endParaRPr lang="fr-FR"/>
           </a:p>
@@ -728,7 +751,7 @@
             <a:fld id="{5586B75A-687E-405C-8A0B-8D00578BA2C3}" type="datetimeFigureOut">
               <a:rPr lang="en-US" dirty="0"/>
               <a:pPr/>
-              <a:t>3/6/18</a:t>
+              <a:t>3/7/18</a:t>
             </a:fld>
             <a:endParaRPr lang="en-US" dirty="0"/>
           </a:p>
@@ -998,7 +1021,7 @@
             <a:fld id="{5586B75A-687E-405C-8A0B-8D00578BA2C3}" type="datetimeFigureOut">
               <a:rPr lang="en-US" dirty="0"/>
               <a:pPr/>
-              <a:t>3/6/18</a:t>
+              <a:t>3/7/18</a:t>
             </a:fld>
             <a:endParaRPr lang="en-US" dirty="0"/>
           </a:p>
@@ -1170,7 +1193,7 @@
             <a:fld id="{5586B75A-687E-405C-8A0B-8D00578BA2C3}" type="datetimeFigureOut">
               <a:rPr lang="en-US" dirty="0"/>
               <a:pPr/>
-              <a:t>3/6/18</a:t>
+              <a:t>3/7/18</a:t>
             </a:fld>
             <a:endParaRPr lang="en-US" dirty="0"/>
           </a:p>
@@ -1347,7 +1370,7 @@
             <a:fld id="{5586B75A-687E-405C-8A0B-8D00578BA2C3}" type="datetimeFigureOut">
               <a:rPr lang="en-US" dirty="0"/>
               <a:pPr/>
-              <a:t>3/6/18</a:t>
+              <a:t>3/7/18</a:t>
             </a:fld>
             <a:endParaRPr lang="en-US" dirty="0"/>
           </a:p>
@@ -1514,7 +1537,7 @@
             <a:fld id="{5586B75A-687E-405C-8A0B-8D00578BA2C3}" type="datetimeFigureOut">
               <a:rPr lang="en-US" dirty="0"/>
               <a:pPr/>
-              <a:t>3/6/18</a:t>
+              <a:t>3/7/18</a:t>
             </a:fld>
             <a:endParaRPr lang="en-US" dirty="0"/>
           </a:p>
@@ -1769,7 +1792,7 @@
             <a:fld id="{5586B75A-687E-405C-8A0B-8D00578BA2C3}" type="datetimeFigureOut">
               <a:rPr lang="en-US" dirty="0"/>
               <a:pPr/>
-              <a:t>3/6/18</a:t>
+              <a:t>3/7/18</a:t>
             </a:fld>
             <a:endParaRPr lang="en-US" dirty="0"/>
           </a:p>
@@ -2054,7 +2077,7 @@
             <a:fld id="{5586B75A-687E-405C-8A0B-8D00578BA2C3}" type="datetimeFigureOut">
               <a:rPr lang="en-US" dirty="0"/>
               <a:pPr/>
-              <a:t>3/6/18</a:t>
+              <a:t>3/7/18</a:t>
             </a:fld>
             <a:endParaRPr lang="en-US" dirty="0"/>
           </a:p>
@@ -2493,7 +2516,7 @@
             <a:fld id="{5586B75A-687E-405C-8A0B-8D00578BA2C3}" type="datetimeFigureOut">
               <a:rPr lang="en-US" dirty="0"/>
               <a:pPr/>
-              <a:t>3/6/18</a:t>
+              <a:t>3/7/18</a:t>
             </a:fld>
             <a:endParaRPr lang="en-US" dirty="0"/>
           </a:p>
@@ -2608,7 +2631,7 @@
             <a:fld id="{5586B75A-687E-405C-8A0B-8D00578BA2C3}" type="datetimeFigureOut">
               <a:rPr lang="en-US" dirty="0"/>
               <a:pPr/>
-              <a:t>3/6/18</a:t>
+              <a:t>3/7/18</a:t>
             </a:fld>
             <a:endParaRPr lang="en-US" dirty="0"/>
           </a:p>
@@ -2700,7 +2723,7 @@
             <a:fld id="{5586B75A-687E-405C-8A0B-8D00578BA2C3}" type="datetimeFigureOut">
               <a:rPr lang="en-US" dirty="0"/>
               <a:pPr/>
-              <a:t>3/6/18</a:t>
+              <a:t>3/7/18</a:t>
             </a:fld>
             <a:endParaRPr lang="en-US" dirty="0"/>
           </a:p>
@@ -2845,7 +2868,7 @@
             <a:fld id="{5586B75A-687E-405C-8A0B-8D00578BA2C3}" type="datetimeFigureOut">
               <a:rPr lang="en-US" smtClean="0"/>
               <a:pPr/>
-              <a:t>3/6/18</a:t>
+              <a:t>3/7/18</a:t>
             </a:fld>
             <a:endParaRPr lang="en-US" dirty="0"/>
           </a:p>
@@ -3135,7 +3158,7 @@
             <a:fld id="{5586B75A-687E-405C-8A0B-8D00578BA2C3}" type="datetimeFigureOut">
               <a:rPr lang="en-US" dirty="0"/>
               <a:pPr/>
-              <a:t>3/6/18</a:t>
+              <a:t>3/7/18</a:t>
             </a:fld>
             <a:endParaRPr lang="en-US" dirty="0"/>
           </a:p>
@@ -3424,7 +3447,7 @@
             <a:fld id="{5586B75A-687E-405C-8A0B-8D00578BA2C3}" type="datetimeFigureOut">
               <a:rPr lang="en-US" dirty="0"/>
               <a:pPr/>
-              <a:t>3/6/18</a:t>
+              <a:t>3/7/18</a:t>
             </a:fld>
             <a:endParaRPr lang="en-US" dirty="0"/>
           </a:p>
@@ -4085,66 +4108,6 @@
           </a:p>
         </p:txBody>
       </p:sp>
-      <p:pic>
-        <p:nvPicPr>
-          <p:cNvPr id="3" name="Image 2"/>
-          <p:cNvPicPr>
-            <a:picLocks noChangeAspect="1"/>
-          </p:cNvPicPr>
-          <p:nvPr/>
-        </p:nvPicPr>
-        <p:blipFill>
-          <a:blip r:embed="rId2">
-            <a:extLst>
-              <a:ext uri="{28A0092B-C50C-407E-A947-70E740481C1C}">
-                <a14:useLocalDpi xmlns:a14="http://schemas.microsoft.com/office/drawing/2010/main" val="0"/>
-              </a:ext>
-            </a:extLst>
-          </a:blip>
-          <a:stretch>
-            <a:fillRect/>
-          </a:stretch>
-        </p:blipFill>
-        <p:spPr>
-          <a:xfrm>
-            <a:off x="3536889" y="1706880"/>
-            <a:ext cx="7421361" cy="4282299"/>
-          </a:xfrm>
-          <a:prstGeom prst="rect">
-            <a:avLst/>
-          </a:prstGeom>
-        </p:spPr>
-      </p:pic>
-      <p:pic>
-        <p:nvPicPr>
-          <p:cNvPr id="4" name="Image 3"/>
-          <p:cNvPicPr>
-            <a:picLocks noChangeAspect="1"/>
-          </p:cNvPicPr>
-          <p:nvPr/>
-        </p:nvPicPr>
-        <p:blipFill>
-          <a:blip r:embed="rId2">
-            <a:extLst>
-              <a:ext uri="{28A0092B-C50C-407E-A947-70E740481C1C}">
-                <a14:useLocalDpi xmlns:a14="http://schemas.microsoft.com/office/drawing/2010/main" val="0"/>
-              </a:ext>
-            </a:extLst>
-          </a:blip>
-          <a:stretch>
-            <a:fillRect/>
-          </a:stretch>
-        </p:blipFill>
-        <p:spPr>
-          <a:xfrm>
-            <a:off x="3699449" y="1706880"/>
-            <a:ext cx="7421361" cy="4282299"/>
-          </a:xfrm>
-          <a:prstGeom prst="rect">
-            <a:avLst/>
-          </a:prstGeom>
-        </p:spPr>
-      </p:pic>
     </p:spTree>
     <p:extLst>
       <p:ext uri="{BB962C8B-B14F-4D97-AF65-F5344CB8AC3E}">
@@ -4248,6 +4211,2047 @@
     <p:extLst>
       <p:ext uri="{BB962C8B-B14F-4D97-AF65-F5344CB8AC3E}">
         <p14:creationId xmlns:p14="http://schemas.microsoft.com/office/powerpoint/2010/main" val="797615174"/>
+      </p:ext>
+    </p:extLst>
+  </p:cSld>
+  <p:clrMapOvr>
+    <a:masterClrMapping/>
+  </p:clrMapOvr>
+</p:sld>
+</file>
+
+<file path=ppt/slides/slide12.xml><?xml version="1.0" encoding="utf-8"?>
+<p:sld xmlns:a="http://schemas.openxmlformats.org/drawingml/2006/main" xmlns:r="http://schemas.openxmlformats.org/officeDocument/2006/relationships" xmlns:p="http://schemas.openxmlformats.org/presentationml/2006/main">
+  <p:cSld>
+    <p:spTree>
+      <p:nvGrpSpPr>
+        <p:cNvPr id="1" name=""/>
+        <p:cNvGrpSpPr/>
+        <p:nvPr/>
+      </p:nvGrpSpPr>
+      <p:grpSpPr>
+        <a:xfrm>
+          <a:off x="0" y="0"/>
+          <a:ext cx="0" cy="0"/>
+          <a:chOff x="0" y="0"/>
+          <a:chExt cx="0" cy="0"/>
+        </a:xfrm>
+      </p:grpSpPr>
+      <p:sp>
+        <p:nvSpPr>
+          <p:cNvPr id="7" name="Forme libre 6"/>
+          <p:cNvSpPr/>
+          <p:nvPr/>
+        </p:nvSpPr>
+        <p:spPr>
+          <a:xfrm>
+            <a:off x="3798835" y="2628000"/>
+            <a:ext cx="4245428" cy="3682800"/>
+          </a:xfrm>
+          <a:custGeom>
+            <a:avLst/>
+            <a:gdLst>
+              <a:gd name="connsiteX0" fmla="*/ 0 w 4245428"/>
+              <a:gd name="connsiteY0" fmla="*/ 809897 h 3683725"/>
+              <a:gd name="connsiteX1" fmla="*/ 0 w 4245428"/>
+              <a:gd name="connsiteY1" fmla="*/ 3056708 h 3683725"/>
+              <a:gd name="connsiteX2" fmla="*/ 2377440 w 4245428"/>
+              <a:gd name="connsiteY2" fmla="*/ 3683725 h 3683725"/>
+              <a:gd name="connsiteX3" fmla="*/ 4245428 w 4245428"/>
+              <a:gd name="connsiteY3" fmla="*/ 2377440 h 3683725"/>
+              <a:gd name="connsiteX4" fmla="*/ 2338251 w 4245428"/>
+              <a:gd name="connsiteY4" fmla="*/ 0 h 3683725"/>
+              <a:gd name="connsiteX5" fmla="*/ 0 w 4245428"/>
+              <a:gd name="connsiteY5" fmla="*/ 809897 h 3683725"/>
+            </a:gdLst>
+            <a:ahLst/>
+            <a:cxnLst>
+              <a:cxn ang="0">
+                <a:pos x="connsiteX0" y="connsiteY0"/>
+              </a:cxn>
+              <a:cxn ang="0">
+                <a:pos x="connsiteX1" y="connsiteY1"/>
+              </a:cxn>
+              <a:cxn ang="0">
+                <a:pos x="connsiteX2" y="connsiteY2"/>
+              </a:cxn>
+              <a:cxn ang="0">
+                <a:pos x="connsiteX3" y="connsiteY3"/>
+              </a:cxn>
+              <a:cxn ang="0">
+                <a:pos x="connsiteX4" y="connsiteY4"/>
+              </a:cxn>
+              <a:cxn ang="0">
+                <a:pos x="connsiteX5" y="connsiteY5"/>
+              </a:cxn>
+            </a:cxnLst>
+            <a:rect l="l" t="t" r="r" b="b"/>
+            <a:pathLst>
+              <a:path w="4245428" h="3683725">
+                <a:moveTo>
+                  <a:pt x="0" y="809897"/>
+                </a:moveTo>
+                <a:lnTo>
+                  <a:pt x="0" y="3056708"/>
+                </a:lnTo>
+                <a:lnTo>
+                  <a:pt x="2377440" y="3683725"/>
+                </a:lnTo>
+                <a:lnTo>
+                  <a:pt x="4245428" y="2377440"/>
+                </a:lnTo>
+                <a:lnTo>
+                  <a:pt x="2338251" y="0"/>
+                </a:lnTo>
+                <a:lnTo>
+                  <a:pt x="0" y="809897"/>
+                </a:lnTo>
+                <a:close/>
+              </a:path>
+            </a:pathLst>
+          </a:custGeom>
+        </p:spPr>
+        <p:style>
+          <a:lnRef idx="2">
+            <a:schemeClr val="accent1">
+              <a:shade val="50000"/>
+            </a:schemeClr>
+          </a:lnRef>
+          <a:fillRef idx="1">
+            <a:schemeClr val="accent1"/>
+          </a:fillRef>
+          <a:effectRef idx="0">
+            <a:schemeClr val="accent1"/>
+          </a:effectRef>
+          <a:fontRef idx="minor">
+            <a:schemeClr val="lt1"/>
+          </a:fontRef>
+        </p:style>
+        <p:txBody>
+          <a:bodyPr rtlCol="0" anchor="ctr"/>
+          <a:lstStyle/>
+          <a:p>
+            <a:pPr algn="ctr"/>
+            <a:endParaRPr lang="fr-FR"/>
+          </a:p>
+        </p:txBody>
+      </p:sp>
+      <p:sp>
+        <p:nvSpPr>
+          <p:cNvPr id="2" name="ZoneTexte 1"/>
+          <p:cNvSpPr txBox="1"/>
+          <p:nvPr/>
+        </p:nvSpPr>
+        <p:spPr>
+          <a:xfrm>
+            <a:off x="393014" y="303939"/>
+            <a:ext cx="11057069" cy="584775"/>
+          </a:xfrm>
+          <a:prstGeom prst="rect">
+            <a:avLst/>
+          </a:prstGeom>
+          <a:noFill/>
+        </p:spPr>
+        <p:txBody>
+          <a:bodyPr wrap="square" rtlCol="0">
+            <a:spAutoFit/>
+          </a:bodyPr>
+          <a:lstStyle/>
+          <a:p>
+            <a:pPr algn="ctr"/>
+            <a:r>
+              <a:rPr lang="fr-FR" sz="3200" dirty="0" smtClean="0">
+                <a:latin typeface="Futura Condensed" charset="0"/>
+                <a:ea typeface="Futura Condensed" charset="0"/>
+                <a:cs typeface="Futura Condensed" charset="0"/>
+              </a:rPr>
+              <a:t>Déplacement d’un point selon l’algorithme</a:t>
+            </a:r>
+          </a:p>
+        </p:txBody>
+      </p:sp>
+      <p:cxnSp>
+        <p:nvCxnSpPr>
+          <p:cNvPr id="9" name="Connecteur droit 8"/>
+          <p:cNvCxnSpPr/>
+          <p:nvPr/>
+        </p:nvCxnSpPr>
+        <p:spPr>
+          <a:xfrm>
+            <a:off x="2691161" y="3025698"/>
+            <a:ext cx="6579219" cy="2438400"/>
+          </a:xfrm>
+          <a:prstGeom prst="line">
+            <a:avLst/>
+          </a:prstGeom>
+          <a:ln w="31750">
+            <a:solidFill>
+              <a:schemeClr val="accent6"/>
+            </a:solidFill>
+          </a:ln>
+        </p:spPr>
+        <p:style>
+          <a:lnRef idx="1">
+            <a:schemeClr val="accent1"/>
+          </a:lnRef>
+          <a:fillRef idx="0">
+            <a:schemeClr val="accent1"/>
+          </a:fillRef>
+          <a:effectRef idx="0">
+            <a:schemeClr val="accent1"/>
+          </a:effectRef>
+          <a:fontRef idx="minor">
+            <a:schemeClr val="tx1"/>
+          </a:fontRef>
+        </p:style>
+      </p:cxnSp>
+      <p:cxnSp>
+        <p:nvCxnSpPr>
+          <p:cNvPr id="18" name="Connecteur droit 17"/>
+          <p:cNvCxnSpPr/>
+          <p:nvPr/>
+        </p:nvCxnSpPr>
+        <p:spPr>
+          <a:xfrm>
+            <a:off x="3149058" y="1519088"/>
+            <a:ext cx="6579219" cy="2438400"/>
+          </a:xfrm>
+          <a:prstGeom prst="line">
+            <a:avLst/>
+          </a:prstGeom>
+          <a:ln w="31750">
+            <a:solidFill>
+              <a:schemeClr val="accent6"/>
+            </a:solidFill>
+          </a:ln>
+        </p:spPr>
+        <p:style>
+          <a:lnRef idx="1">
+            <a:schemeClr val="accent1"/>
+          </a:lnRef>
+          <a:fillRef idx="0">
+            <a:schemeClr val="accent1"/>
+          </a:fillRef>
+          <a:effectRef idx="0">
+            <a:schemeClr val="accent1"/>
+          </a:effectRef>
+          <a:fontRef idx="minor">
+            <a:schemeClr val="tx1"/>
+          </a:fontRef>
+        </p:style>
+      </p:cxnSp>
+      <p:sp>
+        <p:nvSpPr>
+          <p:cNvPr id="16" name="Ellipse 15"/>
+          <p:cNvSpPr/>
+          <p:nvPr/>
+        </p:nvSpPr>
+        <p:spPr>
+          <a:xfrm>
+            <a:off x="6089059" y="2588050"/>
+            <a:ext cx="91556" cy="79899"/>
+          </a:xfrm>
+          <a:prstGeom prst="ellipse">
+            <a:avLst/>
+          </a:prstGeom>
+        </p:spPr>
+        <p:style>
+          <a:lnRef idx="2">
+            <a:schemeClr val="dk1">
+              <a:shade val="50000"/>
+            </a:schemeClr>
+          </a:lnRef>
+          <a:fillRef idx="1">
+            <a:schemeClr val="dk1"/>
+          </a:fillRef>
+          <a:effectRef idx="0">
+            <a:schemeClr val="dk1"/>
+          </a:effectRef>
+          <a:fontRef idx="minor">
+            <a:schemeClr val="lt1"/>
+          </a:fontRef>
+        </p:style>
+        <p:txBody>
+          <a:bodyPr rtlCol="0" anchor="ctr"/>
+          <a:lstStyle/>
+          <a:p>
+            <a:pPr algn="ctr"/>
+            <a:endParaRPr lang="fr-FR"/>
+          </a:p>
+        </p:txBody>
+      </p:sp>
+      <p:cxnSp>
+        <p:nvCxnSpPr>
+          <p:cNvPr id="20" name="Connecteur droit 19"/>
+          <p:cNvCxnSpPr/>
+          <p:nvPr/>
+        </p:nvCxnSpPr>
+        <p:spPr>
+          <a:xfrm flipH="1">
+            <a:off x="5459568" y="2330174"/>
+            <a:ext cx="64293" cy="171450"/>
+          </a:xfrm>
+          <a:prstGeom prst="line">
+            <a:avLst/>
+          </a:prstGeom>
+          <a:ln w="38100">
+            <a:solidFill>
+              <a:srgbClr val="C00000"/>
+            </a:solidFill>
+          </a:ln>
+        </p:spPr>
+        <p:style>
+          <a:lnRef idx="1">
+            <a:schemeClr val="accent1"/>
+          </a:lnRef>
+          <a:fillRef idx="0">
+            <a:schemeClr val="accent1"/>
+          </a:fillRef>
+          <a:effectRef idx="0">
+            <a:schemeClr val="accent1"/>
+          </a:effectRef>
+          <a:fontRef idx="minor">
+            <a:schemeClr val="tx1"/>
+          </a:fontRef>
+        </p:style>
+      </p:cxnSp>
+      <p:cxnSp>
+        <p:nvCxnSpPr>
+          <p:cNvPr id="21" name="Connecteur droit 20"/>
+          <p:cNvCxnSpPr/>
+          <p:nvPr/>
+        </p:nvCxnSpPr>
+        <p:spPr>
+          <a:xfrm flipH="1">
+            <a:off x="7475677" y="3025698"/>
+            <a:ext cx="64293" cy="171450"/>
+          </a:xfrm>
+          <a:prstGeom prst="line">
+            <a:avLst/>
+          </a:prstGeom>
+          <a:ln w="38100">
+            <a:solidFill>
+              <a:srgbClr val="C00000"/>
+            </a:solidFill>
+          </a:ln>
+        </p:spPr>
+        <p:style>
+          <a:lnRef idx="1">
+            <a:schemeClr val="accent1"/>
+          </a:lnRef>
+          <a:fillRef idx="0">
+            <a:schemeClr val="accent1"/>
+          </a:fillRef>
+          <a:effectRef idx="0">
+            <a:schemeClr val="accent1"/>
+          </a:effectRef>
+          <a:fontRef idx="minor">
+            <a:schemeClr val="tx1"/>
+          </a:fontRef>
+        </p:style>
+      </p:cxnSp>
+      <p:cxnSp>
+        <p:nvCxnSpPr>
+          <p:cNvPr id="22" name="Connecteur droit 21"/>
+          <p:cNvCxnSpPr/>
+          <p:nvPr/>
+        </p:nvCxnSpPr>
+        <p:spPr>
+          <a:xfrm flipH="1">
+            <a:off x="4853489" y="2093271"/>
+            <a:ext cx="64293" cy="171450"/>
+          </a:xfrm>
+          <a:prstGeom prst="line">
+            <a:avLst/>
+          </a:prstGeom>
+          <a:ln w="38100">
+            <a:solidFill>
+              <a:srgbClr val="C00000"/>
+            </a:solidFill>
+          </a:ln>
+        </p:spPr>
+        <p:style>
+          <a:lnRef idx="1">
+            <a:schemeClr val="accent1"/>
+          </a:lnRef>
+          <a:fillRef idx="0">
+            <a:schemeClr val="accent1"/>
+          </a:fillRef>
+          <a:effectRef idx="0">
+            <a:schemeClr val="accent1"/>
+          </a:effectRef>
+          <a:fontRef idx="minor">
+            <a:schemeClr val="tx1"/>
+          </a:fontRef>
+        </p:style>
+      </p:cxnSp>
+      <p:cxnSp>
+        <p:nvCxnSpPr>
+          <p:cNvPr id="23" name="Connecteur droit 22"/>
+          <p:cNvCxnSpPr/>
+          <p:nvPr/>
+        </p:nvCxnSpPr>
+        <p:spPr>
+          <a:xfrm flipH="1">
+            <a:off x="6753432" y="2772946"/>
+            <a:ext cx="64293" cy="171450"/>
+          </a:xfrm>
+          <a:prstGeom prst="line">
+            <a:avLst/>
+          </a:prstGeom>
+          <a:ln w="38100">
+            <a:solidFill>
+              <a:srgbClr val="C00000"/>
+            </a:solidFill>
+          </a:ln>
+        </p:spPr>
+        <p:style>
+          <a:lnRef idx="1">
+            <a:schemeClr val="accent1"/>
+          </a:lnRef>
+          <a:fillRef idx="0">
+            <a:schemeClr val="accent1"/>
+          </a:fillRef>
+          <a:effectRef idx="0">
+            <a:schemeClr val="accent1"/>
+          </a:effectRef>
+          <a:fontRef idx="minor">
+            <a:schemeClr val="tx1"/>
+          </a:fontRef>
+        </p:style>
+      </p:cxnSp>
+      <p:cxnSp>
+        <p:nvCxnSpPr>
+          <p:cNvPr id="25" name="Connecteur droit avec flèche 24"/>
+          <p:cNvCxnSpPr/>
+          <p:nvPr/>
+        </p:nvCxnSpPr>
+        <p:spPr>
+          <a:xfrm flipH="1">
+            <a:off x="6949440" y="2264720"/>
+            <a:ext cx="875211" cy="504000"/>
+          </a:xfrm>
+          <a:prstGeom prst="straightConnector1">
+            <a:avLst/>
+          </a:prstGeom>
+          <a:ln>
+            <a:tailEnd type="triangle"/>
+          </a:ln>
+        </p:spPr>
+        <p:style>
+          <a:lnRef idx="2">
+            <a:schemeClr val="accent6"/>
+          </a:lnRef>
+          <a:fillRef idx="0">
+            <a:schemeClr val="accent6"/>
+          </a:fillRef>
+          <a:effectRef idx="1">
+            <a:schemeClr val="accent6"/>
+          </a:effectRef>
+          <a:fontRef idx="minor">
+            <a:schemeClr val="tx1"/>
+          </a:fontRef>
+        </p:style>
+      </p:cxnSp>
+      <p:sp>
+        <p:nvSpPr>
+          <p:cNvPr id="26" name="ZoneTexte 25"/>
+          <p:cNvSpPr txBox="1"/>
+          <p:nvPr/>
+        </p:nvSpPr>
+        <p:spPr>
+          <a:xfrm>
+            <a:off x="7029231" y="1622349"/>
+            <a:ext cx="3156943" cy="584775"/>
+          </a:xfrm>
+          <a:prstGeom prst="rect">
+            <a:avLst/>
+          </a:prstGeom>
+          <a:noFill/>
+        </p:spPr>
+        <p:txBody>
+          <a:bodyPr wrap="square" rtlCol="0">
+            <a:spAutoFit/>
+          </a:bodyPr>
+          <a:lstStyle/>
+          <a:p>
+            <a:pPr algn="ctr"/>
+            <a:r>
+              <a:rPr lang="fr-FR" sz="3200" smtClean="0">
+                <a:latin typeface="Futura Condensed" charset="0"/>
+                <a:ea typeface="Futura Condensed" charset="0"/>
+                <a:cs typeface="Futura Condensed" charset="0"/>
+              </a:rPr>
+              <a:t>Position possible</a:t>
+            </a:r>
+            <a:endParaRPr lang="fr-FR" sz="3200" dirty="0">
+              <a:latin typeface="Futura Condensed" charset="0"/>
+              <a:ea typeface="Futura Condensed" charset="0"/>
+              <a:cs typeface="Futura Condensed" charset="0"/>
+            </a:endParaRPr>
+          </a:p>
+        </p:txBody>
+      </p:sp>
+      <p:cxnSp>
+        <p:nvCxnSpPr>
+          <p:cNvPr id="30" name="Connecteur droit avec flèche 29"/>
+          <p:cNvCxnSpPr/>
+          <p:nvPr/>
+        </p:nvCxnSpPr>
+        <p:spPr>
+          <a:xfrm>
+            <a:off x="5576808" y="2177074"/>
+            <a:ext cx="603807" cy="229337"/>
+          </a:xfrm>
+          <a:prstGeom prst="straightConnector1">
+            <a:avLst/>
+          </a:prstGeom>
+          <a:ln>
+            <a:headEnd type="triangle"/>
+            <a:tailEnd type="triangle"/>
+          </a:ln>
+        </p:spPr>
+        <p:style>
+          <a:lnRef idx="1">
+            <a:schemeClr val="accent6"/>
+          </a:lnRef>
+          <a:fillRef idx="0">
+            <a:schemeClr val="accent6"/>
+          </a:fillRef>
+          <a:effectRef idx="0">
+            <a:schemeClr val="accent6"/>
+          </a:effectRef>
+          <a:fontRef idx="minor">
+            <a:schemeClr val="tx1"/>
+          </a:fontRef>
+        </p:style>
+      </p:cxnSp>
+      <p:sp>
+        <p:nvSpPr>
+          <p:cNvPr id="32" name="ZoneTexte 31"/>
+          <p:cNvSpPr txBox="1"/>
+          <p:nvPr/>
+        </p:nvSpPr>
+        <p:spPr>
+          <a:xfrm>
+            <a:off x="4402298" y="1836145"/>
+            <a:ext cx="3156943" cy="400110"/>
+          </a:xfrm>
+          <a:prstGeom prst="rect">
+            <a:avLst/>
+          </a:prstGeom>
+          <a:noFill/>
+        </p:spPr>
+        <p:txBody>
+          <a:bodyPr wrap="square" rtlCol="0">
+            <a:spAutoFit/>
+          </a:bodyPr>
+          <a:lstStyle/>
+          <a:p>
+            <a:pPr algn="ctr"/>
+            <a:r>
+              <a:rPr lang="fr-FR" sz="2000" dirty="0" smtClean="0">
+                <a:latin typeface="Futura Condensed" charset="0"/>
+                <a:ea typeface="Futura Condensed" charset="0"/>
+                <a:cs typeface="Futura Condensed" charset="0"/>
+              </a:rPr>
+              <a:t>Pas</a:t>
+            </a:r>
+            <a:endParaRPr lang="fr-FR" sz="2000" dirty="0">
+              <a:latin typeface="Futura Condensed" charset="0"/>
+              <a:ea typeface="Futura Condensed" charset="0"/>
+              <a:cs typeface="Futura Condensed" charset="0"/>
+            </a:endParaRPr>
+          </a:p>
+        </p:txBody>
+      </p:sp>
+    </p:spTree>
+    <p:extLst>
+      <p:ext uri="{BB962C8B-B14F-4D97-AF65-F5344CB8AC3E}">
+        <p14:creationId xmlns:p14="http://schemas.microsoft.com/office/powerpoint/2010/main" val="865826596"/>
+      </p:ext>
+    </p:extLst>
+  </p:cSld>
+  <p:clrMapOvr>
+    <a:masterClrMapping/>
+  </p:clrMapOvr>
+</p:sld>
+</file>
+
+<file path=ppt/slides/slide13.xml><?xml version="1.0" encoding="utf-8"?>
+<p:sld xmlns:a="http://schemas.openxmlformats.org/drawingml/2006/main" xmlns:r="http://schemas.openxmlformats.org/officeDocument/2006/relationships" xmlns:p="http://schemas.openxmlformats.org/presentationml/2006/main">
+  <p:cSld>
+    <p:spTree>
+      <p:nvGrpSpPr>
+        <p:cNvPr id="1" name=""/>
+        <p:cNvGrpSpPr/>
+        <p:nvPr/>
+      </p:nvGrpSpPr>
+      <p:grpSpPr>
+        <a:xfrm>
+          <a:off x="0" y="0"/>
+          <a:ext cx="0" cy="0"/>
+          <a:chOff x="0" y="0"/>
+          <a:chExt cx="0" cy="0"/>
+        </a:xfrm>
+      </p:grpSpPr>
+      <p:sp>
+        <p:nvSpPr>
+          <p:cNvPr id="10" name="ZoneTexte 9"/>
+          <p:cNvSpPr txBox="1"/>
+          <p:nvPr/>
+        </p:nvSpPr>
+        <p:spPr>
+          <a:xfrm>
+            <a:off x="840726" y="0"/>
+            <a:ext cx="11057069" cy="7355860"/>
+          </a:xfrm>
+          <a:prstGeom prst="rect">
+            <a:avLst/>
+          </a:prstGeom>
+          <a:noFill/>
+        </p:spPr>
+        <p:txBody>
+          <a:bodyPr wrap="square" rtlCol="0">
+            <a:spAutoFit/>
+          </a:bodyPr>
+          <a:lstStyle/>
+          <a:p>
+            <a:pPr algn="ctr"/>
+            <a:r>
+              <a:rPr lang="fr-FR" sz="4000" u="sng" dirty="0" smtClean="0">
+                <a:latin typeface="Futura Condensed" charset="0"/>
+                <a:ea typeface="Futura Condensed" charset="0"/>
+                <a:cs typeface="Futura Condensed" charset="0"/>
+              </a:rPr>
+              <a:t>Itération de l’Algorithme :</a:t>
+            </a:r>
+          </a:p>
+          <a:p>
+            <a:pPr algn="ctr"/>
+            <a:endParaRPr lang="fr-FR" sz="4000" u="sng" dirty="0">
+              <a:latin typeface="Futura Condensed" charset="0"/>
+              <a:ea typeface="Futura Condensed" charset="0"/>
+              <a:cs typeface="Futura Condensed" charset="0"/>
+            </a:endParaRPr>
+          </a:p>
+          <a:p>
+            <a:pPr marL="571500" indent="-571500">
+              <a:buFont typeface="Arial" charset="0"/>
+              <a:buChar char="•"/>
+            </a:pPr>
+            <a:r>
+              <a:rPr lang="fr-FR" sz="3600" b="1" dirty="0" smtClean="0">
+                <a:latin typeface="Futura Condensed" charset="0"/>
+                <a:ea typeface="Futura Condensed" charset="0"/>
+                <a:cs typeface="Futura Condensed" charset="0"/>
+              </a:rPr>
+              <a:t>On parcours les sommets du polygone</a:t>
+            </a:r>
+          </a:p>
+          <a:p>
+            <a:pPr marL="571500" indent="-571500">
+              <a:buFont typeface="Arial" charset="0"/>
+              <a:buChar char="•"/>
+            </a:pPr>
+            <a:endParaRPr lang="fr-FR" sz="3600" dirty="0" smtClean="0">
+              <a:latin typeface="Futura Condensed" charset="0"/>
+              <a:ea typeface="Futura Condensed" charset="0"/>
+              <a:cs typeface="Futura Condensed" charset="0"/>
+            </a:endParaRPr>
+          </a:p>
+          <a:p>
+            <a:pPr marL="1028700" lvl="1" indent="-571500">
+              <a:buFont typeface="Arial" charset="0"/>
+              <a:buChar char="•"/>
+            </a:pPr>
+            <a:r>
+              <a:rPr lang="fr-FR" sz="3600" dirty="0" smtClean="0">
+                <a:latin typeface="Futura Condensed" charset="0"/>
+                <a:ea typeface="Futura Condensed" charset="0"/>
+                <a:cs typeface="Futura Condensed" charset="0"/>
+              </a:rPr>
+              <a:t>Pour chaque sommet on effectue un petit déplacements</a:t>
+            </a:r>
+          </a:p>
+          <a:p>
+            <a:pPr marL="1028700" lvl="1" indent="-571500">
+              <a:buFont typeface="Arial" charset="0"/>
+              <a:buChar char="•"/>
+            </a:pPr>
+            <a:endParaRPr lang="fr-FR" sz="3600" dirty="0" smtClean="0">
+              <a:latin typeface="Futura Condensed" charset="0"/>
+              <a:ea typeface="Futura Condensed" charset="0"/>
+              <a:cs typeface="Futura Condensed" charset="0"/>
+            </a:endParaRPr>
+          </a:p>
+          <a:p>
+            <a:pPr marL="1485900" lvl="2" indent="-571500">
+              <a:buFont typeface="Arial" charset="0"/>
+              <a:buChar char="•"/>
+            </a:pPr>
+            <a:r>
+              <a:rPr lang="fr-FR" sz="3600" i="1" dirty="0" smtClean="0">
+                <a:latin typeface="Futura Condensed" charset="0"/>
+                <a:ea typeface="Futura Condensed" charset="0"/>
+                <a:cs typeface="Futura Condensed" charset="0"/>
+              </a:rPr>
+              <a:t>Pour chaque déplacement on calcule la température moyenne</a:t>
+            </a:r>
+          </a:p>
+          <a:p>
+            <a:pPr marL="1485900" lvl="2" indent="-571500">
+              <a:buFont typeface="Arial" charset="0"/>
+              <a:buChar char="•"/>
+            </a:pPr>
+            <a:r>
+              <a:rPr lang="fr-FR" sz="3600" i="1" dirty="0" smtClean="0">
+                <a:latin typeface="Futura Condensed" charset="0"/>
+                <a:ea typeface="Futura Condensed" charset="0"/>
+                <a:cs typeface="Futura Condensed" charset="0"/>
+              </a:rPr>
+              <a:t> </a:t>
+            </a:r>
+          </a:p>
+          <a:p>
+            <a:pPr marL="1028700" lvl="1" indent="-571500">
+              <a:buFont typeface="Arial" charset="0"/>
+              <a:buChar char="•"/>
+            </a:pPr>
+            <a:r>
+              <a:rPr lang="fr-FR" sz="3600" dirty="0" smtClean="0">
+                <a:latin typeface="Futura Condensed" charset="0"/>
+                <a:ea typeface="Futura Condensed" charset="0"/>
+                <a:cs typeface="Futura Condensed" charset="0"/>
+              </a:rPr>
+              <a:t>On remet le sommet à sa place</a:t>
+            </a:r>
+          </a:p>
+          <a:p>
+            <a:pPr marL="1028700" lvl="1" indent="-571500">
+              <a:buFont typeface="Arial" charset="0"/>
+              <a:buChar char="•"/>
+            </a:pPr>
+            <a:endParaRPr lang="fr-FR" sz="3600" dirty="0" smtClean="0">
+              <a:latin typeface="Futura Condensed" charset="0"/>
+              <a:ea typeface="Futura Condensed" charset="0"/>
+              <a:cs typeface="Futura Condensed" charset="0"/>
+            </a:endParaRPr>
+          </a:p>
+          <a:p>
+            <a:pPr marL="571500" indent="-571500">
+              <a:buFont typeface="Arial" charset="0"/>
+              <a:buChar char="•"/>
+            </a:pPr>
+            <a:r>
+              <a:rPr lang="fr-FR" sz="3600" b="1" dirty="0" smtClean="0">
+                <a:latin typeface="Futura Condensed" charset="0"/>
+                <a:ea typeface="Futura Condensed" charset="0"/>
+                <a:cs typeface="Futura Condensed" charset="0"/>
+              </a:rPr>
+              <a:t>Une fois le parcours des sommets terminé, on retrouve le déplacement avec la meilleur valeur, et on l’effectue</a:t>
+            </a:r>
+            <a:endParaRPr lang="fr-FR" sz="3600" b="1" dirty="0" smtClean="0">
+              <a:latin typeface="Futura Condensed" charset="0"/>
+              <a:ea typeface="Futura Condensed" charset="0"/>
+              <a:cs typeface="Futura Condensed" charset="0"/>
+            </a:endParaRPr>
+          </a:p>
+          <a:p>
+            <a:pPr algn="ctr"/>
+            <a:endParaRPr lang="fr-FR" sz="3200" dirty="0">
+              <a:latin typeface="Futura Condensed" charset="0"/>
+              <a:ea typeface="Futura Condensed" charset="0"/>
+              <a:cs typeface="Futura Condensed" charset="0"/>
+            </a:endParaRPr>
+          </a:p>
+        </p:txBody>
+      </p:sp>
+    </p:spTree>
+    <p:extLst>
+      <p:ext uri="{BB962C8B-B14F-4D97-AF65-F5344CB8AC3E}">
+        <p14:creationId xmlns:p14="http://schemas.microsoft.com/office/powerpoint/2010/main" val="598406900"/>
+      </p:ext>
+    </p:extLst>
+  </p:cSld>
+  <p:clrMapOvr>
+    <a:masterClrMapping/>
+  </p:clrMapOvr>
+</p:sld>
+</file>
+
+<file path=ppt/slides/slide14.xml><?xml version="1.0" encoding="utf-8"?>
+<p:sld xmlns:a="http://schemas.openxmlformats.org/drawingml/2006/main" xmlns:r="http://schemas.openxmlformats.org/officeDocument/2006/relationships" xmlns:p="http://schemas.openxmlformats.org/presentationml/2006/main">
+  <p:cSld>
+    <p:spTree>
+      <p:nvGrpSpPr>
+        <p:cNvPr id="1" name=""/>
+        <p:cNvGrpSpPr/>
+        <p:nvPr/>
+      </p:nvGrpSpPr>
+      <p:grpSpPr>
+        <a:xfrm>
+          <a:off x="0" y="0"/>
+          <a:ext cx="0" cy="0"/>
+          <a:chOff x="0" y="0"/>
+          <a:chExt cx="0" cy="0"/>
+        </a:xfrm>
+      </p:grpSpPr>
+      <p:sp>
+        <p:nvSpPr>
+          <p:cNvPr id="2" name="ZoneTexte 1"/>
+          <p:cNvSpPr txBox="1"/>
+          <p:nvPr/>
+        </p:nvSpPr>
+        <p:spPr>
+          <a:xfrm>
+            <a:off x="0" y="557115"/>
+            <a:ext cx="11057069" cy="1200329"/>
+          </a:xfrm>
+          <a:prstGeom prst="rect">
+            <a:avLst/>
+          </a:prstGeom>
+          <a:noFill/>
+        </p:spPr>
+        <p:txBody>
+          <a:bodyPr wrap="square" rtlCol="0">
+            <a:spAutoFit/>
+          </a:bodyPr>
+          <a:lstStyle/>
+          <a:p>
+            <a:pPr algn="ctr"/>
+            <a:r>
+              <a:rPr lang="fr-FR" sz="4000" b="1" dirty="0" smtClean="0">
+                <a:latin typeface="Futura Condensed" charset="0"/>
+                <a:ea typeface="Futura Condensed" charset="0"/>
+                <a:cs typeface="Futura Condensed" charset="0"/>
+              </a:rPr>
+              <a:t>Résultats : </a:t>
+            </a:r>
+            <a:endParaRPr lang="fr-FR" sz="4000" b="1" dirty="0" smtClean="0">
+              <a:latin typeface="Futura Condensed" charset="0"/>
+              <a:ea typeface="Futura Condensed" charset="0"/>
+              <a:cs typeface="Futura Condensed" charset="0"/>
+            </a:endParaRPr>
+          </a:p>
+          <a:p>
+            <a:pPr algn="ctr"/>
+            <a:endParaRPr lang="fr-FR" sz="3200" dirty="0">
+              <a:latin typeface="Futura Condensed" charset="0"/>
+              <a:ea typeface="Futura Condensed" charset="0"/>
+              <a:cs typeface="Futura Condensed" charset="0"/>
+            </a:endParaRPr>
+          </a:p>
+        </p:txBody>
+      </p:sp>
+      <p:pic>
+        <p:nvPicPr>
+          <p:cNvPr id="3" name="Image 2"/>
+          <p:cNvPicPr>
+            <a:picLocks noChangeAspect="1"/>
+          </p:cNvPicPr>
+          <p:nvPr/>
+        </p:nvPicPr>
+        <p:blipFill>
+          <a:blip r:embed="rId2">
+            <a:extLst>
+              <a:ext uri="{28A0092B-C50C-407E-A947-70E740481C1C}">
+                <a14:useLocalDpi xmlns:a14="http://schemas.microsoft.com/office/drawing/2010/main" val="0"/>
+              </a:ext>
+            </a:extLst>
+          </a:blip>
+          <a:stretch>
+            <a:fillRect/>
+          </a:stretch>
+        </p:blipFill>
+        <p:spPr>
+          <a:xfrm>
+            <a:off x="0" y="1442968"/>
+            <a:ext cx="5852160" cy="4389120"/>
+          </a:xfrm>
+          <a:prstGeom prst="rect">
+            <a:avLst/>
+          </a:prstGeom>
+        </p:spPr>
+      </p:pic>
+      <p:pic>
+        <p:nvPicPr>
+          <p:cNvPr id="4" name="Image 3"/>
+          <p:cNvPicPr>
+            <a:picLocks noChangeAspect="1"/>
+          </p:cNvPicPr>
+          <p:nvPr/>
+        </p:nvPicPr>
+        <p:blipFill>
+          <a:blip r:embed="rId3">
+            <a:extLst>
+              <a:ext uri="{28A0092B-C50C-407E-A947-70E740481C1C}">
+                <a14:useLocalDpi xmlns:a14="http://schemas.microsoft.com/office/drawing/2010/main" val="0"/>
+              </a:ext>
+            </a:extLst>
+          </a:blip>
+          <a:stretch>
+            <a:fillRect/>
+          </a:stretch>
+        </p:blipFill>
+        <p:spPr>
+          <a:xfrm>
+            <a:off x="5852160" y="1442968"/>
+            <a:ext cx="5852160" cy="4389120"/>
+          </a:xfrm>
+          <a:prstGeom prst="rect">
+            <a:avLst/>
+          </a:prstGeom>
+        </p:spPr>
+      </p:pic>
+    </p:spTree>
+    <p:extLst>
+      <p:ext uri="{BB962C8B-B14F-4D97-AF65-F5344CB8AC3E}">
+        <p14:creationId xmlns:p14="http://schemas.microsoft.com/office/powerpoint/2010/main" val="754418551"/>
+      </p:ext>
+    </p:extLst>
+  </p:cSld>
+  <p:clrMapOvr>
+    <a:masterClrMapping/>
+  </p:clrMapOvr>
+</p:sld>
+</file>
+
+<file path=ppt/slides/slide15.xml><?xml version="1.0" encoding="utf-8"?>
+<p:sld xmlns:a="http://schemas.openxmlformats.org/drawingml/2006/main" xmlns:r="http://schemas.openxmlformats.org/officeDocument/2006/relationships" xmlns:p="http://schemas.openxmlformats.org/presentationml/2006/main">
+  <p:cSld>
+    <p:spTree>
+      <p:nvGrpSpPr>
+        <p:cNvPr id="1" name=""/>
+        <p:cNvGrpSpPr/>
+        <p:nvPr/>
+      </p:nvGrpSpPr>
+      <p:grpSpPr>
+        <a:xfrm>
+          <a:off x="0" y="0"/>
+          <a:ext cx="0" cy="0"/>
+          <a:chOff x="0" y="0"/>
+          <a:chExt cx="0" cy="0"/>
+        </a:xfrm>
+      </p:grpSpPr>
+      <p:sp>
+        <p:nvSpPr>
+          <p:cNvPr id="2" name="ZoneTexte 1"/>
+          <p:cNvSpPr txBox="1"/>
+          <p:nvPr/>
+        </p:nvSpPr>
+        <p:spPr>
+          <a:xfrm>
+            <a:off x="504497" y="670954"/>
+            <a:ext cx="11057069" cy="1200329"/>
+          </a:xfrm>
+          <a:prstGeom prst="rect">
+            <a:avLst/>
+          </a:prstGeom>
+          <a:noFill/>
+        </p:spPr>
+        <p:txBody>
+          <a:bodyPr wrap="square" rtlCol="0">
+            <a:spAutoFit/>
+          </a:bodyPr>
+          <a:lstStyle/>
+          <a:p>
+            <a:pPr algn="ctr"/>
+            <a:r>
+              <a:rPr lang="fr-FR" sz="4000" b="1" smtClean="0">
+                <a:latin typeface="Futura Condensed" charset="0"/>
+                <a:ea typeface="Futura Condensed" charset="0"/>
+                <a:cs typeface="Futura Condensed" charset="0"/>
+              </a:rPr>
+              <a:t>Résultats : </a:t>
+            </a:r>
+            <a:endParaRPr lang="fr-FR" sz="4000" b="1" smtClean="0">
+              <a:latin typeface="Futura Condensed" charset="0"/>
+              <a:ea typeface="Futura Condensed" charset="0"/>
+              <a:cs typeface="Futura Condensed" charset="0"/>
+            </a:endParaRPr>
+          </a:p>
+          <a:p>
+            <a:pPr algn="ctr"/>
+            <a:endParaRPr lang="fr-FR" sz="3200" dirty="0">
+              <a:latin typeface="Futura Condensed" charset="0"/>
+              <a:ea typeface="Futura Condensed" charset="0"/>
+              <a:cs typeface="Futura Condensed" charset="0"/>
+            </a:endParaRPr>
+          </a:p>
+        </p:txBody>
+      </p:sp>
+      <p:pic>
+        <p:nvPicPr>
+          <p:cNvPr id="3" name="Image 2"/>
+          <p:cNvPicPr>
+            <a:picLocks noChangeAspect="1"/>
+          </p:cNvPicPr>
+          <p:nvPr/>
+        </p:nvPicPr>
+        <p:blipFill>
+          <a:blip r:embed="rId2">
+            <a:extLst>
+              <a:ext uri="{28A0092B-C50C-407E-A947-70E740481C1C}">
+                <a14:useLocalDpi xmlns:a14="http://schemas.microsoft.com/office/drawing/2010/main" val="0"/>
+              </a:ext>
+            </a:extLst>
+          </a:blip>
+          <a:stretch>
+            <a:fillRect/>
+          </a:stretch>
+        </p:blipFill>
+        <p:spPr>
+          <a:xfrm>
+            <a:off x="8560209" y="2118000"/>
+            <a:ext cx="3489223" cy="2616917"/>
+          </a:xfrm>
+          <a:prstGeom prst="rect">
+            <a:avLst/>
+          </a:prstGeom>
+        </p:spPr>
+      </p:pic>
+      <p:pic>
+        <p:nvPicPr>
+          <p:cNvPr id="4" name="Image 3"/>
+          <p:cNvPicPr>
+            <a:picLocks noChangeAspect="1"/>
+          </p:cNvPicPr>
+          <p:nvPr/>
+        </p:nvPicPr>
+        <p:blipFill>
+          <a:blip r:embed="rId3">
+            <a:extLst>
+              <a:ext uri="{28A0092B-C50C-407E-A947-70E740481C1C}">
+                <a14:useLocalDpi xmlns:a14="http://schemas.microsoft.com/office/drawing/2010/main" val="0"/>
+              </a:ext>
+            </a:extLst>
+          </a:blip>
+          <a:stretch>
+            <a:fillRect/>
+          </a:stretch>
+        </p:blipFill>
+        <p:spPr>
+          <a:xfrm>
+            <a:off x="4435562" y="2118000"/>
+            <a:ext cx="3526024" cy="2606327"/>
+          </a:xfrm>
+          <a:prstGeom prst="rect">
+            <a:avLst/>
+          </a:prstGeom>
+        </p:spPr>
+      </p:pic>
+      <p:sp>
+        <p:nvSpPr>
+          <p:cNvPr id="5" name="ZoneTexte 4"/>
+          <p:cNvSpPr txBox="1"/>
+          <p:nvPr/>
+        </p:nvSpPr>
+        <p:spPr>
+          <a:xfrm>
+            <a:off x="4310294" y="4971044"/>
+            <a:ext cx="3156943" cy="1323439"/>
+          </a:xfrm>
+          <a:prstGeom prst="rect">
+            <a:avLst/>
+          </a:prstGeom>
+          <a:noFill/>
+        </p:spPr>
+        <p:txBody>
+          <a:bodyPr wrap="square" rtlCol="0">
+            <a:spAutoFit/>
+          </a:bodyPr>
+          <a:lstStyle/>
+          <a:p>
+            <a:pPr algn="ctr"/>
+            <a:r>
+              <a:rPr lang="fr-FR" sz="2000" dirty="0" smtClean="0">
+                <a:latin typeface="Futura Condensed" charset="0"/>
+                <a:ea typeface="Futura Condensed" charset="0"/>
+                <a:cs typeface="Futura Condensed" charset="0"/>
+              </a:rPr>
+              <a:t>Pas : 0.25</a:t>
+            </a:r>
+          </a:p>
+          <a:p>
+            <a:pPr algn="ctr"/>
+            <a:endParaRPr lang="fr-FR" sz="2000" dirty="0">
+              <a:latin typeface="Futura Condensed" charset="0"/>
+              <a:ea typeface="Futura Condensed" charset="0"/>
+              <a:cs typeface="Futura Condensed" charset="0"/>
+            </a:endParaRPr>
+          </a:p>
+          <a:p>
+            <a:pPr algn="ctr"/>
+            <a:r>
+              <a:rPr lang="fr-FR" sz="2000" dirty="0">
+                <a:latin typeface="Futura Condensed" charset="0"/>
+                <a:ea typeface="Futura Condensed" charset="0"/>
+                <a:cs typeface="Futura Condensed" charset="0"/>
+              </a:rPr>
+              <a:t>Valeur Moyenne : </a:t>
+            </a:r>
+            <a:r>
+              <a:rPr lang="fr-FR" sz="2000" dirty="0" smtClean="0">
+                <a:latin typeface="Futura Condensed" charset="0"/>
+                <a:ea typeface="Futura Condensed" charset="0"/>
+                <a:cs typeface="Futura Condensed" charset="0"/>
+              </a:rPr>
+              <a:t>1897.1</a:t>
+            </a:r>
+            <a:endParaRPr lang="fr-FR" sz="2000" dirty="0">
+              <a:latin typeface="Futura Condensed" charset="0"/>
+              <a:ea typeface="Futura Condensed" charset="0"/>
+              <a:cs typeface="Futura Condensed" charset="0"/>
+            </a:endParaRPr>
+          </a:p>
+          <a:p>
+            <a:pPr algn="ctr"/>
+            <a:endParaRPr lang="fr-FR" sz="2000" dirty="0">
+              <a:latin typeface="Futura Condensed" charset="0"/>
+              <a:ea typeface="Futura Condensed" charset="0"/>
+              <a:cs typeface="Futura Condensed" charset="0"/>
+            </a:endParaRPr>
+          </a:p>
+        </p:txBody>
+      </p:sp>
+      <p:sp>
+        <p:nvSpPr>
+          <p:cNvPr id="6" name="ZoneTexte 5"/>
+          <p:cNvSpPr txBox="1"/>
+          <p:nvPr/>
+        </p:nvSpPr>
+        <p:spPr>
+          <a:xfrm>
+            <a:off x="8560209" y="4972755"/>
+            <a:ext cx="3156943" cy="1323439"/>
+          </a:xfrm>
+          <a:prstGeom prst="rect">
+            <a:avLst/>
+          </a:prstGeom>
+          <a:noFill/>
+        </p:spPr>
+        <p:txBody>
+          <a:bodyPr wrap="square" rtlCol="0">
+            <a:spAutoFit/>
+          </a:bodyPr>
+          <a:lstStyle/>
+          <a:p>
+            <a:pPr algn="ctr"/>
+            <a:r>
+              <a:rPr lang="fr-FR" sz="2000" dirty="0" smtClean="0">
+                <a:latin typeface="Futura Condensed" charset="0"/>
+                <a:ea typeface="Futura Condensed" charset="0"/>
+                <a:cs typeface="Futura Condensed" charset="0"/>
+              </a:rPr>
+              <a:t>Pas : 0.5</a:t>
+            </a:r>
+          </a:p>
+          <a:p>
+            <a:pPr algn="ctr"/>
+            <a:endParaRPr lang="fr-FR" sz="2000" dirty="0">
+              <a:latin typeface="Futura Condensed" charset="0"/>
+              <a:ea typeface="Futura Condensed" charset="0"/>
+              <a:cs typeface="Futura Condensed" charset="0"/>
+            </a:endParaRPr>
+          </a:p>
+          <a:p>
+            <a:pPr algn="ctr"/>
+            <a:r>
+              <a:rPr lang="fr-FR" sz="2000" dirty="0">
+                <a:latin typeface="Futura Condensed" charset="0"/>
+                <a:ea typeface="Futura Condensed" charset="0"/>
+                <a:cs typeface="Futura Condensed" charset="0"/>
+              </a:rPr>
+              <a:t>Valeur Moyenne : </a:t>
+            </a:r>
+            <a:r>
+              <a:rPr lang="fr-FR" sz="2000" dirty="0" smtClean="0">
+                <a:latin typeface="Futura Condensed" charset="0"/>
+                <a:ea typeface="Futura Condensed" charset="0"/>
+                <a:cs typeface="Futura Condensed" charset="0"/>
+              </a:rPr>
+              <a:t>1898.6</a:t>
+            </a:r>
+            <a:endParaRPr lang="fr-FR" sz="2000" dirty="0">
+              <a:latin typeface="Futura Condensed" charset="0"/>
+              <a:ea typeface="Futura Condensed" charset="0"/>
+              <a:cs typeface="Futura Condensed" charset="0"/>
+            </a:endParaRPr>
+          </a:p>
+          <a:p>
+            <a:pPr algn="ctr"/>
+            <a:endParaRPr lang="fr-FR" sz="2000" dirty="0" smtClean="0">
+              <a:latin typeface="Futura Condensed" charset="0"/>
+              <a:ea typeface="Futura Condensed" charset="0"/>
+              <a:cs typeface="Futura Condensed" charset="0"/>
+            </a:endParaRPr>
+          </a:p>
+        </p:txBody>
+      </p:sp>
+      <p:pic>
+        <p:nvPicPr>
+          <p:cNvPr id="8" name="Image 7"/>
+          <p:cNvPicPr>
+            <a:picLocks noChangeAspect="1"/>
+          </p:cNvPicPr>
+          <p:nvPr/>
+        </p:nvPicPr>
+        <p:blipFill>
+          <a:blip r:embed="rId4">
+            <a:extLst>
+              <a:ext uri="{28A0092B-C50C-407E-A947-70E740481C1C}">
+                <a14:useLocalDpi xmlns:a14="http://schemas.microsoft.com/office/drawing/2010/main" val="0"/>
+              </a:ext>
+            </a:extLst>
+          </a:blip>
+          <a:stretch>
+            <a:fillRect/>
+          </a:stretch>
+        </p:blipFill>
+        <p:spPr>
+          <a:xfrm>
+            <a:off x="484192" y="2109441"/>
+            <a:ext cx="3486515" cy="2614886"/>
+          </a:xfrm>
+          <a:prstGeom prst="rect">
+            <a:avLst/>
+          </a:prstGeom>
+        </p:spPr>
+      </p:pic>
+      <p:sp>
+        <p:nvSpPr>
+          <p:cNvPr id="9" name="ZoneTexte 8"/>
+          <p:cNvSpPr txBox="1"/>
+          <p:nvPr/>
+        </p:nvSpPr>
+        <p:spPr>
+          <a:xfrm>
+            <a:off x="504497" y="4971044"/>
+            <a:ext cx="3156943" cy="1015663"/>
+          </a:xfrm>
+          <a:prstGeom prst="rect">
+            <a:avLst/>
+          </a:prstGeom>
+          <a:noFill/>
+        </p:spPr>
+        <p:txBody>
+          <a:bodyPr wrap="square" rtlCol="0">
+            <a:spAutoFit/>
+          </a:bodyPr>
+          <a:lstStyle/>
+          <a:p>
+            <a:pPr algn="ctr"/>
+            <a:r>
+              <a:rPr lang="fr-FR" sz="2000" dirty="0" smtClean="0">
+                <a:latin typeface="Futura Condensed" charset="0"/>
+                <a:ea typeface="Futura Condensed" charset="0"/>
+                <a:cs typeface="Futura Condensed" charset="0"/>
+              </a:rPr>
+              <a:t>Pas : 0.1</a:t>
+            </a:r>
+          </a:p>
+          <a:p>
+            <a:pPr algn="ctr"/>
+            <a:endParaRPr lang="fr-FR" sz="2000" dirty="0">
+              <a:latin typeface="Futura Condensed" charset="0"/>
+              <a:ea typeface="Futura Condensed" charset="0"/>
+              <a:cs typeface="Futura Condensed" charset="0"/>
+            </a:endParaRPr>
+          </a:p>
+          <a:p>
+            <a:pPr algn="ctr"/>
+            <a:r>
+              <a:rPr lang="fr-FR" sz="2000" dirty="0" smtClean="0">
+                <a:latin typeface="Futura Condensed" charset="0"/>
+                <a:ea typeface="Futura Condensed" charset="0"/>
+                <a:cs typeface="Futura Condensed" charset="0"/>
+              </a:rPr>
+              <a:t>Valeur Moyenne : 1897.8</a:t>
+            </a:r>
+            <a:endParaRPr lang="fr-FR" sz="2000" dirty="0">
+              <a:latin typeface="Futura Condensed" charset="0"/>
+              <a:ea typeface="Futura Condensed" charset="0"/>
+              <a:cs typeface="Futura Condensed" charset="0"/>
+            </a:endParaRPr>
+          </a:p>
+        </p:txBody>
+      </p:sp>
+      <p:sp>
+        <p:nvSpPr>
+          <p:cNvPr id="10" name="ZoneTexte 9"/>
+          <p:cNvSpPr txBox="1"/>
+          <p:nvPr/>
+        </p:nvSpPr>
+        <p:spPr>
+          <a:xfrm>
+            <a:off x="183932" y="1585973"/>
+            <a:ext cx="3156943" cy="400110"/>
+          </a:xfrm>
+          <a:prstGeom prst="rect">
+            <a:avLst/>
+          </a:prstGeom>
+          <a:noFill/>
+        </p:spPr>
+        <p:txBody>
+          <a:bodyPr wrap="square" rtlCol="0">
+            <a:spAutoFit/>
+          </a:bodyPr>
+          <a:lstStyle/>
+          <a:p>
+            <a:pPr algn="ctr"/>
+            <a:r>
+              <a:rPr lang="fr-FR" sz="2000" smtClean="0">
+                <a:latin typeface="Futura Condensed" charset="0"/>
+                <a:ea typeface="Futura Condensed" charset="0"/>
+                <a:cs typeface="Futura Condensed" charset="0"/>
+              </a:rPr>
+              <a:t>Flux rentrant : 10000</a:t>
+            </a:r>
+            <a:endParaRPr lang="fr-FR" sz="2000" dirty="0">
+              <a:latin typeface="Futura Condensed" charset="0"/>
+              <a:ea typeface="Futura Condensed" charset="0"/>
+              <a:cs typeface="Futura Condensed" charset="0"/>
+            </a:endParaRPr>
+          </a:p>
+        </p:txBody>
+      </p:sp>
+    </p:spTree>
+    <p:extLst>
+      <p:ext uri="{BB962C8B-B14F-4D97-AF65-F5344CB8AC3E}">
+        <p14:creationId xmlns:p14="http://schemas.microsoft.com/office/powerpoint/2010/main" val="580920346"/>
+      </p:ext>
+    </p:extLst>
+  </p:cSld>
+  <p:clrMapOvr>
+    <a:masterClrMapping/>
+  </p:clrMapOvr>
+</p:sld>
+</file>
+
+<file path=ppt/slides/slide16.xml><?xml version="1.0" encoding="utf-8"?>
+<p:sld xmlns:a="http://schemas.openxmlformats.org/drawingml/2006/main" xmlns:r="http://schemas.openxmlformats.org/officeDocument/2006/relationships" xmlns:p="http://schemas.openxmlformats.org/presentationml/2006/main">
+  <p:cSld>
+    <p:spTree>
+      <p:nvGrpSpPr>
+        <p:cNvPr id="1" name=""/>
+        <p:cNvGrpSpPr/>
+        <p:nvPr/>
+      </p:nvGrpSpPr>
+      <p:grpSpPr>
+        <a:xfrm>
+          <a:off x="0" y="0"/>
+          <a:ext cx="0" cy="0"/>
+          <a:chOff x="0" y="0"/>
+          <a:chExt cx="0" cy="0"/>
+        </a:xfrm>
+      </p:grpSpPr>
+      <p:sp>
+        <p:nvSpPr>
+          <p:cNvPr id="2" name="ZoneTexte 1"/>
+          <p:cNvSpPr txBox="1"/>
+          <p:nvPr/>
+        </p:nvSpPr>
+        <p:spPr>
+          <a:xfrm>
+            <a:off x="490654" y="824744"/>
+            <a:ext cx="11057069" cy="6740307"/>
+          </a:xfrm>
+          <a:prstGeom prst="rect">
+            <a:avLst/>
+          </a:prstGeom>
+          <a:noFill/>
+        </p:spPr>
+        <p:txBody>
+          <a:bodyPr wrap="square" rtlCol="0">
+            <a:spAutoFit/>
+          </a:bodyPr>
+          <a:lstStyle/>
+          <a:p>
+            <a:pPr algn="ctr"/>
+            <a:r>
+              <a:rPr lang="fr-FR" sz="4000" b="1" dirty="0" smtClean="0">
+                <a:latin typeface="Futura Condensed" charset="0"/>
+                <a:ea typeface="Futura Condensed" charset="0"/>
+                <a:cs typeface="Futura Condensed" charset="0"/>
+              </a:rPr>
+              <a:t>Quelques mots sur le résultat :</a:t>
+            </a:r>
+          </a:p>
+          <a:p>
+            <a:pPr algn="ctr"/>
+            <a:endParaRPr lang="fr-FR" sz="4000" dirty="0">
+              <a:latin typeface="Futura Condensed" charset="0"/>
+              <a:ea typeface="Futura Condensed" charset="0"/>
+              <a:cs typeface="Futura Condensed" charset="0"/>
+            </a:endParaRPr>
+          </a:p>
+          <a:p>
+            <a:pPr marL="571500" indent="-571500">
+              <a:buFont typeface="Arial" charset="0"/>
+              <a:buChar char="•"/>
+            </a:pPr>
+            <a:r>
+              <a:rPr lang="fr-FR" sz="4000" dirty="0" smtClean="0">
+                <a:latin typeface="Futura Condensed" charset="0"/>
+                <a:ea typeface="Futura Condensed" charset="0"/>
+                <a:cs typeface="Futura Condensed" charset="0"/>
+              </a:rPr>
+              <a:t>Les figures semblent devenir symétriques</a:t>
+            </a:r>
+          </a:p>
+          <a:p>
+            <a:pPr marL="571500" indent="-571500">
+              <a:buFont typeface="Arial" charset="0"/>
+              <a:buChar char="•"/>
+            </a:pPr>
+            <a:endParaRPr lang="fr-FR" sz="4000" dirty="0">
+              <a:latin typeface="Futura Condensed" charset="0"/>
+              <a:ea typeface="Futura Condensed" charset="0"/>
+              <a:cs typeface="Futura Condensed" charset="0"/>
+            </a:endParaRPr>
+          </a:p>
+          <a:p>
+            <a:pPr marL="571500" indent="-571500">
+              <a:buFont typeface="Arial" charset="0"/>
+              <a:buChar char="•"/>
+            </a:pPr>
+            <a:r>
+              <a:rPr lang="fr-FR" sz="4000" dirty="0" smtClean="0">
+                <a:latin typeface="Futura Condensed" charset="0"/>
+                <a:ea typeface="Futura Condensed" charset="0"/>
+                <a:cs typeface="Futura Condensed" charset="0"/>
+              </a:rPr>
+              <a:t>Les résultats sont très dépendants de la forme initiale</a:t>
+            </a:r>
+          </a:p>
+          <a:p>
+            <a:pPr marL="571500" indent="-571500">
+              <a:buFont typeface="Arial" charset="0"/>
+              <a:buChar char="•"/>
+            </a:pPr>
+            <a:endParaRPr lang="fr-FR" sz="4000" dirty="0">
+              <a:latin typeface="Futura Condensed" charset="0"/>
+              <a:ea typeface="Futura Condensed" charset="0"/>
+              <a:cs typeface="Futura Condensed" charset="0"/>
+            </a:endParaRPr>
+          </a:p>
+          <a:p>
+            <a:pPr marL="571500" indent="-571500">
+              <a:buFont typeface="Arial" charset="0"/>
+              <a:buChar char="•"/>
+            </a:pPr>
+            <a:r>
+              <a:rPr lang="fr-FR" sz="4000" dirty="0" smtClean="0">
+                <a:latin typeface="Futura Condensed" charset="0"/>
+                <a:ea typeface="Futura Condensed" charset="0"/>
+                <a:cs typeface="Futura Condensed" charset="0"/>
+              </a:rPr>
+              <a:t>La précision du résultat dépend fortement du pas choisi pour les petits déplacements de points</a:t>
+            </a:r>
+            <a:endParaRPr lang="fr-FR" sz="4000" dirty="0" smtClean="0">
+              <a:latin typeface="Futura Condensed" charset="0"/>
+              <a:ea typeface="Futura Condensed" charset="0"/>
+              <a:cs typeface="Futura Condensed" charset="0"/>
+            </a:endParaRPr>
+          </a:p>
+          <a:p>
+            <a:pPr marL="571500" indent="-571500">
+              <a:buFont typeface="Arial" charset="0"/>
+              <a:buChar char="•"/>
+            </a:pPr>
+            <a:endParaRPr lang="fr-FR" sz="4000" dirty="0" smtClean="0">
+              <a:latin typeface="Futura Condensed" charset="0"/>
+              <a:ea typeface="Futura Condensed" charset="0"/>
+              <a:cs typeface="Futura Condensed" charset="0"/>
+            </a:endParaRPr>
+          </a:p>
+          <a:p>
+            <a:pPr marL="571500" indent="-571500">
+              <a:buFont typeface="Arial" charset="0"/>
+              <a:buChar char="•"/>
+            </a:pPr>
+            <a:endParaRPr lang="fr-FR" sz="4000" dirty="0" smtClean="0">
+              <a:latin typeface="Futura Condensed" charset="0"/>
+              <a:ea typeface="Futura Condensed" charset="0"/>
+              <a:cs typeface="Futura Condensed" charset="0"/>
+            </a:endParaRPr>
+          </a:p>
+          <a:p>
+            <a:pPr algn="ctr"/>
+            <a:endParaRPr lang="fr-FR" sz="3200" dirty="0">
+              <a:latin typeface="Futura Condensed" charset="0"/>
+              <a:ea typeface="Futura Condensed" charset="0"/>
+              <a:cs typeface="Futura Condensed" charset="0"/>
+            </a:endParaRPr>
+          </a:p>
+        </p:txBody>
+      </p:sp>
+    </p:spTree>
+    <p:extLst>
+      <p:ext uri="{BB962C8B-B14F-4D97-AF65-F5344CB8AC3E}">
+        <p14:creationId xmlns:p14="http://schemas.microsoft.com/office/powerpoint/2010/main" val="506222361"/>
+      </p:ext>
+    </p:extLst>
+  </p:cSld>
+  <p:clrMapOvr>
+    <a:masterClrMapping/>
+  </p:clrMapOvr>
+</p:sld>
+</file>
+
+<file path=ppt/slides/slide17.xml><?xml version="1.0" encoding="utf-8"?>
+<p:sld xmlns:a="http://schemas.openxmlformats.org/drawingml/2006/main" xmlns:r="http://schemas.openxmlformats.org/officeDocument/2006/relationships" xmlns:p="http://schemas.openxmlformats.org/presentationml/2006/main">
+  <p:cSld>
+    <p:spTree>
+      <p:nvGrpSpPr>
+        <p:cNvPr id="1" name=""/>
+        <p:cNvGrpSpPr/>
+        <p:nvPr/>
+      </p:nvGrpSpPr>
+      <p:grpSpPr>
+        <a:xfrm>
+          <a:off x="0" y="0"/>
+          <a:ext cx="0" cy="0"/>
+          <a:chOff x="0" y="0"/>
+          <a:chExt cx="0" cy="0"/>
+        </a:xfrm>
+      </p:grpSpPr>
+      <p:sp>
+        <p:nvSpPr>
+          <p:cNvPr id="2" name="ZoneTexte 1"/>
+          <p:cNvSpPr txBox="1"/>
+          <p:nvPr/>
+        </p:nvSpPr>
+        <p:spPr>
+          <a:xfrm>
+            <a:off x="490654" y="824744"/>
+            <a:ext cx="11057069" cy="6740307"/>
+          </a:xfrm>
+          <a:prstGeom prst="rect">
+            <a:avLst/>
+          </a:prstGeom>
+          <a:noFill/>
+        </p:spPr>
+        <p:txBody>
+          <a:bodyPr wrap="square" rtlCol="0">
+            <a:spAutoFit/>
+          </a:bodyPr>
+          <a:lstStyle/>
+          <a:p>
+            <a:pPr algn="ctr"/>
+            <a:r>
+              <a:rPr lang="fr-FR" sz="4000" b="1" dirty="0" smtClean="0">
+                <a:latin typeface="Futura Condensed" charset="0"/>
+                <a:ea typeface="Futura Condensed" charset="0"/>
+                <a:cs typeface="Futura Condensed" charset="0"/>
+              </a:rPr>
+              <a:t>Limites de la méthode</a:t>
+            </a:r>
+          </a:p>
+          <a:p>
+            <a:pPr algn="ctr"/>
+            <a:endParaRPr lang="fr-FR" sz="4000" dirty="0">
+              <a:latin typeface="Futura Condensed" charset="0"/>
+              <a:ea typeface="Futura Condensed" charset="0"/>
+              <a:cs typeface="Futura Condensed" charset="0"/>
+            </a:endParaRPr>
+          </a:p>
+          <a:p>
+            <a:pPr marL="571500" indent="-571500">
+              <a:buFont typeface="Arial" charset="0"/>
+              <a:buChar char="•"/>
+            </a:pPr>
+            <a:r>
+              <a:rPr lang="fr-FR" sz="4000" dirty="0" smtClean="0">
+                <a:latin typeface="Futura Condensed" charset="0"/>
+                <a:ea typeface="Futura Condensed" charset="0"/>
+                <a:cs typeface="Futura Condensed" charset="0"/>
+              </a:rPr>
+              <a:t>Pas assez de liberté de mouvements</a:t>
+            </a:r>
+          </a:p>
+          <a:p>
+            <a:pPr marL="571500" indent="-571500">
+              <a:buFont typeface="Arial" charset="0"/>
+              <a:buChar char="•"/>
+            </a:pPr>
+            <a:endParaRPr lang="fr-FR" sz="4000" dirty="0">
+              <a:latin typeface="Futura Condensed" charset="0"/>
+              <a:ea typeface="Futura Condensed" charset="0"/>
+              <a:cs typeface="Futura Condensed" charset="0"/>
+            </a:endParaRPr>
+          </a:p>
+          <a:p>
+            <a:pPr marL="571500" indent="-571500">
+              <a:buFont typeface="Arial" charset="0"/>
+              <a:buChar char="•"/>
+            </a:pPr>
+            <a:r>
+              <a:rPr lang="fr-FR" sz="4000" dirty="0" smtClean="0">
+                <a:latin typeface="Futura Condensed" charset="0"/>
+                <a:ea typeface="Futura Condensed" charset="0"/>
+                <a:cs typeface="Futura Condensed" charset="0"/>
+              </a:rPr>
+              <a:t>Trop dépendant du choix du pas (un pas plus petit ne signifie pas de résultat plus précis)</a:t>
+            </a:r>
+          </a:p>
+          <a:p>
+            <a:pPr marL="571500" indent="-571500">
+              <a:buFont typeface="Arial" charset="0"/>
+              <a:buChar char="•"/>
+            </a:pPr>
+            <a:endParaRPr lang="fr-FR" sz="4000" dirty="0">
+              <a:latin typeface="Futura Condensed" charset="0"/>
+              <a:ea typeface="Futura Condensed" charset="0"/>
+              <a:cs typeface="Futura Condensed" charset="0"/>
+            </a:endParaRPr>
+          </a:p>
+          <a:p>
+            <a:pPr marL="571500" indent="-571500">
+              <a:buFont typeface="Arial" charset="0"/>
+              <a:buChar char="•"/>
+            </a:pPr>
+            <a:r>
+              <a:rPr lang="fr-FR" sz="4000" dirty="0" smtClean="0">
+                <a:latin typeface="Futura Condensed" charset="0"/>
+                <a:ea typeface="Futura Condensed" charset="0"/>
+                <a:cs typeface="Futura Condensed" charset="0"/>
+              </a:rPr>
+              <a:t>L’algorithme ne peut déplacer qu’un seul points à la fois, et n’exploite pas de mouvements symétriques</a:t>
+            </a:r>
+            <a:endParaRPr lang="fr-FR" sz="4000" dirty="0" smtClean="0">
+              <a:latin typeface="Futura Condensed" charset="0"/>
+              <a:ea typeface="Futura Condensed" charset="0"/>
+              <a:cs typeface="Futura Condensed" charset="0"/>
+            </a:endParaRPr>
+          </a:p>
+          <a:p>
+            <a:pPr marL="571500" indent="-571500">
+              <a:buFont typeface="Arial" charset="0"/>
+              <a:buChar char="•"/>
+            </a:pPr>
+            <a:endParaRPr lang="fr-FR" sz="4000" dirty="0" smtClean="0">
+              <a:latin typeface="Futura Condensed" charset="0"/>
+              <a:ea typeface="Futura Condensed" charset="0"/>
+              <a:cs typeface="Futura Condensed" charset="0"/>
+            </a:endParaRPr>
+          </a:p>
+          <a:p>
+            <a:pPr algn="ctr"/>
+            <a:endParaRPr lang="fr-FR" sz="3200" dirty="0">
+              <a:latin typeface="Futura Condensed" charset="0"/>
+              <a:ea typeface="Futura Condensed" charset="0"/>
+              <a:cs typeface="Futura Condensed" charset="0"/>
+            </a:endParaRPr>
+          </a:p>
+        </p:txBody>
+      </p:sp>
+    </p:spTree>
+    <p:extLst>
+      <p:ext uri="{BB962C8B-B14F-4D97-AF65-F5344CB8AC3E}">
+        <p14:creationId xmlns:p14="http://schemas.microsoft.com/office/powerpoint/2010/main" val="1524814812"/>
+      </p:ext>
+    </p:extLst>
+  </p:cSld>
+  <p:clrMapOvr>
+    <a:masterClrMapping/>
+  </p:clrMapOvr>
+</p:sld>
+</file>
+
+<file path=ppt/slides/slide18.xml><?xml version="1.0" encoding="utf-8"?>
+<p:sld xmlns:a="http://schemas.openxmlformats.org/drawingml/2006/main" xmlns:r="http://schemas.openxmlformats.org/officeDocument/2006/relationships" xmlns:p="http://schemas.openxmlformats.org/presentationml/2006/main">
+  <p:cSld>
+    <p:spTree>
+      <p:nvGrpSpPr>
+        <p:cNvPr id="1" name=""/>
+        <p:cNvGrpSpPr/>
+        <p:nvPr/>
+      </p:nvGrpSpPr>
+      <p:grpSpPr>
+        <a:xfrm>
+          <a:off x="0" y="0"/>
+          <a:ext cx="0" cy="0"/>
+          <a:chOff x="0" y="0"/>
+          <a:chExt cx="0" cy="0"/>
+        </a:xfrm>
+      </p:grpSpPr>
+      <p:sp>
+        <p:nvSpPr>
+          <p:cNvPr id="2" name="ZoneTexte 1"/>
+          <p:cNvSpPr txBox="1"/>
+          <p:nvPr/>
+        </p:nvSpPr>
+        <p:spPr>
+          <a:xfrm>
+            <a:off x="-205138" y="225654"/>
+            <a:ext cx="11057069" cy="1815882"/>
+          </a:xfrm>
+          <a:prstGeom prst="rect">
+            <a:avLst/>
+          </a:prstGeom>
+          <a:noFill/>
+        </p:spPr>
+        <p:txBody>
+          <a:bodyPr wrap="square" rtlCol="0">
+            <a:spAutoFit/>
+          </a:bodyPr>
+          <a:lstStyle/>
+          <a:p>
+            <a:pPr marL="571500" indent="-571500">
+              <a:buFont typeface="Arial" charset="0"/>
+              <a:buChar char="•"/>
+            </a:pPr>
+            <a:endParaRPr lang="fr-FR" sz="4000" dirty="0" smtClean="0">
+              <a:latin typeface="Futura Condensed" charset="0"/>
+              <a:ea typeface="Futura Condensed" charset="0"/>
+              <a:cs typeface="Futura Condensed" charset="0"/>
+            </a:endParaRPr>
+          </a:p>
+          <a:p>
+            <a:pPr marL="571500" indent="-571500">
+              <a:buFont typeface="Arial" charset="0"/>
+              <a:buChar char="•"/>
+            </a:pPr>
+            <a:endParaRPr lang="fr-FR" sz="4000" dirty="0" smtClean="0">
+              <a:latin typeface="Futura Condensed" charset="0"/>
+              <a:ea typeface="Futura Condensed" charset="0"/>
+              <a:cs typeface="Futura Condensed" charset="0"/>
+            </a:endParaRPr>
+          </a:p>
+          <a:p>
+            <a:pPr algn="ctr"/>
+            <a:endParaRPr lang="fr-FR" sz="3200" dirty="0">
+              <a:latin typeface="Futura Condensed" charset="0"/>
+              <a:ea typeface="Futura Condensed" charset="0"/>
+              <a:cs typeface="Futura Condensed" charset="0"/>
+            </a:endParaRPr>
+          </a:p>
+        </p:txBody>
+      </p:sp>
+      <p:sp>
+        <p:nvSpPr>
+          <p:cNvPr id="3" name="ZoneTexte 2"/>
+          <p:cNvSpPr txBox="1"/>
+          <p:nvPr/>
+        </p:nvSpPr>
+        <p:spPr>
+          <a:xfrm>
+            <a:off x="774435" y="672026"/>
+            <a:ext cx="9725400" cy="1815882"/>
+          </a:xfrm>
+          <a:prstGeom prst="rect">
+            <a:avLst/>
+          </a:prstGeom>
+          <a:noFill/>
+        </p:spPr>
+        <p:txBody>
+          <a:bodyPr wrap="square" rtlCol="0">
+            <a:spAutoFit/>
+          </a:bodyPr>
+          <a:lstStyle/>
+          <a:p>
+            <a:pPr algn="ctr"/>
+            <a:r>
+              <a:rPr lang="fr-FR" sz="4000" b="1" dirty="0" smtClean="0">
+                <a:latin typeface="Futura Condensed" charset="0"/>
+                <a:ea typeface="Futura Condensed" charset="0"/>
+                <a:cs typeface="Futura Condensed" charset="0"/>
+              </a:rPr>
+              <a:t>Relations qualitatives entre forme de la pièce et température moyenne</a:t>
+            </a:r>
+            <a:endParaRPr lang="fr-FR" sz="4000" dirty="0" smtClean="0">
+              <a:latin typeface="Futura Condensed" charset="0"/>
+              <a:ea typeface="Futura Condensed" charset="0"/>
+              <a:cs typeface="Futura Condensed" charset="0"/>
+            </a:endParaRPr>
+          </a:p>
+          <a:p>
+            <a:pPr algn="ctr"/>
+            <a:endParaRPr lang="fr-FR" sz="3200" dirty="0">
+              <a:latin typeface="Futura Condensed" charset="0"/>
+              <a:ea typeface="Futura Condensed" charset="0"/>
+              <a:cs typeface="Futura Condensed" charset="0"/>
+            </a:endParaRPr>
+          </a:p>
+        </p:txBody>
+      </p:sp>
+      <p:sp>
+        <p:nvSpPr>
+          <p:cNvPr id="9" name="ZoneTexte 8"/>
+          <p:cNvSpPr txBox="1"/>
+          <p:nvPr/>
+        </p:nvSpPr>
+        <p:spPr>
+          <a:xfrm>
+            <a:off x="7946242" y="2041536"/>
+            <a:ext cx="2905689" cy="8094524"/>
+          </a:xfrm>
+          <a:prstGeom prst="rect">
+            <a:avLst/>
+          </a:prstGeom>
+          <a:noFill/>
+        </p:spPr>
+        <p:txBody>
+          <a:bodyPr wrap="square" rtlCol="0">
+            <a:spAutoFit/>
+          </a:bodyPr>
+          <a:lstStyle/>
+          <a:p>
+            <a:pPr algn="ctr"/>
+            <a:r>
+              <a:rPr lang="fr-FR" sz="2800" dirty="0" smtClean="0">
+                <a:latin typeface="Futura Condensed" charset="0"/>
+                <a:ea typeface="Futura Condensed" charset="0"/>
+                <a:cs typeface="Futura Condensed" charset="0"/>
+              </a:rPr>
+              <a:t>Valeurs moyennes de la température :</a:t>
+            </a:r>
+          </a:p>
+          <a:p>
+            <a:pPr algn="ctr"/>
+            <a:endParaRPr lang="fr-FR" sz="2800" dirty="0">
+              <a:latin typeface="Futura Condensed" charset="0"/>
+              <a:ea typeface="Futura Condensed" charset="0"/>
+              <a:cs typeface="Futura Condensed" charset="0"/>
+            </a:endParaRPr>
+          </a:p>
+          <a:p>
+            <a:r>
+              <a:rPr lang="fr-FR" sz="2800" dirty="0" smtClean="0">
+                <a:latin typeface="Futura Condensed" charset="0"/>
+                <a:ea typeface="Futura Condensed" charset="0"/>
+                <a:cs typeface="Futura Condensed" charset="0"/>
+              </a:rPr>
+              <a:t>Verte : 1279</a:t>
+            </a:r>
+          </a:p>
+          <a:p>
+            <a:endParaRPr lang="fr-FR" sz="2800" dirty="0">
+              <a:latin typeface="Futura Condensed" charset="0"/>
+              <a:ea typeface="Futura Condensed" charset="0"/>
+              <a:cs typeface="Futura Condensed" charset="0"/>
+            </a:endParaRPr>
+          </a:p>
+          <a:p>
+            <a:r>
+              <a:rPr lang="fr-FR" sz="2800" dirty="0" smtClean="0">
+                <a:latin typeface="Futura Condensed" charset="0"/>
+                <a:ea typeface="Futura Condensed" charset="0"/>
+                <a:cs typeface="Futura Condensed" charset="0"/>
+              </a:rPr>
+              <a:t>Bleue : 1370</a:t>
+            </a:r>
+          </a:p>
+          <a:p>
+            <a:endParaRPr lang="fr-FR" sz="2800" dirty="0">
+              <a:latin typeface="Futura Condensed" charset="0"/>
+              <a:ea typeface="Futura Condensed" charset="0"/>
+              <a:cs typeface="Futura Condensed" charset="0"/>
+            </a:endParaRPr>
+          </a:p>
+          <a:p>
+            <a:r>
+              <a:rPr lang="fr-FR" sz="2800" dirty="0" smtClean="0">
+                <a:latin typeface="Futura Condensed" charset="0"/>
+                <a:ea typeface="Futura Condensed" charset="0"/>
+                <a:cs typeface="Futura Condensed" charset="0"/>
+              </a:rPr>
+              <a:t>Rouge : 1020</a:t>
+            </a:r>
+          </a:p>
+          <a:p>
+            <a:endParaRPr lang="fr-FR" sz="2800" dirty="0">
+              <a:latin typeface="Futura Condensed" charset="0"/>
+              <a:ea typeface="Futura Condensed" charset="0"/>
+              <a:cs typeface="Futura Condensed" charset="0"/>
+            </a:endParaRPr>
+          </a:p>
+          <a:p>
+            <a:r>
+              <a:rPr lang="fr-FR" sz="2800" dirty="0" smtClean="0">
+                <a:latin typeface="Futura Condensed" charset="0"/>
+                <a:ea typeface="Futura Condensed" charset="0"/>
+                <a:cs typeface="Futura Condensed" charset="0"/>
+              </a:rPr>
+              <a:t>Cyan :  1455</a:t>
+            </a:r>
+          </a:p>
+          <a:p>
+            <a:endParaRPr lang="fr-FR" sz="2800" dirty="0">
+              <a:latin typeface="Futura Condensed" charset="0"/>
+              <a:ea typeface="Futura Condensed" charset="0"/>
+              <a:cs typeface="Futura Condensed" charset="0"/>
+            </a:endParaRPr>
+          </a:p>
+          <a:p>
+            <a:endParaRPr lang="fr-FR" sz="2800" dirty="0" smtClean="0">
+              <a:latin typeface="Futura Condensed" charset="0"/>
+              <a:ea typeface="Futura Condensed" charset="0"/>
+              <a:cs typeface="Futura Condensed" charset="0"/>
+            </a:endParaRPr>
+          </a:p>
+          <a:p>
+            <a:endParaRPr lang="fr-FR" sz="2800" dirty="0">
+              <a:latin typeface="Futura Condensed" charset="0"/>
+              <a:ea typeface="Futura Condensed" charset="0"/>
+              <a:cs typeface="Futura Condensed" charset="0"/>
+            </a:endParaRPr>
+          </a:p>
+          <a:p>
+            <a:endParaRPr lang="fr-FR" sz="2800" dirty="0" smtClean="0">
+              <a:latin typeface="Futura Condensed" charset="0"/>
+              <a:ea typeface="Futura Condensed" charset="0"/>
+              <a:cs typeface="Futura Condensed" charset="0"/>
+            </a:endParaRPr>
+          </a:p>
+          <a:p>
+            <a:endParaRPr lang="fr-FR" sz="2800" dirty="0">
+              <a:latin typeface="Futura Condensed" charset="0"/>
+              <a:ea typeface="Futura Condensed" charset="0"/>
+              <a:cs typeface="Futura Condensed" charset="0"/>
+            </a:endParaRPr>
+          </a:p>
+          <a:p>
+            <a:endParaRPr lang="fr-FR" sz="2800" dirty="0" smtClean="0">
+              <a:latin typeface="Futura Condensed" charset="0"/>
+              <a:ea typeface="Futura Condensed" charset="0"/>
+              <a:cs typeface="Futura Condensed" charset="0"/>
+            </a:endParaRPr>
+          </a:p>
+          <a:p>
+            <a:pPr marL="571500" indent="-571500">
+              <a:buFont typeface="Arial" charset="0"/>
+              <a:buChar char="•"/>
+            </a:pPr>
+            <a:endParaRPr lang="fr-FR" sz="4000" dirty="0" smtClean="0">
+              <a:latin typeface="Futura Condensed" charset="0"/>
+              <a:ea typeface="Futura Condensed" charset="0"/>
+              <a:cs typeface="Futura Condensed" charset="0"/>
+            </a:endParaRPr>
+          </a:p>
+          <a:p>
+            <a:pPr algn="ctr"/>
+            <a:endParaRPr lang="fr-FR" sz="3200" dirty="0">
+              <a:latin typeface="Futura Condensed" charset="0"/>
+              <a:ea typeface="Futura Condensed" charset="0"/>
+              <a:cs typeface="Futura Condensed" charset="0"/>
+            </a:endParaRPr>
+          </a:p>
+        </p:txBody>
+      </p:sp>
+      <p:pic>
+        <p:nvPicPr>
+          <p:cNvPr id="10" name="Image 9"/>
+          <p:cNvPicPr>
+            <a:picLocks noChangeAspect="1"/>
+          </p:cNvPicPr>
+          <p:nvPr/>
+        </p:nvPicPr>
+        <p:blipFill>
+          <a:blip r:embed="rId2">
+            <a:extLst>
+              <a:ext uri="{28A0092B-C50C-407E-A947-70E740481C1C}">
+                <a14:useLocalDpi xmlns:a14="http://schemas.microsoft.com/office/drawing/2010/main" val="0"/>
+              </a:ext>
+            </a:extLst>
+          </a:blip>
+          <a:stretch>
+            <a:fillRect/>
+          </a:stretch>
+        </p:blipFill>
+        <p:spPr>
+          <a:xfrm>
+            <a:off x="1101271" y="2041536"/>
+            <a:ext cx="5852160" cy="4389120"/>
+          </a:xfrm>
+          <a:prstGeom prst="rect">
+            <a:avLst/>
+          </a:prstGeom>
+        </p:spPr>
+      </p:pic>
+    </p:spTree>
+    <p:extLst>
+      <p:ext uri="{BB962C8B-B14F-4D97-AF65-F5344CB8AC3E}">
+        <p14:creationId xmlns:p14="http://schemas.microsoft.com/office/powerpoint/2010/main" val="1307431881"/>
+      </p:ext>
+    </p:extLst>
+  </p:cSld>
+  <p:clrMapOvr>
+    <a:masterClrMapping/>
+  </p:clrMapOvr>
+</p:sld>
+</file>
+
+<file path=ppt/slides/slide19.xml><?xml version="1.0" encoding="utf-8"?>
+<p:sld xmlns:a="http://schemas.openxmlformats.org/drawingml/2006/main" xmlns:r="http://schemas.openxmlformats.org/officeDocument/2006/relationships" xmlns:p="http://schemas.openxmlformats.org/presentationml/2006/main">
+  <p:cSld>
+    <p:spTree>
+      <p:nvGrpSpPr>
+        <p:cNvPr id="1" name=""/>
+        <p:cNvGrpSpPr/>
+        <p:nvPr/>
+      </p:nvGrpSpPr>
+      <p:grpSpPr>
+        <a:xfrm>
+          <a:off x="0" y="0"/>
+          <a:ext cx="0" cy="0"/>
+          <a:chOff x="0" y="0"/>
+          <a:chExt cx="0" cy="0"/>
+        </a:xfrm>
+      </p:grpSpPr>
+      <p:sp>
+        <p:nvSpPr>
+          <p:cNvPr id="2" name="ZoneTexte 1"/>
+          <p:cNvSpPr txBox="1"/>
+          <p:nvPr/>
+        </p:nvSpPr>
+        <p:spPr>
+          <a:xfrm>
+            <a:off x="774435" y="672026"/>
+            <a:ext cx="9725400" cy="1815882"/>
+          </a:xfrm>
+          <a:prstGeom prst="rect">
+            <a:avLst/>
+          </a:prstGeom>
+          <a:noFill/>
+        </p:spPr>
+        <p:txBody>
+          <a:bodyPr wrap="square" rtlCol="0">
+            <a:spAutoFit/>
+          </a:bodyPr>
+          <a:lstStyle/>
+          <a:p>
+            <a:pPr algn="ctr"/>
+            <a:r>
+              <a:rPr lang="fr-FR" sz="4000" b="1" dirty="0" smtClean="0">
+                <a:latin typeface="Futura Condensed" charset="0"/>
+                <a:ea typeface="Futura Condensed" charset="0"/>
+                <a:cs typeface="Futura Condensed" charset="0"/>
+              </a:rPr>
+              <a:t>Relations qualitatives entre forme de la pièce et température moyenne</a:t>
+            </a:r>
+            <a:endParaRPr lang="fr-FR" sz="4000" dirty="0" smtClean="0">
+              <a:latin typeface="Futura Condensed" charset="0"/>
+              <a:ea typeface="Futura Condensed" charset="0"/>
+              <a:cs typeface="Futura Condensed" charset="0"/>
+            </a:endParaRPr>
+          </a:p>
+          <a:p>
+            <a:pPr algn="ctr"/>
+            <a:endParaRPr lang="fr-FR" sz="3200" dirty="0">
+              <a:latin typeface="Futura Condensed" charset="0"/>
+              <a:ea typeface="Futura Condensed" charset="0"/>
+              <a:cs typeface="Futura Condensed" charset="0"/>
+            </a:endParaRPr>
+          </a:p>
+        </p:txBody>
+      </p:sp>
+    </p:spTree>
+    <p:extLst>
+      <p:ext uri="{BB962C8B-B14F-4D97-AF65-F5344CB8AC3E}">
+        <p14:creationId xmlns:p14="http://schemas.microsoft.com/office/powerpoint/2010/main" val="193630791"/>
       </p:ext>
     </p:extLst>
   </p:cSld>
@@ -4577,8 +6581,8 @@
         </p:blipFill>
         <p:spPr>
           <a:xfrm>
-            <a:off x="740541" y="4226559"/>
-            <a:ext cx="10598019" cy="1418861"/>
+            <a:off x="1971040" y="4094107"/>
+            <a:ext cx="9144000" cy="1279534"/>
           </a:xfrm>
           <a:prstGeom prst="rect">
             <a:avLst/>
@@ -4975,7 +6979,7 @@
         </p:nvSpPr>
         <p:spPr>
           <a:xfrm>
-            <a:off x="1840902" y="2273080"/>
+            <a:off x="1840900" y="2382170"/>
             <a:ext cx="1896035" cy="1559859"/>
           </a:xfrm>
           <a:prstGeom prst="downArrow">
@@ -5015,7 +7019,7 @@
         </p:nvSpPr>
         <p:spPr>
           <a:xfrm>
-            <a:off x="174812" y="4088964"/>
+            <a:off x="174810" y="4319384"/>
             <a:ext cx="5228217" cy="1815882"/>
           </a:xfrm>
           <a:prstGeom prst="rect">
@@ -5071,8 +7075,8 @@
         </p:blipFill>
         <p:spPr>
           <a:xfrm>
-            <a:off x="5999630" y="878696"/>
-            <a:ext cx="4760504" cy="4348629"/>
+            <a:off x="6155747" y="1449660"/>
+            <a:ext cx="5062380" cy="4666684"/>
           </a:xfrm>
           <a:prstGeom prst="rect">
             <a:avLst/>
@@ -5211,8 +7215,8 @@
           <a:chExt cx="0" cy="0"/>
         </a:xfrm>
       </p:grpSpPr>
-      <mc:AlternateContent xmlns:mc="http://schemas.openxmlformats.org/markup-compatibility/2006">
-        <mc:Choice xmlns:a14="http://schemas.microsoft.com/office/drawing/2010/main" Requires="a14">
+      <mc:AlternateContent xmlns:mc="http://schemas.openxmlformats.org/markup-compatibility/2006" xmlns:a14="http://schemas.microsoft.com/office/drawing/2010/main">
+        <mc:Choice Requires="a14">
           <p:sp>
             <p:nvSpPr>
               <p:cNvPr id="2" name="ZoneTexte 1"/>
@@ -5291,7 +7295,7 @@
             </p:txBody>
           </p:sp>
         </mc:Choice>
-        <mc:Fallback>
+        <mc:Fallback xmlns="">
           <p:sp>
             <p:nvSpPr>
               <p:cNvPr id="2" name="ZoneTexte 1"/>

--- a/Présentation1.pptx
+++ b/Présentation1.pptx
@@ -5,7 +5,7 @@
     <p:sldMasterId id="2147483840" r:id="rId1"/>
   </p:sldMasterIdLst>
   <p:notesMasterIdLst>
-    <p:notesMasterId r:id="rId21"/>
+    <p:notesMasterId r:id="rId24"/>
   </p:notesMasterIdLst>
   <p:sldIdLst>
     <p:sldId id="256" r:id="rId2"/>
@@ -17,7 +17,7 @@
     <p:sldId id="261" r:id="rId8"/>
     <p:sldId id="264" r:id="rId9"/>
     <p:sldId id="265" r:id="rId10"/>
-    <p:sldId id="266" r:id="rId11"/>
+    <p:sldId id="280" r:id="rId11"/>
     <p:sldId id="268" r:id="rId12"/>
     <p:sldId id="269" r:id="rId13"/>
     <p:sldId id="270" r:id="rId14"/>
@@ -25,8 +25,11 @@
     <p:sldId id="273" r:id="rId16"/>
     <p:sldId id="272" r:id="rId17"/>
     <p:sldId id="274" r:id="rId18"/>
-    <p:sldId id="275" r:id="rId19"/>
-    <p:sldId id="276" r:id="rId20"/>
+    <p:sldId id="279" r:id="rId19"/>
+    <p:sldId id="275" r:id="rId20"/>
+    <p:sldId id="276" r:id="rId21"/>
+    <p:sldId id="277" r:id="rId22"/>
+    <p:sldId id="278" r:id="rId23"/>
   </p:sldIdLst>
   <p:sldSz cx="12192000" cy="6858000"/>
   <p:notesSz cx="6858000" cy="9144000"/>
@@ -151,7 +154,7 @@
         </p14:section>
         <p14:section name="Implémentation d'un algorithme d'optimisation" id="{9B5D45BF-4875-2F4F-971F-36D9ACB577B5}">
           <p14:sldIdLst>
-            <p14:sldId id="266"/>
+            <p14:sldId id="280"/>
             <p14:sldId id="268"/>
             <p14:sldId id="269"/>
             <p14:sldId id="270"/>
@@ -163,8 +166,11 @@
         </p14:section>
         <p14:section name="Perspectives pour la suite" id="{66964EE5-A75D-BF42-B63B-FD258108FEAD}">
           <p14:sldIdLst>
+            <p14:sldId id="279"/>
             <p14:sldId id="275"/>
             <p14:sldId id="276"/>
+            <p14:sldId id="277"/>
+            <p14:sldId id="278"/>
           </p14:sldIdLst>
         </p14:section>
       </p14:sectionLst>
@@ -4084,26 +4090,28 @@
             <a:spLocks noGrp="1"/>
           </p:cNvSpPr>
           <p:nvPr>
-            <p:ph type="title"/>
+            <p:ph type="ctrTitle"/>
           </p:nvPr>
         </p:nvSpPr>
         <p:spPr/>
         <p:txBody>
-          <a:bodyPr/>
-          <a:lstStyle/>
-          <a:p>
-            <a:r>
-              <a:rPr lang="fr-FR" b="1" dirty="0" smtClean="0">
-                <a:latin typeface="Futura" charset="0"/>
-                <a:ea typeface="Futura" charset="0"/>
-                <a:cs typeface="Futura" charset="0"/>
+          <a:bodyPr>
+            <a:normAutofit/>
+          </a:bodyPr>
+          <a:lstStyle/>
+          <a:p>
+            <a:r>
+              <a:rPr lang="fr-FR" sz="4800" b="1" dirty="0" smtClean="0">
+                <a:latin typeface="Futura Medium" charset="0"/>
+                <a:ea typeface="Futura Medium" charset="0"/>
+                <a:cs typeface="Futura Medium" charset="0"/>
               </a:rPr>
               <a:t>Implémentation d’un algorithme</a:t>
             </a:r>
-            <a:endParaRPr lang="fr-FR" b="1" dirty="0">
-              <a:latin typeface="Futura" charset="0"/>
-              <a:ea typeface="Futura" charset="0"/>
-              <a:cs typeface="Futura" charset="0"/>
+            <a:endParaRPr lang="fr-FR" sz="4800" b="1" dirty="0">
+              <a:latin typeface="Futura Medium" charset="0"/>
+              <a:ea typeface="Futura Medium" charset="0"/>
+              <a:cs typeface="Futura Medium" charset="0"/>
             </a:endParaRPr>
           </a:p>
         </p:txBody>
@@ -4111,13 +4119,20 @@
     </p:spTree>
     <p:extLst>
       <p:ext uri="{BB962C8B-B14F-4D97-AF65-F5344CB8AC3E}">
-        <p14:creationId xmlns:p14="http://schemas.microsoft.com/office/powerpoint/2010/main" val="845629727"/>
+        <p14:creationId xmlns:p14="http://schemas.microsoft.com/office/powerpoint/2010/main" val="343673721"/>
       </p:ext>
     </p:extLst>
   </p:cSld>
   <p:clrMapOvr>
     <a:masterClrMapping/>
   </p:clrMapOvr>
+  <p:timing>
+    <p:tnLst>
+      <p:par>
+        <p:cTn id="1" dur="indefinite" restart="never" nodeType="tmRoot"/>
+      </p:par>
+    </p:tnLst>
+  </p:timing>
 </p:sld>
 </file>
 
@@ -4217,6 +4232,13 @@
   <p:clrMapOvr>
     <a:masterClrMapping/>
   </p:clrMapOvr>
+  <p:timing>
+    <p:tnLst>
+      <p:par>
+        <p:cTn id="1" dur="indefinite" restart="never" nodeType="tmRoot"/>
+      </p:par>
+    </p:tnLst>
+  </p:timing>
 </p:sld>
 </file>
 
@@ -4775,6 +4797,13 @@
   <p:clrMapOvr>
     <a:masterClrMapping/>
   </p:clrMapOvr>
+  <p:timing>
+    <p:tnLst>
+      <p:par>
+        <p:cTn id="1" dur="indefinite" restart="never" nodeType="tmRoot"/>
+      </p:par>
+    </p:tnLst>
+  </p:timing>
 </p:sld>
 </file>
 
@@ -4977,6 +5006,13 @@
   <p:clrMapOvr>
     <a:masterClrMapping/>
   </p:clrMapOvr>
+  <p:timing>
+    <p:tnLst>
+      <p:par>
+        <p:cTn id="1" dur="indefinite" restart="never" nodeType="tmRoot"/>
+      </p:par>
+    </p:tnLst>
+  </p:timing>
 </p:sld>
 </file>
 
@@ -5114,6 +5150,13 @@
   <p:clrMapOvr>
     <a:masterClrMapping/>
   </p:clrMapOvr>
+  <p:timing>
+    <p:tnLst>
+      <p:par>
+        <p:cTn id="1" dur="indefinite" restart="never" nodeType="tmRoot"/>
+      </p:par>
+    </p:tnLst>
+  </p:timing>
 </p:sld>
 </file>
 
@@ -5526,6 +5569,13 @@
   <p:clrMapOvr>
     <a:masterClrMapping/>
   </p:clrMapOvr>
+  <p:timing>
+    <p:tnLst>
+      <p:par>
+        <p:cTn id="1" dur="indefinite" restart="never" nodeType="tmRoot"/>
+      </p:par>
+    </p:tnLst>
+  </p:timing>
 </p:sld>
 </file>
 
@@ -5697,6 +5747,13 @@
   <p:clrMapOvr>
     <a:masterClrMapping/>
   </p:clrMapOvr>
+  <p:timing>
+    <p:tnLst>
+      <p:par>
+        <p:cTn id="1" dur="indefinite" restart="never" nodeType="tmRoot"/>
+      </p:par>
+    </p:tnLst>
+  </p:timing>
 </p:sld>
 </file>
 
@@ -5857,6 +5914,13 @@
   <p:clrMapOvr>
     <a:masterClrMapping/>
   </p:clrMapOvr>
+  <p:timing>
+    <p:tnLst>
+      <p:par>
+        <p:cTn id="1" dur="indefinite" restart="never" nodeType="tmRoot"/>
+      </p:par>
+    </p:tnLst>
+  </p:timing>
 </p:sld>
 </file>
 
@@ -5879,6 +5943,76 @@
       </p:grpSpPr>
       <p:sp>
         <p:nvSpPr>
+          <p:cNvPr id="2" name="Titre 1"/>
+          <p:cNvSpPr>
+            <a:spLocks noGrp="1"/>
+          </p:cNvSpPr>
+          <p:nvPr>
+            <p:ph type="ctrTitle"/>
+          </p:nvPr>
+        </p:nvSpPr>
+        <p:spPr/>
+        <p:txBody>
+          <a:bodyPr>
+            <a:normAutofit/>
+          </a:bodyPr>
+          <a:lstStyle/>
+          <a:p>
+            <a:r>
+              <a:rPr lang="fr-FR" sz="4800" b="1" dirty="0" smtClean="0">
+                <a:latin typeface="Futura Medium" charset="0"/>
+                <a:ea typeface="Futura Medium" charset="0"/>
+                <a:cs typeface="Futura Medium" charset="0"/>
+              </a:rPr>
+              <a:t>Perspectives pour la suite</a:t>
+            </a:r>
+            <a:endParaRPr lang="fr-FR" sz="4800" b="1" dirty="0">
+              <a:latin typeface="Futura Medium" charset="0"/>
+              <a:ea typeface="Futura Medium" charset="0"/>
+              <a:cs typeface="Futura Medium" charset="0"/>
+            </a:endParaRPr>
+          </a:p>
+        </p:txBody>
+      </p:sp>
+    </p:spTree>
+    <p:extLst>
+      <p:ext uri="{BB962C8B-B14F-4D97-AF65-F5344CB8AC3E}">
+        <p14:creationId xmlns:p14="http://schemas.microsoft.com/office/powerpoint/2010/main" val="821950528"/>
+      </p:ext>
+    </p:extLst>
+  </p:cSld>
+  <p:clrMapOvr>
+    <a:masterClrMapping/>
+  </p:clrMapOvr>
+  <p:timing>
+    <p:tnLst>
+      <p:par>
+        <p:cTn id="1" dur="indefinite" restart="never" nodeType="tmRoot"/>
+      </p:par>
+    </p:tnLst>
+  </p:timing>
+</p:sld>
+</file>
+
+<file path=ppt/slides/slide19.xml><?xml version="1.0" encoding="utf-8"?>
+<p:sld xmlns:a="http://schemas.openxmlformats.org/drawingml/2006/main" xmlns:r="http://schemas.openxmlformats.org/officeDocument/2006/relationships" xmlns:p="http://schemas.openxmlformats.org/presentationml/2006/main">
+  <p:cSld>
+    <p:spTree>
+      <p:nvGrpSpPr>
+        <p:cNvPr id="1" name=""/>
+        <p:cNvGrpSpPr/>
+        <p:nvPr/>
+      </p:nvGrpSpPr>
+      <p:grpSpPr>
+        <a:xfrm>
+          <a:off x="0" y="0"/>
+          <a:ext cx="0" cy="0"/>
+          <a:chOff x="0" y="0"/>
+          <a:chExt cx="0" cy="0"/>
+        </a:xfrm>
+      </p:grpSpPr>
+      <p:sp>
+        <p:nvSpPr>
           <p:cNvPr id="2" name="ZoneTexte 1"/>
           <p:cNvSpPr txBox="1"/>
           <p:nvPr/>
@@ -6181,83 +6315,13 @@
   <p:clrMapOvr>
     <a:masterClrMapping/>
   </p:clrMapOvr>
-</p:sld>
-</file>
-
-<file path=ppt/slides/slide19.xml><?xml version="1.0" encoding="utf-8"?>
-<p:sld xmlns:a="http://schemas.openxmlformats.org/drawingml/2006/main" xmlns:r="http://schemas.openxmlformats.org/officeDocument/2006/relationships" xmlns:p="http://schemas.openxmlformats.org/presentationml/2006/main">
-  <p:cSld>
-    <p:spTree>
-      <p:nvGrpSpPr>
-        <p:cNvPr id="1" name=""/>
-        <p:cNvGrpSpPr/>
-        <p:nvPr/>
-      </p:nvGrpSpPr>
-      <p:grpSpPr>
-        <a:xfrm>
-          <a:off x="0" y="0"/>
-          <a:ext cx="0" cy="0"/>
-          <a:chOff x="0" y="0"/>
-          <a:chExt cx="0" cy="0"/>
-        </a:xfrm>
-      </p:grpSpPr>
-      <p:sp>
-        <p:nvSpPr>
-          <p:cNvPr id="2" name="ZoneTexte 1"/>
-          <p:cNvSpPr txBox="1"/>
-          <p:nvPr/>
-        </p:nvSpPr>
-        <p:spPr>
-          <a:xfrm>
-            <a:off x="774435" y="672026"/>
-            <a:ext cx="9725400" cy="1815882"/>
-          </a:xfrm>
-          <a:prstGeom prst="rect">
-            <a:avLst/>
-          </a:prstGeom>
-          <a:noFill/>
-        </p:spPr>
-        <p:txBody>
-          <a:bodyPr wrap="square" rtlCol="0">
-            <a:spAutoFit/>
-          </a:bodyPr>
-          <a:lstStyle/>
-          <a:p>
-            <a:pPr algn="ctr"/>
-            <a:r>
-              <a:rPr lang="fr-FR" sz="4000" b="1" dirty="0" smtClean="0">
-                <a:latin typeface="Futura Condensed" charset="0"/>
-                <a:ea typeface="Futura Condensed" charset="0"/>
-                <a:cs typeface="Futura Condensed" charset="0"/>
-              </a:rPr>
-              <a:t>Relations qualitatives entre forme de la pièce et température moyenne</a:t>
-            </a:r>
-            <a:endParaRPr lang="fr-FR" sz="4000" dirty="0" smtClean="0">
-              <a:latin typeface="Futura Condensed" charset="0"/>
-              <a:ea typeface="Futura Condensed" charset="0"/>
-              <a:cs typeface="Futura Condensed" charset="0"/>
-            </a:endParaRPr>
-          </a:p>
-          <a:p>
-            <a:pPr algn="ctr"/>
-            <a:endParaRPr lang="fr-FR" sz="3200" dirty="0">
-              <a:latin typeface="Futura Condensed" charset="0"/>
-              <a:ea typeface="Futura Condensed" charset="0"/>
-              <a:cs typeface="Futura Condensed" charset="0"/>
-            </a:endParaRPr>
-          </a:p>
-        </p:txBody>
-      </p:sp>
-    </p:spTree>
-    <p:extLst>
-      <p:ext uri="{BB962C8B-B14F-4D97-AF65-F5344CB8AC3E}">
-        <p14:creationId xmlns:p14="http://schemas.microsoft.com/office/powerpoint/2010/main" val="193630791"/>
-      </p:ext>
-    </p:extLst>
-  </p:cSld>
-  <p:clrMapOvr>
-    <a:masterClrMapping/>
-  </p:clrMapOvr>
+  <p:timing>
+    <p:tnLst>
+      <p:par>
+        <p:cTn id="1" dur="indefinite" restart="never" nodeType="tmRoot"/>
+      </p:par>
+    </p:tnLst>
+  </p:timing>
 </p:sld>
 </file>
 
@@ -6409,6 +6473,1193 @@
   <p:clrMapOvr>
     <a:masterClrMapping/>
   </p:clrMapOvr>
+  <p:timing>
+    <p:tnLst>
+      <p:par>
+        <p:cTn id="1" dur="indefinite" restart="never" nodeType="tmRoot"/>
+      </p:par>
+    </p:tnLst>
+  </p:timing>
+</p:sld>
+</file>
+
+<file path=ppt/slides/slide20.xml><?xml version="1.0" encoding="utf-8"?>
+<p:sld xmlns:a="http://schemas.openxmlformats.org/drawingml/2006/main" xmlns:r="http://schemas.openxmlformats.org/officeDocument/2006/relationships" xmlns:p="http://schemas.openxmlformats.org/presentationml/2006/main">
+  <p:cSld>
+    <p:spTree>
+      <p:nvGrpSpPr>
+        <p:cNvPr id="1" name=""/>
+        <p:cNvGrpSpPr/>
+        <p:nvPr/>
+      </p:nvGrpSpPr>
+      <p:grpSpPr>
+        <a:xfrm>
+          <a:off x="0" y="0"/>
+          <a:ext cx="0" cy="0"/>
+          <a:chOff x="0" y="0"/>
+          <a:chExt cx="0" cy="0"/>
+        </a:xfrm>
+      </p:grpSpPr>
+      <p:sp>
+        <p:nvSpPr>
+          <p:cNvPr id="2" name="ZoneTexte 1"/>
+          <p:cNvSpPr txBox="1"/>
+          <p:nvPr/>
+        </p:nvSpPr>
+        <p:spPr>
+          <a:xfrm>
+            <a:off x="774435" y="672026"/>
+            <a:ext cx="9725400" cy="1815882"/>
+          </a:xfrm>
+          <a:prstGeom prst="rect">
+            <a:avLst/>
+          </a:prstGeom>
+          <a:noFill/>
+        </p:spPr>
+        <p:txBody>
+          <a:bodyPr wrap="square" rtlCol="0">
+            <a:spAutoFit/>
+          </a:bodyPr>
+          <a:lstStyle/>
+          <a:p>
+            <a:pPr algn="ctr"/>
+            <a:r>
+              <a:rPr lang="fr-FR" sz="4000" b="1" dirty="0" smtClean="0">
+                <a:latin typeface="Futura Condensed" charset="0"/>
+                <a:ea typeface="Futura Condensed" charset="0"/>
+                <a:cs typeface="Futura Condensed" charset="0"/>
+              </a:rPr>
+              <a:t>Relations qualitatives entre forme de la pièce et température moyenne</a:t>
+            </a:r>
+            <a:endParaRPr lang="fr-FR" sz="4000" dirty="0" smtClean="0">
+              <a:latin typeface="Futura Condensed" charset="0"/>
+              <a:ea typeface="Futura Condensed" charset="0"/>
+              <a:cs typeface="Futura Condensed" charset="0"/>
+            </a:endParaRPr>
+          </a:p>
+          <a:p>
+            <a:pPr algn="ctr"/>
+            <a:endParaRPr lang="fr-FR" sz="3200" dirty="0">
+              <a:latin typeface="Futura Condensed" charset="0"/>
+              <a:ea typeface="Futura Condensed" charset="0"/>
+              <a:cs typeface="Futura Condensed" charset="0"/>
+            </a:endParaRPr>
+          </a:p>
+        </p:txBody>
+      </p:sp>
+      <p:sp>
+        <p:nvSpPr>
+          <p:cNvPr id="3" name="ZoneTexte 2"/>
+          <p:cNvSpPr txBox="1"/>
+          <p:nvPr/>
+        </p:nvSpPr>
+        <p:spPr>
+          <a:xfrm>
+            <a:off x="1509487" y="3004457"/>
+            <a:ext cx="9879474" cy="4832092"/>
+          </a:xfrm>
+          <a:prstGeom prst="rect">
+            <a:avLst/>
+          </a:prstGeom>
+          <a:noFill/>
+        </p:spPr>
+        <p:txBody>
+          <a:bodyPr wrap="square" rtlCol="0">
+            <a:spAutoFit/>
+          </a:bodyPr>
+          <a:lstStyle/>
+          <a:p>
+            <a:r>
+              <a:rPr lang="fr-FR" sz="4800" dirty="0" smtClean="0">
+                <a:solidFill>
+                  <a:srgbClr val="FF0000"/>
+                </a:solidFill>
+                <a:latin typeface="Futura Condensed" charset="0"/>
+                <a:ea typeface="Futura Condensed" charset="0"/>
+                <a:cs typeface="Futura Condensed" charset="0"/>
+              </a:rPr>
+              <a:t>On cherche une figure qui ait un bon équilibre entre symétrie et régularité </a:t>
+            </a:r>
+            <a:endParaRPr lang="fr-FR" sz="4800" dirty="0">
+              <a:solidFill>
+                <a:srgbClr val="FF0000"/>
+              </a:solidFill>
+              <a:latin typeface="Futura Condensed" charset="0"/>
+              <a:ea typeface="Futura Condensed" charset="0"/>
+              <a:cs typeface="Futura Condensed" charset="0"/>
+            </a:endParaRPr>
+          </a:p>
+          <a:p>
+            <a:endParaRPr lang="fr-FR" sz="2800" dirty="0" smtClean="0">
+              <a:latin typeface="Futura Condensed" charset="0"/>
+              <a:ea typeface="Futura Condensed" charset="0"/>
+              <a:cs typeface="Futura Condensed" charset="0"/>
+            </a:endParaRPr>
+          </a:p>
+          <a:p>
+            <a:endParaRPr lang="fr-FR" sz="2800" dirty="0">
+              <a:latin typeface="Futura Condensed" charset="0"/>
+              <a:ea typeface="Futura Condensed" charset="0"/>
+              <a:cs typeface="Futura Condensed" charset="0"/>
+            </a:endParaRPr>
+          </a:p>
+          <a:p>
+            <a:endParaRPr lang="fr-FR" sz="2800" dirty="0" smtClean="0">
+              <a:latin typeface="Futura Condensed" charset="0"/>
+              <a:ea typeface="Futura Condensed" charset="0"/>
+              <a:cs typeface="Futura Condensed" charset="0"/>
+            </a:endParaRPr>
+          </a:p>
+          <a:p>
+            <a:endParaRPr lang="fr-FR" sz="2800" dirty="0">
+              <a:latin typeface="Futura Condensed" charset="0"/>
+              <a:ea typeface="Futura Condensed" charset="0"/>
+              <a:cs typeface="Futura Condensed" charset="0"/>
+            </a:endParaRPr>
+          </a:p>
+          <a:p>
+            <a:endParaRPr lang="fr-FR" sz="2800" dirty="0" smtClean="0">
+              <a:latin typeface="Futura Condensed" charset="0"/>
+              <a:ea typeface="Futura Condensed" charset="0"/>
+              <a:cs typeface="Futura Condensed" charset="0"/>
+            </a:endParaRPr>
+          </a:p>
+          <a:p>
+            <a:pPr marL="571500" indent="-571500">
+              <a:buFont typeface="Arial" charset="0"/>
+              <a:buChar char="•"/>
+            </a:pPr>
+            <a:endParaRPr lang="fr-FR" sz="4000" dirty="0" smtClean="0">
+              <a:latin typeface="Futura Condensed" charset="0"/>
+              <a:ea typeface="Futura Condensed" charset="0"/>
+              <a:cs typeface="Futura Condensed" charset="0"/>
+            </a:endParaRPr>
+          </a:p>
+          <a:p>
+            <a:pPr algn="ctr"/>
+            <a:endParaRPr lang="fr-FR" sz="3200" dirty="0">
+              <a:latin typeface="Futura Condensed" charset="0"/>
+              <a:ea typeface="Futura Condensed" charset="0"/>
+              <a:cs typeface="Futura Condensed" charset="0"/>
+            </a:endParaRPr>
+          </a:p>
+        </p:txBody>
+      </p:sp>
+    </p:spTree>
+    <p:extLst>
+      <p:ext uri="{BB962C8B-B14F-4D97-AF65-F5344CB8AC3E}">
+        <p14:creationId xmlns:p14="http://schemas.microsoft.com/office/powerpoint/2010/main" val="193630791"/>
+      </p:ext>
+    </p:extLst>
+  </p:cSld>
+  <p:clrMapOvr>
+    <a:masterClrMapping/>
+  </p:clrMapOvr>
+  <p:timing>
+    <p:tnLst>
+      <p:par>
+        <p:cTn id="1" dur="indefinite" restart="never" nodeType="tmRoot"/>
+      </p:par>
+    </p:tnLst>
+  </p:timing>
+</p:sld>
+</file>
+
+<file path=ppt/slides/slide21.xml><?xml version="1.0" encoding="utf-8"?>
+<p:sld xmlns:a="http://schemas.openxmlformats.org/drawingml/2006/main" xmlns:r="http://schemas.openxmlformats.org/officeDocument/2006/relationships" xmlns:p="http://schemas.openxmlformats.org/presentationml/2006/main">
+  <p:cSld>
+    <p:spTree>
+      <p:nvGrpSpPr>
+        <p:cNvPr id="1" name=""/>
+        <p:cNvGrpSpPr/>
+        <p:nvPr/>
+      </p:nvGrpSpPr>
+      <p:grpSpPr>
+        <a:xfrm>
+          <a:off x="0" y="0"/>
+          <a:ext cx="0" cy="0"/>
+          <a:chOff x="0" y="0"/>
+          <a:chExt cx="0" cy="0"/>
+        </a:xfrm>
+      </p:grpSpPr>
+      <p:sp>
+        <p:nvSpPr>
+          <p:cNvPr id="2" name="Forme libre 1"/>
+          <p:cNvSpPr/>
+          <p:nvPr/>
+        </p:nvSpPr>
+        <p:spPr>
+          <a:xfrm>
+            <a:off x="925007" y="2628000"/>
+            <a:ext cx="4245428" cy="3682800"/>
+          </a:xfrm>
+          <a:custGeom>
+            <a:avLst/>
+            <a:gdLst>
+              <a:gd name="connsiteX0" fmla="*/ 0 w 4245428"/>
+              <a:gd name="connsiteY0" fmla="*/ 809897 h 3683725"/>
+              <a:gd name="connsiteX1" fmla="*/ 0 w 4245428"/>
+              <a:gd name="connsiteY1" fmla="*/ 3056708 h 3683725"/>
+              <a:gd name="connsiteX2" fmla="*/ 2377440 w 4245428"/>
+              <a:gd name="connsiteY2" fmla="*/ 3683725 h 3683725"/>
+              <a:gd name="connsiteX3" fmla="*/ 4245428 w 4245428"/>
+              <a:gd name="connsiteY3" fmla="*/ 2377440 h 3683725"/>
+              <a:gd name="connsiteX4" fmla="*/ 2338251 w 4245428"/>
+              <a:gd name="connsiteY4" fmla="*/ 0 h 3683725"/>
+              <a:gd name="connsiteX5" fmla="*/ 0 w 4245428"/>
+              <a:gd name="connsiteY5" fmla="*/ 809897 h 3683725"/>
+            </a:gdLst>
+            <a:ahLst/>
+            <a:cxnLst>
+              <a:cxn ang="0">
+                <a:pos x="connsiteX0" y="connsiteY0"/>
+              </a:cxn>
+              <a:cxn ang="0">
+                <a:pos x="connsiteX1" y="connsiteY1"/>
+              </a:cxn>
+              <a:cxn ang="0">
+                <a:pos x="connsiteX2" y="connsiteY2"/>
+              </a:cxn>
+              <a:cxn ang="0">
+                <a:pos x="connsiteX3" y="connsiteY3"/>
+              </a:cxn>
+              <a:cxn ang="0">
+                <a:pos x="connsiteX4" y="connsiteY4"/>
+              </a:cxn>
+              <a:cxn ang="0">
+                <a:pos x="connsiteX5" y="connsiteY5"/>
+              </a:cxn>
+            </a:cxnLst>
+            <a:rect l="l" t="t" r="r" b="b"/>
+            <a:pathLst>
+              <a:path w="4245428" h="3683725">
+                <a:moveTo>
+                  <a:pt x="0" y="809897"/>
+                </a:moveTo>
+                <a:lnTo>
+                  <a:pt x="0" y="3056708"/>
+                </a:lnTo>
+                <a:lnTo>
+                  <a:pt x="2377440" y="3683725"/>
+                </a:lnTo>
+                <a:lnTo>
+                  <a:pt x="4245428" y="2377440"/>
+                </a:lnTo>
+                <a:lnTo>
+                  <a:pt x="2338251" y="0"/>
+                </a:lnTo>
+                <a:lnTo>
+                  <a:pt x="0" y="809897"/>
+                </a:lnTo>
+                <a:close/>
+              </a:path>
+            </a:pathLst>
+          </a:custGeom>
+        </p:spPr>
+        <p:style>
+          <a:lnRef idx="2">
+            <a:schemeClr val="accent1">
+              <a:shade val="50000"/>
+            </a:schemeClr>
+          </a:lnRef>
+          <a:fillRef idx="1">
+            <a:schemeClr val="accent1"/>
+          </a:fillRef>
+          <a:effectRef idx="0">
+            <a:schemeClr val="accent1"/>
+          </a:effectRef>
+          <a:fontRef idx="minor">
+            <a:schemeClr val="lt1"/>
+          </a:fontRef>
+        </p:style>
+        <p:txBody>
+          <a:bodyPr rtlCol="0" anchor="ctr"/>
+          <a:lstStyle/>
+          <a:p>
+            <a:pPr algn="ctr"/>
+            <a:endParaRPr lang="fr-FR"/>
+          </a:p>
+        </p:txBody>
+      </p:sp>
+      <p:sp>
+        <p:nvSpPr>
+          <p:cNvPr id="4" name="Ellipse 3"/>
+          <p:cNvSpPr/>
+          <p:nvPr/>
+        </p:nvSpPr>
+        <p:spPr>
+          <a:xfrm>
+            <a:off x="3215231" y="2588050"/>
+            <a:ext cx="91556" cy="79899"/>
+          </a:xfrm>
+          <a:prstGeom prst="ellipse">
+            <a:avLst/>
+          </a:prstGeom>
+        </p:spPr>
+        <p:style>
+          <a:lnRef idx="2">
+            <a:schemeClr val="dk1">
+              <a:shade val="50000"/>
+            </a:schemeClr>
+          </a:lnRef>
+          <a:fillRef idx="1">
+            <a:schemeClr val="dk1"/>
+          </a:fillRef>
+          <a:effectRef idx="0">
+            <a:schemeClr val="dk1"/>
+          </a:effectRef>
+          <a:fontRef idx="minor">
+            <a:schemeClr val="lt1"/>
+          </a:fontRef>
+        </p:style>
+        <p:txBody>
+          <a:bodyPr rtlCol="0" anchor="ctr"/>
+          <a:lstStyle/>
+          <a:p>
+            <a:pPr algn="ctr"/>
+            <a:endParaRPr lang="fr-FR"/>
+          </a:p>
+        </p:txBody>
+      </p:sp>
+      <p:sp>
+        <p:nvSpPr>
+          <p:cNvPr id="18" name="Ellipse 17"/>
+          <p:cNvSpPr/>
+          <p:nvPr/>
+        </p:nvSpPr>
+        <p:spPr>
+          <a:xfrm>
+            <a:off x="2829209" y="2211440"/>
+            <a:ext cx="863600" cy="860233"/>
+          </a:xfrm>
+          <a:prstGeom prst="ellipse">
+            <a:avLst/>
+          </a:prstGeom>
+          <a:solidFill>
+            <a:schemeClr val="bg1">
+              <a:alpha val="0"/>
+            </a:schemeClr>
+          </a:solidFill>
+        </p:spPr>
+        <p:style>
+          <a:lnRef idx="2">
+            <a:schemeClr val="accent1">
+              <a:shade val="50000"/>
+            </a:schemeClr>
+          </a:lnRef>
+          <a:fillRef idx="1">
+            <a:schemeClr val="accent1"/>
+          </a:fillRef>
+          <a:effectRef idx="0">
+            <a:schemeClr val="accent1"/>
+          </a:effectRef>
+          <a:fontRef idx="minor">
+            <a:schemeClr val="lt1"/>
+          </a:fontRef>
+        </p:style>
+        <p:txBody>
+          <a:bodyPr rtlCol="0" anchor="ctr"/>
+          <a:lstStyle/>
+          <a:p>
+            <a:pPr algn="ctr"/>
+            <a:endParaRPr lang="fr-FR"/>
+          </a:p>
+        </p:txBody>
+      </p:sp>
+      <p:sp>
+        <p:nvSpPr>
+          <p:cNvPr id="12" name="Ellipse 11"/>
+          <p:cNvSpPr/>
+          <p:nvPr/>
+        </p:nvSpPr>
+        <p:spPr>
+          <a:xfrm>
+            <a:off x="3637404" y="2752733"/>
+            <a:ext cx="91556" cy="79899"/>
+          </a:xfrm>
+          <a:prstGeom prst="ellipse">
+            <a:avLst/>
+          </a:prstGeom>
+          <a:solidFill>
+            <a:schemeClr val="accent6"/>
+          </a:solidFill>
+        </p:spPr>
+        <p:style>
+          <a:lnRef idx="2">
+            <a:schemeClr val="dk1">
+              <a:shade val="50000"/>
+            </a:schemeClr>
+          </a:lnRef>
+          <a:fillRef idx="1">
+            <a:schemeClr val="dk1"/>
+          </a:fillRef>
+          <a:effectRef idx="0">
+            <a:schemeClr val="dk1"/>
+          </a:effectRef>
+          <a:fontRef idx="minor">
+            <a:schemeClr val="lt1"/>
+          </a:fontRef>
+        </p:style>
+        <p:txBody>
+          <a:bodyPr rtlCol="0" anchor="ctr"/>
+          <a:lstStyle/>
+          <a:p>
+            <a:pPr algn="ctr"/>
+            <a:endParaRPr lang="fr-FR"/>
+          </a:p>
+        </p:txBody>
+      </p:sp>
+      <p:sp>
+        <p:nvSpPr>
+          <p:cNvPr id="13" name="Ellipse 12"/>
+          <p:cNvSpPr/>
+          <p:nvPr/>
+        </p:nvSpPr>
+        <p:spPr>
+          <a:xfrm>
+            <a:off x="3473065" y="2251784"/>
+            <a:ext cx="91556" cy="79899"/>
+          </a:xfrm>
+          <a:prstGeom prst="ellipse">
+            <a:avLst/>
+          </a:prstGeom>
+          <a:solidFill>
+            <a:schemeClr val="accent6"/>
+          </a:solidFill>
+        </p:spPr>
+        <p:style>
+          <a:lnRef idx="2">
+            <a:schemeClr val="dk1">
+              <a:shade val="50000"/>
+            </a:schemeClr>
+          </a:lnRef>
+          <a:fillRef idx="1">
+            <a:schemeClr val="dk1"/>
+          </a:fillRef>
+          <a:effectRef idx="0">
+            <a:schemeClr val="dk1"/>
+          </a:effectRef>
+          <a:fontRef idx="minor">
+            <a:schemeClr val="lt1"/>
+          </a:fontRef>
+        </p:style>
+        <p:txBody>
+          <a:bodyPr rtlCol="0" anchor="ctr"/>
+          <a:lstStyle/>
+          <a:p>
+            <a:pPr algn="ctr"/>
+            <a:endParaRPr lang="fr-FR"/>
+          </a:p>
+        </p:txBody>
+      </p:sp>
+      <p:sp>
+        <p:nvSpPr>
+          <p:cNvPr id="19" name="Ellipse 18"/>
+          <p:cNvSpPr/>
+          <p:nvPr/>
+        </p:nvSpPr>
+        <p:spPr>
+          <a:xfrm>
+            <a:off x="3215231" y="3031723"/>
+            <a:ext cx="91556" cy="79899"/>
+          </a:xfrm>
+          <a:prstGeom prst="ellipse">
+            <a:avLst/>
+          </a:prstGeom>
+          <a:solidFill>
+            <a:schemeClr val="accent6"/>
+          </a:solidFill>
+        </p:spPr>
+        <p:style>
+          <a:lnRef idx="2">
+            <a:schemeClr val="dk1">
+              <a:shade val="50000"/>
+            </a:schemeClr>
+          </a:lnRef>
+          <a:fillRef idx="1">
+            <a:schemeClr val="dk1"/>
+          </a:fillRef>
+          <a:effectRef idx="0">
+            <a:schemeClr val="dk1"/>
+          </a:effectRef>
+          <a:fontRef idx="minor">
+            <a:schemeClr val="lt1"/>
+          </a:fontRef>
+        </p:style>
+        <p:txBody>
+          <a:bodyPr rtlCol="0" anchor="ctr"/>
+          <a:lstStyle/>
+          <a:p>
+            <a:pPr algn="ctr"/>
+            <a:endParaRPr lang="fr-FR"/>
+          </a:p>
+        </p:txBody>
+      </p:sp>
+      <p:sp>
+        <p:nvSpPr>
+          <p:cNvPr id="15" name="Ellipse 14"/>
+          <p:cNvSpPr/>
+          <p:nvPr/>
+        </p:nvSpPr>
+        <p:spPr>
+          <a:xfrm>
+            <a:off x="2797738" y="2752732"/>
+            <a:ext cx="91556" cy="79899"/>
+          </a:xfrm>
+          <a:prstGeom prst="ellipse">
+            <a:avLst/>
+          </a:prstGeom>
+          <a:solidFill>
+            <a:schemeClr val="accent6"/>
+          </a:solidFill>
+        </p:spPr>
+        <p:style>
+          <a:lnRef idx="2">
+            <a:schemeClr val="dk1">
+              <a:shade val="50000"/>
+            </a:schemeClr>
+          </a:lnRef>
+          <a:fillRef idx="1">
+            <a:schemeClr val="dk1"/>
+          </a:fillRef>
+          <a:effectRef idx="0">
+            <a:schemeClr val="dk1"/>
+          </a:effectRef>
+          <a:fontRef idx="minor">
+            <a:schemeClr val="lt1"/>
+          </a:fontRef>
+        </p:style>
+        <p:txBody>
+          <a:bodyPr rtlCol="0" anchor="ctr"/>
+          <a:lstStyle/>
+          <a:p>
+            <a:pPr algn="ctr"/>
+            <a:endParaRPr lang="fr-FR"/>
+          </a:p>
+        </p:txBody>
+      </p:sp>
+      <p:sp>
+        <p:nvSpPr>
+          <p:cNvPr id="20" name="Ellipse 19"/>
+          <p:cNvSpPr/>
+          <p:nvPr/>
+        </p:nvSpPr>
+        <p:spPr>
+          <a:xfrm>
+            <a:off x="2956165" y="2251784"/>
+            <a:ext cx="91556" cy="79899"/>
+          </a:xfrm>
+          <a:prstGeom prst="ellipse">
+            <a:avLst/>
+          </a:prstGeom>
+          <a:solidFill>
+            <a:schemeClr val="accent6"/>
+          </a:solidFill>
+        </p:spPr>
+        <p:style>
+          <a:lnRef idx="2">
+            <a:schemeClr val="dk1">
+              <a:shade val="50000"/>
+            </a:schemeClr>
+          </a:lnRef>
+          <a:fillRef idx="1">
+            <a:schemeClr val="dk1"/>
+          </a:fillRef>
+          <a:effectRef idx="0">
+            <a:schemeClr val="dk1"/>
+          </a:effectRef>
+          <a:fontRef idx="minor">
+            <a:schemeClr val="lt1"/>
+          </a:fontRef>
+        </p:style>
+        <p:txBody>
+          <a:bodyPr rtlCol="0" anchor="ctr"/>
+          <a:lstStyle/>
+          <a:p>
+            <a:pPr algn="ctr"/>
+            <a:endParaRPr lang="fr-FR"/>
+          </a:p>
+        </p:txBody>
+      </p:sp>
+      <p:cxnSp>
+        <p:nvCxnSpPr>
+          <p:cNvPr id="21" name="Connecteur droit avec flèche 20"/>
+          <p:cNvCxnSpPr/>
+          <p:nvPr/>
+        </p:nvCxnSpPr>
+        <p:spPr>
+          <a:xfrm flipH="1">
+            <a:off x="3127016" y="1751160"/>
+            <a:ext cx="179771" cy="376610"/>
+          </a:xfrm>
+          <a:prstGeom prst="straightConnector1">
+            <a:avLst/>
+          </a:prstGeom>
+          <a:ln>
+            <a:tailEnd type="triangle"/>
+          </a:ln>
+        </p:spPr>
+        <p:style>
+          <a:lnRef idx="2">
+            <a:schemeClr val="accent6"/>
+          </a:lnRef>
+          <a:fillRef idx="0">
+            <a:schemeClr val="accent6"/>
+          </a:fillRef>
+          <a:effectRef idx="1">
+            <a:schemeClr val="accent6"/>
+          </a:effectRef>
+          <a:fontRef idx="minor">
+            <a:schemeClr val="tx1"/>
+          </a:fontRef>
+        </p:style>
+      </p:cxnSp>
+      <p:sp>
+        <p:nvSpPr>
+          <p:cNvPr id="23" name="ZoneTexte 22"/>
+          <p:cNvSpPr txBox="1"/>
+          <p:nvPr/>
+        </p:nvSpPr>
+        <p:spPr>
+          <a:xfrm>
+            <a:off x="2310608" y="1309746"/>
+            <a:ext cx="3156943" cy="400110"/>
+          </a:xfrm>
+          <a:prstGeom prst="rect">
+            <a:avLst/>
+          </a:prstGeom>
+          <a:noFill/>
+        </p:spPr>
+        <p:txBody>
+          <a:bodyPr wrap="square" rtlCol="0">
+            <a:spAutoFit/>
+          </a:bodyPr>
+          <a:lstStyle/>
+          <a:p>
+            <a:pPr algn="ctr"/>
+            <a:r>
+              <a:rPr lang="fr-FR" sz="2000" dirty="0" smtClean="0">
+                <a:latin typeface="Futura Condensed" charset="0"/>
+                <a:ea typeface="Futura Condensed" charset="0"/>
+                <a:cs typeface="Futura Condensed" charset="0"/>
+              </a:rPr>
+              <a:t>Positions possibles</a:t>
+            </a:r>
+            <a:endParaRPr lang="fr-FR" sz="2000" dirty="0">
+              <a:latin typeface="Futura Condensed" charset="0"/>
+              <a:ea typeface="Futura Condensed" charset="0"/>
+              <a:cs typeface="Futura Condensed" charset="0"/>
+            </a:endParaRPr>
+          </a:p>
+        </p:txBody>
+      </p:sp>
+      <p:sp>
+        <p:nvSpPr>
+          <p:cNvPr id="24" name="Flèche vers la droite 23"/>
+          <p:cNvSpPr/>
+          <p:nvPr/>
+        </p:nvSpPr>
+        <p:spPr>
+          <a:xfrm>
+            <a:off x="5467551" y="4469400"/>
+            <a:ext cx="1913467" cy="812800"/>
+          </a:xfrm>
+          <a:prstGeom prst="rightArrow">
+            <a:avLst/>
+          </a:prstGeom>
+        </p:spPr>
+        <p:style>
+          <a:lnRef idx="2">
+            <a:schemeClr val="accent2">
+              <a:shade val="50000"/>
+            </a:schemeClr>
+          </a:lnRef>
+          <a:fillRef idx="1">
+            <a:schemeClr val="accent2"/>
+          </a:fillRef>
+          <a:effectRef idx="0">
+            <a:schemeClr val="accent2"/>
+          </a:effectRef>
+          <a:fontRef idx="minor">
+            <a:schemeClr val="lt1"/>
+          </a:fontRef>
+        </p:style>
+        <p:txBody>
+          <a:bodyPr rtlCol="0" anchor="ctr"/>
+          <a:lstStyle/>
+          <a:p>
+            <a:pPr algn="ctr"/>
+            <a:endParaRPr lang="fr-FR"/>
+          </a:p>
+        </p:txBody>
+      </p:sp>
+      <p:sp>
+        <p:nvSpPr>
+          <p:cNvPr id="25" name="ZoneTexte 24"/>
+          <p:cNvSpPr txBox="1"/>
+          <p:nvPr/>
+        </p:nvSpPr>
+        <p:spPr>
+          <a:xfrm>
+            <a:off x="4845812" y="3761514"/>
+            <a:ext cx="3156943" cy="707886"/>
+          </a:xfrm>
+          <a:prstGeom prst="rect">
+            <a:avLst/>
+          </a:prstGeom>
+          <a:noFill/>
+        </p:spPr>
+        <p:txBody>
+          <a:bodyPr wrap="square" rtlCol="0">
+            <a:spAutoFit/>
+          </a:bodyPr>
+          <a:lstStyle/>
+          <a:p>
+            <a:pPr algn="ctr"/>
+            <a:r>
+              <a:rPr lang="fr-FR" sz="2000" b="1" dirty="0" smtClean="0">
+                <a:latin typeface="Futura Condensed" charset="0"/>
+                <a:ea typeface="Futura Condensed" charset="0"/>
+                <a:cs typeface="Futura Condensed" charset="0"/>
+              </a:rPr>
+              <a:t>Déplacement + dilatation horizontale pour conserver l’aire</a:t>
+            </a:r>
+            <a:endParaRPr lang="fr-FR" sz="2000" b="1" dirty="0">
+              <a:latin typeface="Futura Condensed" charset="0"/>
+              <a:ea typeface="Futura Condensed" charset="0"/>
+              <a:cs typeface="Futura Condensed" charset="0"/>
+            </a:endParaRPr>
+          </a:p>
+        </p:txBody>
+      </p:sp>
+      <p:sp>
+        <p:nvSpPr>
+          <p:cNvPr id="26" name="Forme libre 25"/>
+          <p:cNvSpPr/>
+          <p:nvPr/>
+        </p:nvSpPr>
+        <p:spPr>
+          <a:xfrm>
+            <a:off x="8299871" y="2251783"/>
+            <a:ext cx="3623689" cy="4033157"/>
+          </a:xfrm>
+          <a:custGeom>
+            <a:avLst/>
+            <a:gdLst>
+              <a:gd name="connsiteX0" fmla="*/ 0 w 4245428"/>
+              <a:gd name="connsiteY0" fmla="*/ 809897 h 3683725"/>
+              <a:gd name="connsiteX1" fmla="*/ 0 w 4245428"/>
+              <a:gd name="connsiteY1" fmla="*/ 3056708 h 3683725"/>
+              <a:gd name="connsiteX2" fmla="*/ 2377440 w 4245428"/>
+              <a:gd name="connsiteY2" fmla="*/ 3683725 h 3683725"/>
+              <a:gd name="connsiteX3" fmla="*/ 4245428 w 4245428"/>
+              <a:gd name="connsiteY3" fmla="*/ 2377440 h 3683725"/>
+              <a:gd name="connsiteX4" fmla="*/ 2338251 w 4245428"/>
+              <a:gd name="connsiteY4" fmla="*/ 0 h 3683725"/>
+              <a:gd name="connsiteX5" fmla="*/ 0 w 4245428"/>
+              <a:gd name="connsiteY5" fmla="*/ 809897 h 3683725"/>
+            </a:gdLst>
+            <a:ahLst/>
+            <a:cxnLst>
+              <a:cxn ang="0">
+                <a:pos x="connsiteX0" y="connsiteY0"/>
+              </a:cxn>
+              <a:cxn ang="0">
+                <a:pos x="connsiteX1" y="connsiteY1"/>
+              </a:cxn>
+              <a:cxn ang="0">
+                <a:pos x="connsiteX2" y="connsiteY2"/>
+              </a:cxn>
+              <a:cxn ang="0">
+                <a:pos x="connsiteX3" y="connsiteY3"/>
+              </a:cxn>
+              <a:cxn ang="0">
+                <a:pos x="connsiteX4" y="connsiteY4"/>
+              </a:cxn>
+              <a:cxn ang="0">
+                <a:pos x="connsiteX5" y="connsiteY5"/>
+              </a:cxn>
+            </a:cxnLst>
+            <a:rect l="l" t="t" r="r" b="b"/>
+            <a:pathLst>
+              <a:path w="4245428" h="3683725">
+                <a:moveTo>
+                  <a:pt x="0" y="809897"/>
+                </a:moveTo>
+                <a:lnTo>
+                  <a:pt x="0" y="3056708"/>
+                </a:lnTo>
+                <a:lnTo>
+                  <a:pt x="2377440" y="3683725"/>
+                </a:lnTo>
+                <a:lnTo>
+                  <a:pt x="4245428" y="2377440"/>
+                </a:lnTo>
+                <a:lnTo>
+                  <a:pt x="2338251" y="0"/>
+                </a:lnTo>
+                <a:lnTo>
+                  <a:pt x="0" y="809897"/>
+                </a:lnTo>
+                <a:close/>
+              </a:path>
+            </a:pathLst>
+          </a:custGeom>
+        </p:spPr>
+        <p:style>
+          <a:lnRef idx="2">
+            <a:schemeClr val="accent1">
+              <a:shade val="50000"/>
+            </a:schemeClr>
+          </a:lnRef>
+          <a:fillRef idx="1">
+            <a:schemeClr val="accent1"/>
+          </a:fillRef>
+          <a:effectRef idx="0">
+            <a:schemeClr val="accent1"/>
+          </a:effectRef>
+          <a:fontRef idx="minor">
+            <a:schemeClr val="lt1"/>
+          </a:fontRef>
+        </p:style>
+        <p:txBody>
+          <a:bodyPr rtlCol="0" anchor="ctr"/>
+          <a:lstStyle/>
+          <a:p>
+            <a:pPr algn="ctr"/>
+            <a:endParaRPr lang="fr-FR"/>
+          </a:p>
+        </p:txBody>
+      </p:sp>
+      <p:sp>
+        <p:nvSpPr>
+          <p:cNvPr id="27" name="ZoneTexte 26"/>
+          <p:cNvSpPr txBox="1"/>
+          <p:nvPr/>
+        </p:nvSpPr>
+        <p:spPr>
+          <a:xfrm>
+            <a:off x="925007" y="311167"/>
+            <a:ext cx="9725400" cy="1200329"/>
+          </a:xfrm>
+          <a:prstGeom prst="rect">
+            <a:avLst/>
+          </a:prstGeom>
+          <a:noFill/>
+        </p:spPr>
+        <p:txBody>
+          <a:bodyPr wrap="square" rtlCol="0">
+            <a:spAutoFit/>
+          </a:bodyPr>
+          <a:lstStyle/>
+          <a:p>
+            <a:pPr algn="ctr"/>
+            <a:r>
+              <a:rPr lang="fr-FR" sz="4000" b="1" dirty="0" smtClean="0">
+                <a:latin typeface="Futura Condensed" charset="0"/>
+                <a:ea typeface="Futura Condensed" charset="0"/>
+                <a:cs typeface="Futura Condensed" charset="0"/>
+              </a:rPr>
+              <a:t>Une autre idée de déplacement</a:t>
+            </a:r>
+            <a:endParaRPr lang="fr-FR" sz="4000" dirty="0" smtClean="0">
+              <a:latin typeface="Futura Condensed" charset="0"/>
+              <a:ea typeface="Futura Condensed" charset="0"/>
+              <a:cs typeface="Futura Condensed" charset="0"/>
+            </a:endParaRPr>
+          </a:p>
+          <a:p>
+            <a:pPr algn="ctr"/>
+            <a:endParaRPr lang="fr-FR" sz="3200" dirty="0">
+              <a:latin typeface="Futura Condensed" charset="0"/>
+              <a:ea typeface="Futura Condensed" charset="0"/>
+              <a:cs typeface="Futura Condensed" charset="0"/>
+            </a:endParaRPr>
+          </a:p>
+        </p:txBody>
+      </p:sp>
+      <p:cxnSp>
+        <p:nvCxnSpPr>
+          <p:cNvPr id="29" name="Connecteur droit avec flèche 28"/>
+          <p:cNvCxnSpPr/>
+          <p:nvPr/>
+        </p:nvCxnSpPr>
+        <p:spPr>
+          <a:xfrm flipH="1">
+            <a:off x="8825948" y="2127770"/>
+            <a:ext cx="1824459" cy="0"/>
+          </a:xfrm>
+          <a:prstGeom prst="straightConnector1">
+            <a:avLst/>
+          </a:prstGeom>
+          <a:ln>
+            <a:tailEnd type="triangle"/>
+          </a:ln>
+        </p:spPr>
+        <p:style>
+          <a:lnRef idx="1">
+            <a:schemeClr val="accent5"/>
+          </a:lnRef>
+          <a:fillRef idx="0">
+            <a:schemeClr val="accent5"/>
+          </a:fillRef>
+          <a:effectRef idx="0">
+            <a:schemeClr val="accent5"/>
+          </a:effectRef>
+          <a:fontRef idx="minor">
+            <a:schemeClr val="tx1"/>
+          </a:fontRef>
+        </p:style>
+      </p:cxnSp>
+      <p:sp>
+        <p:nvSpPr>
+          <p:cNvPr id="31" name="ZoneTexte 30"/>
+          <p:cNvSpPr txBox="1"/>
+          <p:nvPr/>
+        </p:nvSpPr>
+        <p:spPr>
+          <a:xfrm>
+            <a:off x="8159705" y="1665654"/>
+            <a:ext cx="3156943" cy="400110"/>
+          </a:xfrm>
+          <a:prstGeom prst="rect">
+            <a:avLst/>
+          </a:prstGeom>
+          <a:noFill/>
+        </p:spPr>
+        <p:txBody>
+          <a:bodyPr wrap="square" rtlCol="0">
+            <a:spAutoFit/>
+          </a:bodyPr>
+          <a:lstStyle/>
+          <a:p>
+            <a:pPr algn="ctr"/>
+            <a:r>
+              <a:rPr lang="fr-FR" sz="2000" dirty="0" smtClean="0">
+                <a:latin typeface="Futura Condensed" charset="0"/>
+                <a:ea typeface="Futura Condensed" charset="0"/>
+                <a:cs typeface="Futura Condensed" charset="0"/>
+              </a:rPr>
+              <a:t>Sens de la dilatation</a:t>
+            </a:r>
+            <a:endParaRPr lang="fr-FR" sz="2000" dirty="0">
+              <a:latin typeface="Futura Condensed" charset="0"/>
+              <a:ea typeface="Futura Condensed" charset="0"/>
+              <a:cs typeface="Futura Condensed" charset="0"/>
+            </a:endParaRPr>
+          </a:p>
+        </p:txBody>
+      </p:sp>
+    </p:spTree>
+    <p:extLst>
+      <p:ext uri="{BB962C8B-B14F-4D97-AF65-F5344CB8AC3E}">
+        <p14:creationId xmlns:p14="http://schemas.microsoft.com/office/powerpoint/2010/main" val="1565249892"/>
+      </p:ext>
+    </p:extLst>
+  </p:cSld>
+  <p:clrMapOvr>
+    <a:masterClrMapping/>
+  </p:clrMapOvr>
+  <p:timing>
+    <p:tnLst>
+      <p:par>
+        <p:cTn id="1" dur="indefinite" restart="never" nodeType="tmRoot"/>
+      </p:par>
+    </p:tnLst>
+  </p:timing>
+</p:sld>
+</file>
+
+<file path=ppt/slides/slide22.xml><?xml version="1.0" encoding="utf-8"?>
+<p:sld xmlns:a="http://schemas.openxmlformats.org/drawingml/2006/main" xmlns:r="http://schemas.openxmlformats.org/officeDocument/2006/relationships" xmlns:p="http://schemas.openxmlformats.org/presentationml/2006/main">
+  <p:cSld>
+    <p:spTree>
+      <p:nvGrpSpPr>
+        <p:cNvPr id="1" name=""/>
+        <p:cNvGrpSpPr/>
+        <p:nvPr/>
+      </p:nvGrpSpPr>
+      <p:grpSpPr>
+        <a:xfrm>
+          <a:off x="0" y="0"/>
+          <a:ext cx="0" cy="0"/>
+          <a:chOff x="0" y="0"/>
+          <a:chExt cx="0" cy="0"/>
+        </a:xfrm>
+      </p:grpSpPr>
+      <p:sp>
+        <p:nvSpPr>
+          <p:cNvPr id="2" name="ZoneTexte 1"/>
+          <p:cNvSpPr txBox="1"/>
+          <p:nvPr/>
+        </p:nvSpPr>
+        <p:spPr>
+          <a:xfrm>
+            <a:off x="774435" y="672026"/>
+            <a:ext cx="9725400" cy="1200329"/>
+          </a:xfrm>
+          <a:prstGeom prst="rect">
+            <a:avLst/>
+          </a:prstGeom>
+          <a:noFill/>
+        </p:spPr>
+        <p:txBody>
+          <a:bodyPr wrap="square" rtlCol="0">
+            <a:spAutoFit/>
+          </a:bodyPr>
+          <a:lstStyle/>
+          <a:p>
+            <a:pPr algn="ctr"/>
+            <a:r>
+              <a:rPr lang="fr-FR" sz="4000" b="1" dirty="0" smtClean="0">
+                <a:latin typeface="Futura Condensed" charset="0"/>
+                <a:ea typeface="Futura Condensed" charset="0"/>
+                <a:cs typeface="Futura Condensed" charset="0"/>
+              </a:rPr>
+              <a:t>Une autre approche du problème</a:t>
+            </a:r>
+            <a:endParaRPr lang="fr-FR" sz="4000" dirty="0" smtClean="0">
+              <a:latin typeface="Futura Condensed" charset="0"/>
+              <a:ea typeface="Futura Condensed" charset="0"/>
+              <a:cs typeface="Futura Condensed" charset="0"/>
+            </a:endParaRPr>
+          </a:p>
+          <a:p>
+            <a:pPr algn="ctr"/>
+            <a:endParaRPr lang="fr-FR" sz="3200" dirty="0">
+              <a:latin typeface="Futura Condensed" charset="0"/>
+              <a:ea typeface="Futura Condensed" charset="0"/>
+              <a:cs typeface="Futura Condensed" charset="0"/>
+            </a:endParaRPr>
+          </a:p>
+        </p:txBody>
+      </p:sp>
+      <p:sp>
+        <p:nvSpPr>
+          <p:cNvPr id="4" name="ZoneTexte 3"/>
+          <p:cNvSpPr txBox="1"/>
+          <p:nvPr/>
+        </p:nvSpPr>
+        <p:spPr>
+          <a:xfrm>
+            <a:off x="1338944" y="2041536"/>
+            <a:ext cx="9437913" cy="7048083"/>
+          </a:xfrm>
+          <a:prstGeom prst="rect">
+            <a:avLst/>
+          </a:prstGeom>
+          <a:noFill/>
+        </p:spPr>
+        <p:txBody>
+          <a:bodyPr wrap="square" rtlCol="0">
+            <a:spAutoFit/>
+          </a:bodyPr>
+          <a:lstStyle/>
+          <a:p>
+            <a:r>
+              <a:rPr lang="fr-FR" sz="4000" dirty="0" smtClean="0">
+                <a:latin typeface="Futura Condensed" charset="0"/>
+                <a:ea typeface="Futura Condensed" charset="0"/>
+                <a:cs typeface="Futura Condensed" charset="0"/>
+              </a:rPr>
+              <a:t>On peut aussi quitter l’approche optimisation pour essayer de classer les polygones selon des caractéristiques de symétrie ou d’homogénéité</a:t>
+            </a:r>
+          </a:p>
+          <a:p>
+            <a:endParaRPr lang="fr-FR" sz="4000" dirty="0">
+              <a:latin typeface="Futura Condensed" charset="0"/>
+              <a:ea typeface="Futura Condensed" charset="0"/>
+              <a:cs typeface="Futura Condensed" charset="0"/>
+            </a:endParaRPr>
+          </a:p>
+          <a:p>
+            <a:r>
+              <a:rPr lang="fr-FR" sz="4000" dirty="0" smtClean="0">
+                <a:latin typeface="Futura Condensed" charset="0"/>
+                <a:ea typeface="Futura Condensed" charset="0"/>
+                <a:cs typeface="Futura Condensed" charset="0"/>
+              </a:rPr>
+              <a:t>On pourra ainsi les classer et déterminer quel type de polygone semble le plus adapté</a:t>
+            </a:r>
+            <a:endParaRPr lang="fr-FR" sz="4000" dirty="0">
+              <a:latin typeface="Futura Condensed" charset="0"/>
+              <a:ea typeface="Futura Condensed" charset="0"/>
+              <a:cs typeface="Futura Condensed" charset="0"/>
+            </a:endParaRPr>
+          </a:p>
+          <a:p>
+            <a:endParaRPr lang="fr-FR" sz="2800" dirty="0" smtClean="0">
+              <a:latin typeface="Futura Condensed" charset="0"/>
+              <a:ea typeface="Futura Condensed" charset="0"/>
+              <a:cs typeface="Futura Condensed" charset="0"/>
+            </a:endParaRPr>
+          </a:p>
+          <a:p>
+            <a:endParaRPr lang="fr-FR" sz="2800" dirty="0">
+              <a:latin typeface="Futura Condensed" charset="0"/>
+              <a:ea typeface="Futura Condensed" charset="0"/>
+              <a:cs typeface="Futura Condensed" charset="0"/>
+            </a:endParaRPr>
+          </a:p>
+          <a:p>
+            <a:endParaRPr lang="fr-FR" sz="2800" dirty="0" smtClean="0">
+              <a:latin typeface="Futura Condensed" charset="0"/>
+              <a:ea typeface="Futura Condensed" charset="0"/>
+              <a:cs typeface="Futura Condensed" charset="0"/>
+            </a:endParaRPr>
+          </a:p>
+          <a:p>
+            <a:endParaRPr lang="fr-FR" sz="2800" dirty="0">
+              <a:latin typeface="Futura Condensed" charset="0"/>
+              <a:ea typeface="Futura Condensed" charset="0"/>
+              <a:cs typeface="Futura Condensed" charset="0"/>
+            </a:endParaRPr>
+          </a:p>
+          <a:p>
+            <a:endParaRPr lang="fr-FR" sz="2800" dirty="0" smtClean="0">
+              <a:latin typeface="Futura Condensed" charset="0"/>
+              <a:ea typeface="Futura Condensed" charset="0"/>
+              <a:cs typeface="Futura Condensed" charset="0"/>
+            </a:endParaRPr>
+          </a:p>
+          <a:p>
+            <a:pPr marL="571500" indent="-571500">
+              <a:buFont typeface="Arial" charset="0"/>
+              <a:buChar char="•"/>
+            </a:pPr>
+            <a:endParaRPr lang="fr-FR" sz="4000" dirty="0" smtClean="0">
+              <a:latin typeface="Futura Condensed" charset="0"/>
+              <a:ea typeface="Futura Condensed" charset="0"/>
+              <a:cs typeface="Futura Condensed" charset="0"/>
+            </a:endParaRPr>
+          </a:p>
+          <a:p>
+            <a:pPr algn="ctr"/>
+            <a:endParaRPr lang="fr-FR" sz="3200" dirty="0">
+              <a:latin typeface="Futura Condensed" charset="0"/>
+              <a:ea typeface="Futura Condensed" charset="0"/>
+              <a:cs typeface="Futura Condensed" charset="0"/>
+            </a:endParaRPr>
+          </a:p>
+        </p:txBody>
+      </p:sp>
+    </p:spTree>
+    <p:extLst>
+      <p:ext uri="{BB962C8B-B14F-4D97-AF65-F5344CB8AC3E}">
+        <p14:creationId xmlns:p14="http://schemas.microsoft.com/office/powerpoint/2010/main" val="864511155"/>
+      </p:ext>
+    </p:extLst>
+  </p:cSld>
+  <p:clrMapOvr>
+    <a:masterClrMapping/>
+  </p:clrMapOvr>
+  <p:timing>
+    <p:tnLst>
+      <p:par>
+        <p:cTn id="1" dur="indefinite" restart="never" nodeType="tmRoot"/>
+      </p:par>
+    </p:tnLst>
+  </p:timing>
 </p:sld>
 </file>
 
@@ -6509,6 +7760,13 @@
   <p:clrMapOvr>
     <a:masterClrMapping/>
   </p:clrMapOvr>
+  <p:timing>
+    <p:tnLst>
+      <p:par>
+        <p:cTn id="1" dur="indefinite" restart="never" nodeType="tmRoot"/>
+      </p:par>
+    </p:tnLst>
+  </p:timing>
 </p:sld>
 </file>
 
@@ -6639,6 +7897,13 @@
   <p:clrMapOvr>
     <a:masterClrMapping/>
   </p:clrMapOvr>
+  <p:timing>
+    <p:tnLst>
+      <p:par>
+        <p:cTn id="1" dur="indefinite" restart="never" nodeType="tmRoot"/>
+      </p:par>
+    </p:tnLst>
+  </p:timing>
 </p:sld>
 </file>
 
@@ -6760,6 +8025,13 @@
   <p:clrMapOvr>
     <a:masterClrMapping/>
   </p:clrMapOvr>
+  <p:timing>
+    <p:tnLst>
+      <p:par>
+        <p:cTn id="1" dur="indefinite" restart="never" nodeType="tmRoot"/>
+      </p:par>
+    </p:tnLst>
+  </p:timing>
 </p:sld>
 </file>
 
@@ -6896,6 +8168,13 @@
   <p:clrMapOvr>
     <a:masterClrMapping/>
   </p:clrMapOvr>
+  <p:timing>
+    <p:tnLst>
+      <p:par>
+        <p:cTn id="1" dur="indefinite" restart="never" nodeType="tmRoot"/>
+      </p:par>
+    </p:tnLst>
+  </p:timing>
 </p:sld>
 </file>
 
@@ -7093,6 +8372,13 @@
   <p:clrMapOvr>
     <a:masterClrMapping/>
   </p:clrMapOvr>
+  <p:timing>
+    <p:tnLst>
+      <p:par>
+        <p:cTn id="1" dur="indefinite" restart="never" nodeType="tmRoot"/>
+      </p:par>
+    </p:tnLst>
+  </p:timing>
 </p:sld>
 </file>
 
@@ -7195,6 +8481,13 @@
   <p:clrMapOvr>
     <a:masterClrMapping/>
   </p:clrMapOvr>
+  <p:timing>
+    <p:tnLst>
+      <p:par>
+        <p:cTn id="1" dur="indefinite" restart="never" nodeType="tmRoot"/>
+      </p:par>
+    </p:tnLst>
+  </p:timing>
 </p:sld>
 </file>
 
@@ -7344,6 +8637,13 @@
   <p:clrMapOvr>
     <a:masterClrMapping/>
   </p:clrMapOvr>
+  <p:timing>
+    <p:tnLst>
+      <p:par>
+        <p:cTn id="1" dur="indefinite" restart="never" nodeType="tmRoot"/>
+      </p:par>
+    </p:tnLst>
+  </p:timing>
 </p:sld>
 </file>
 

--- a/Présentation1.pptx
+++ b/Présentation1.pptx
@@ -5,7 +5,7 @@
     <p:sldMasterId id="2147483840" r:id="rId1"/>
   </p:sldMasterIdLst>
   <p:notesMasterIdLst>
-    <p:notesMasterId r:id="rId24"/>
+    <p:notesMasterId r:id="rId26"/>
   </p:notesMasterIdLst>
   <p:sldIdLst>
     <p:sldId id="256" r:id="rId2"/>
@@ -25,11 +25,13 @@
     <p:sldId id="273" r:id="rId16"/>
     <p:sldId id="272" r:id="rId17"/>
     <p:sldId id="274" r:id="rId18"/>
-    <p:sldId id="279" r:id="rId19"/>
-    <p:sldId id="275" r:id="rId20"/>
-    <p:sldId id="276" r:id="rId21"/>
-    <p:sldId id="277" r:id="rId22"/>
-    <p:sldId id="278" r:id="rId23"/>
+    <p:sldId id="281" r:id="rId19"/>
+    <p:sldId id="282" r:id="rId20"/>
+    <p:sldId id="279" r:id="rId21"/>
+    <p:sldId id="275" r:id="rId22"/>
+    <p:sldId id="276" r:id="rId23"/>
+    <p:sldId id="277" r:id="rId24"/>
+    <p:sldId id="278" r:id="rId25"/>
   </p:sldIdLst>
   <p:sldSz cx="12192000" cy="6858000"/>
   <p:notesSz cx="6858000" cy="9144000"/>
@@ -162,6 +164,8 @@
             <p14:sldId id="273"/>
             <p14:sldId id="272"/>
             <p14:sldId id="274"/>
+            <p14:sldId id="281"/>
+            <p14:sldId id="282"/>
           </p14:sldIdLst>
         </p14:section>
         <p14:section name="Perspectives pour la suite" id="{66964EE5-A75D-BF42-B63B-FD258108FEAD}">
@@ -264,7 +268,7 @@
           <a:p>
             <a:fld id="{EB14B83D-97C1-5F44-84C9-3CE56D0AA4F2}" type="datetimeFigureOut">
               <a:rPr lang="fr-FR" smtClean="0"/>
-              <a:t>07/03/2018</a:t>
+              <a:t>08/03/2018</a:t>
             </a:fld>
             <a:endParaRPr lang="fr-FR"/>
           </a:p>
@@ -757,7 +761,7 @@
             <a:fld id="{5586B75A-687E-405C-8A0B-8D00578BA2C3}" type="datetimeFigureOut">
               <a:rPr lang="en-US" dirty="0"/>
               <a:pPr/>
-              <a:t>3/7/18</a:t>
+              <a:t>3/8/18</a:t>
             </a:fld>
             <a:endParaRPr lang="en-US" dirty="0"/>
           </a:p>
@@ -1027,7 +1031,7 @@
             <a:fld id="{5586B75A-687E-405C-8A0B-8D00578BA2C3}" type="datetimeFigureOut">
               <a:rPr lang="en-US" dirty="0"/>
               <a:pPr/>
-              <a:t>3/7/18</a:t>
+              <a:t>3/8/18</a:t>
             </a:fld>
             <a:endParaRPr lang="en-US" dirty="0"/>
           </a:p>
@@ -1199,7 +1203,7 @@
             <a:fld id="{5586B75A-687E-405C-8A0B-8D00578BA2C3}" type="datetimeFigureOut">
               <a:rPr lang="en-US" dirty="0"/>
               <a:pPr/>
-              <a:t>3/7/18</a:t>
+              <a:t>3/8/18</a:t>
             </a:fld>
             <a:endParaRPr lang="en-US" dirty="0"/>
           </a:p>
@@ -1376,7 +1380,7 @@
             <a:fld id="{5586B75A-687E-405C-8A0B-8D00578BA2C3}" type="datetimeFigureOut">
               <a:rPr lang="en-US" dirty="0"/>
               <a:pPr/>
-              <a:t>3/7/18</a:t>
+              <a:t>3/8/18</a:t>
             </a:fld>
             <a:endParaRPr lang="en-US" dirty="0"/>
           </a:p>
@@ -1543,7 +1547,7 @@
             <a:fld id="{5586B75A-687E-405C-8A0B-8D00578BA2C3}" type="datetimeFigureOut">
               <a:rPr lang="en-US" dirty="0"/>
               <a:pPr/>
-              <a:t>3/7/18</a:t>
+              <a:t>3/8/18</a:t>
             </a:fld>
             <a:endParaRPr lang="en-US" dirty="0"/>
           </a:p>
@@ -1798,7 +1802,7 @@
             <a:fld id="{5586B75A-687E-405C-8A0B-8D00578BA2C3}" type="datetimeFigureOut">
               <a:rPr lang="en-US" dirty="0"/>
               <a:pPr/>
-              <a:t>3/7/18</a:t>
+              <a:t>3/8/18</a:t>
             </a:fld>
             <a:endParaRPr lang="en-US" dirty="0"/>
           </a:p>
@@ -2083,7 +2087,7 @@
             <a:fld id="{5586B75A-687E-405C-8A0B-8D00578BA2C3}" type="datetimeFigureOut">
               <a:rPr lang="en-US" dirty="0"/>
               <a:pPr/>
-              <a:t>3/7/18</a:t>
+              <a:t>3/8/18</a:t>
             </a:fld>
             <a:endParaRPr lang="en-US" dirty="0"/>
           </a:p>
@@ -2522,7 +2526,7 @@
             <a:fld id="{5586B75A-687E-405C-8A0B-8D00578BA2C3}" type="datetimeFigureOut">
               <a:rPr lang="en-US" dirty="0"/>
               <a:pPr/>
-              <a:t>3/7/18</a:t>
+              <a:t>3/8/18</a:t>
             </a:fld>
             <a:endParaRPr lang="en-US" dirty="0"/>
           </a:p>
@@ -2637,7 +2641,7 @@
             <a:fld id="{5586B75A-687E-405C-8A0B-8D00578BA2C3}" type="datetimeFigureOut">
               <a:rPr lang="en-US" dirty="0"/>
               <a:pPr/>
-              <a:t>3/7/18</a:t>
+              <a:t>3/8/18</a:t>
             </a:fld>
             <a:endParaRPr lang="en-US" dirty="0"/>
           </a:p>
@@ -2729,7 +2733,7 @@
             <a:fld id="{5586B75A-687E-405C-8A0B-8D00578BA2C3}" type="datetimeFigureOut">
               <a:rPr lang="en-US" dirty="0"/>
               <a:pPr/>
-              <a:t>3/7/18</a:t>
+              <a:t>3/8/18</a:t>
             </a:fld>
             <a:endParaRPr lang="en-US" dirty="0"/>
           </a:p>
@@ -2874,7 +2878,7 @@
             <a:fld id="{5586B75A-687E-405C-8A0B-8D00578BA2C3}" type="datetimeFigureOut">
               <a:rPr lang="en-US" smtClean="0"/>
               <a:pPr/>
-              <a:t>3/7/18</a:t>
+              <a:t>3/8/18</a:t>
             </a:fld>
             <a:endParaRPr lang="en-US" dirty="0"/>
           </a:p>
@@ -3164,7 +3168,7 @@
             <a:fld id="{5586B75A-687E-405C-8A0B-8D00578BA2C3}" type="datetimeFigureOut">
               <a:rPr lang="en-US" dirty="0"/>
               <a:pPr/>
-              <a:t>3/7/18</a:t>
+              <a:t>3/8/18</a:t>
             </a:fld>
             <a:endParaRPr lang="en-US" dirty="0"/>
           </a:p>
@@ -3453,7 +3457,7 @@
             <a:fld id="{5586B75A-687E-405C-8A0B-8D00578BA2C3}" type="datetimeFigureOut">
               <a:rPr lang="en-US" dirty="0"/>
               <a:pPr/>
-              <a:t>3/7/18</a:t>
+              <a:t>3/8/18</a:t>
             </a:fld>
             <a:endParaRPr lang="en-US" dirty="0"/>
           </a:p>
@@ -4900,8 +4904,21 @@
                 <a:ea typeface="Futura Condensed" charset="0"/>
                 <a:cs typeface="Futura Condensed" charset="0"/>
               </a:rPr>
-              <a:t>Pour chaque sommet on effectue un petit déplacements</a:t>
-            </a:r>
+              <a:t>Pour chaque sommet on effectue un petit </a:t>
+            </a:r>
+            <a:r>
+              <a:rPr lang="fr-FR" sz="3600" dirty="0" smtClean="0">
+                <a:latin typeface="Futura Condensed" charset="0"/>
+                <a:ea typeface="Futura Condensed" charset="0"/>
+                <a:cs typeface="Futura Condensed" charset="0"/>
+              </a:rPr>
+              <a:t>déplacement</a:t>
+            </a:r>
+            <a:endParaRPr lang="fr-FR" sz="3600" dirty="0" smtClean="0">
+              <a:latin typeface="Futura Condensed" charset="0"/>
+              <a:ea typeface="Futura Condensed" charset="0"/>
+              <a:cs typeface="Futura Condensed" charset="0"/>
+            </a:endParaRPr>
           </a:p>
           <a:p>
             <a:pPr marL="1028700" lvl="1" indent="-571500">
@@ -4929,34 +4946,6 @@
             </a:r>
           </a:p>
           <a:p>
-            <a:pPr marL="1485900" lvl="2" indent="-571500">
-              <a:buFont typeface="Arial" charset="0"/>
-              <a:buChar char="•"/>
-            </a:pPr>
-            <a:r>
-              <a:rPr lang="fr-FR" sz="3600" i="1" dirty="0" smtClean="0">
-                <a:latin typeface="Futura Condensed" charset="0"/>
-                <a:ea typeface="Futura Condensed" charset="0"/>
-                <a:cs typeface="Futura Condensed" charset="0"/>
-              </a:rPr>
-              <a:t> </a:t>
-            </a:r>
-          </a:p>
-          <a:p>
-            <a:pPr marL="1028700" lvl="1" indent="-571500">
-              <a:buFont typeface="Arial" charset="0"/>
-              <a:buChar char="•"/>
-            </a:pPr>
-            <a:r>
-              <a:rPr lang="fr-FR" sz="3600" dirty="0" smtClean="0">
-                <a:latin typeface="Futura Condensed" charset="0"/>
-                <a:ea typeface="Futura Condensed" charset="0"/>
-                <a:cs typeface="Futura Condensed" charset="0"/>
-              </a:rPr>
-              <a:t>On remet le sommet à sa place</a:t>
-            </a:r>
-          </a:p>
-          <a:p>
             <a:pPr marL="1028700" lvl="1" indent="-571500">
               <a:buFont typeface="Arial" charset="0"/>
               <a:buChar char="•"/>
@@ -4968,6 +4957,39 @@
             </a:endParaRPr>
           </a:p>
           <a:p>
+            <a:pPr marL="1028700" lvl="1" indent="-571500">
+              <a:buFont typeface="Arial" charset="0"/>
+              <a:buChar char="•"/>
+            </a:pPr>
+            <a:r>
+              <a:rPr lang="fr-FR" sz="3600" dirty="0" smtClean="0">
+                <a:latin typeface="Futura Condensed" charset="0"/>
+                <a:ea typeface="Futura Condensed" charset="0"/>
+                <a:cs typeface="Futura Condensed" charset="0"/>
+              </a:rPr>
+              <a:t>On </a:t>
+            </a:r>
+            <a:r>
+              <a:rPr lang="fr-FR" sz="3600" dirty="0" smtClean="0">
+                <a:latin typeface="Futura Condensed" charset="0"/>
+                <a:ea typeface="Futura Condensed" charset="0"/>
+                <a:cs typeface="Futura Condensed" charset="0"/>
+              </a:rPr>
+              <a:t>remet le sommet à sa place</a:t>
+            </a:r>
+          </a:p>
+          <a:p>
+            <a:pPr marL="1028700" lvl="1" indent="-571500">
+              <a:buFont typeface="Arial" charset="0"/>
+              <a:buChar char="•"/>
+            </a:pPr>
+            <a:endParaRPr lang="fr-FR" sz="3600" dirty="0" smtClean="0">
+              <a:latin typeface="Futura Condensed" charset="0"/>
+              <a:ea typeface="Futura Condensed" charset="0"/>
+              <a:cs typeface="Futura Condensed" charset="0"/>
+            </a:endParaRPr>
+          </a:p>
+          <a:p>
             <a:pPr marL="571500" indent="-571500">
               <a:buFont typeface="Arial" charset="0"/>
               <a:buChar char="•"/>
@@ -4980,11 +5002,6 @@
               </a:rPr>
               <a:t>Une fois le parcours des sommets terminé, on retrouve le déplacement avec la meilleur valeur, et on l’effectue</a:t>
             </a:r>
-            <a:endParaRPr lang="fr-FR" sz="3600" b="1" dirty="0" smtClean="0">
-              <a:latin typeface="Futura Condensed" charset="0"/>
-              <a:ea typeface="Futura Condensed" charset="0"/>
-              <a:cs typeface="Futura Condensed" charset="0"/>
-            </a:endParaRPr>
           </a:p>
           <a:p>
             <a:pPr algn="ctr"/>
@@ -5064,11 +5081,6 @@
               </a:rPr>
               <a:t>Résultats : </a:t>
             </a:r>
-            <a:endParaRPr lang="fr-FR" sz="4000" b="1" dirty="0" smtClean="0">
-              <a:latin typeface="Futura Condensed" charset="0"/>
-              <a:ea typeface="Futura Condensed" charset="0"/>
-              <a:cs typeface="Futura Condensed" charset="0"/>
-            </a:endParaRPr>
           </a:p>
           <a:p>
             <a:pPr algn="ctr"/>
@@ -5208,11 +5220,6 @@
               </a:rPr>
               <a:t>Résultats : </a:t>
             </a:r>
-            <a:endParaRPr lang="fr-FR" sz="4000" b="1" smtClean="0">
-              <a:latin typeface="Futura Condensed" charset="0"/>
-              <a:ea typeface="Futura Condensed" charset="0"/>
-              <a:cs typeface="Futura Condensed" charset="0"/>
-            </a:endParaRPr>
           </a:p>
           <a:p>
             <a:pPr algn="ctr"/>
@@ -5699,11 +5706,6 @@
               </a:rPr>
               <a:t>La précision du résultat dépend fortement du pas choisi pour les petits déplacements de points</a:t>
             </a:r>
-            <a:endParaRPr lang="fr-FR" sz="4000" dirty="0" smtClean="0">
-              <a:latin typeface="Futura Condensed" charset="0"/>
-              <a:ea typeface="Futura Condensed" charset="0"/>
-              <a:cs typeface="Futura Condensed" charset="0"/>
-            </a:endParaRPr>
           </a:p>
           <a:p>
             <a:pPr marL="571500" indent="-571500">
@@ -5877,11 +5879,6 @@
               </a:rPr>
               <a:t>L’algorithme ne peut déplacer qu’un seul points à la fois, et n’exploite pas de mouvements symétriques</a:t>
             </a:r>
-            <a:endParaRPr lang="fr-FR" sz="4000" dirty="0" smtClean="0">
-              <a:latin typeface="Futura Condensed" charset="0"/>
-              <a:ea typeface="Futura Condensed" charset="0"/>
-              <a:cs typeface="Futura Condensed" charset="0"/>
-            </a:endParaRPr>
           </a:p>
           <a:p>
             <a:pPr marL="571500" indent="-571500">
@@ -5943,54 +5940,151 @@
       </p:grpSpPr>
       <p:sp>
         <p:nvSpPr>
-          <p:cNvPr id="2" name="Titre 1"/>
-          <p:cNvSpPr>
-            <a:spLocks noGrp="1"/>
-          </p:cNvSpPr>
-          <p:nvPr>
-            <p:ph type="ctrTitle"/>
-          </p:nvPr>
-        </p:nvSpPr>
-        <p:spPr/>
-        <p:txBody>
-          <a:bodyPr>
-            <a:normAutofit/>
+          <p:cNvPr id="2" name="ZoneTexte 1"/>
+          <p:cNvSpPr txBox="1"/>
+          <p:nvPr/>
+        </p:nvSpPr>
+        <p:spPr>
+          <a:xfrm>
+            <a:off x="625093" y="474549"/>
+            <a:ext cx="11057069" cy="2862322"/>
+          </a:xfrm>
+          <a:prstGeom prst="rect">
+            <a:avLst/>
+          </a:prstGeom>
+          <a:noFill/>
+        </p:spPr>
+        <p:txBody>
+          <a:bodyPr wrap="square" rtlCol="0">
+            <a:spAutoFit/>
           </a:bodyPr>
           <a:lstStyle/>
           <a:p>
-            <a:r>
-              <a:rPr lang="fr-FR" sz="4800" b="1" dirty="0" smtClean="0">
-                <a:latin typeface="Futura Medium" charset="0"/>
-                <a:ea typeface="Futura Medium" charset="0"/>
-                <a:cs typeface="Futura Medium" charset="0"/>
+            <a:pPr algn="ctr"/>
+            <a:r>
+              <a:rPr lang="fr-FR" sz="4000" b="1" dirty="0" smtClean="0">
+                <a:latin typeface="Futura Condensed" charset="0"/>
+                <a:ea typeface="Futura Condensed" charset="0"/>
+                <a:cs typeface="Futura Condensed" charset="0"/>
               </a:rPr>
-              <a:t>Perspectives pour la suite</a:t>
-            </a:r>
-            <a:endParaRPr lang="fr-FR" sz="4800" b="1" dirty="0">
-              <a:latin typeface="Futura Medium" charset="0"/>
-              <a:ea typeface="Futura Medium" charset="0"/>
-              <a:cs typeface="Futura Medium" charset="0"/>
-            </a:endParaRPr>
-          </a:p>
-        </p:txBody>
-      </p:sp>
+              <a:t>Relation entre le pas et le résultat</a:t>
+            </a:r>
+          </a:p>
+          <a:p>
+            <a:pPr algn="ctr"/>
+            <a:endParaRPr lang="fr-FR" sz="4000" b="1" dirty="0">
+              <a:latin typeface="Futura Condensed" charset="0"/>
+              <a:ea typeface="Futura Condensed" charset="0"/>
+              <a:cs typeface="Futura Condensed" charset="0"/>
+            </a:endParaRPr>
+          </a:p>
+          <a:p>
+            <a:pPr algn="ctr"/>
+            <a:r>
+              <a:rPr lang="fr-FR" sz="2800" dirty="0" smtClean="0">
+                <a:latin typeface="Futura Condensed" charset="0"/>
+                <a:ea typeface="Futura Condensed" charset="0"/>
+                <a:cs typeface="Futura Condensed" charset="0"/>
+              </a:rPr>
+              <a:t>On a réalisé pour chaque pas 50 itérations de l’algorithme (au maximum)</a:t>
+            </a:r>
+            <a:endParaRPr lang="fr-FR" sz="2800" dirty="0" smtClean="0">
+              <a:latin typeface="Futura Condensed" charset="0"/>
+              <a:ea typeface="Futura Condensed" charset="0"/>
+              <a:cs typeface="Futura Condensed" charset="0"/>
+            </a:endParaRPr>
+          </a:p>
+          <a:p>
+            <a:pPr marL="571500" indent="-571500">
+              <a:buFont typeface="Arial" charset="0"/>
+              <a:buChar char="•"/>
+            </a:pPr>
+            <a:endParaRPr lang="fr-FR" sz="4000" dirty="0" smtClean="0">
+              <a:latin typeface="Futura Condensed" charset="0"/>
+              <a:ea typeface="Futura Condensed" charset="0"/>
+              <a:cs typeface="Futura Condensed" charset="0"/>
+            </a:endParaRPr>
+          </a:p>
+          <a:p>
+            <a:pPr algn="ctr"/>
+            <a:endParaRPr lang="fr-FR" sz="3200" dirty="0">
+              <a:latin typeface="Futura Condensed" charset="0"/>
+              <a:ea typeface="Futura Condensed" charset="0"/>
+              <a:cs typeface="Futura Condensed" charset="0"/>
+            </a:endParaRPr>
+          </a:p>
+        </p:txBody>
+      </p:sp>
+      <p:pic>
+        <p:nvPicPr>
+          <p:cNvPr id="3" name="Image 2"/>
+          <p:cNvPicPr>
+            <a:picLocks noChangeAspect="1"/>
+          </p:cNvPicPr>
+          <p:nvPr/>
+        </p:nvPicPr>
+        <p:blipFill>
+          <a:blip r:embed="rId2">
+            <a:extLst>
+              <a:ext uri="{28A0092B-C50C-407E-A947-70E740481C1C}">
+                <a14:useLocalDpi xmlns:a14="http://schemas.microsoft.com/office/drawing/2010/main" val="0"/>
+              </a:ext>
+            </a:extLst>
+          </a:blip>
+          <a:stretch>
+            <a:fillRect/>
+          </a:stretch>
+        </p:blipFill>
+        <p:spPr>
+          <a:xfrm>
+            <a:off x="6153628" y="2354094"/>
+            <a:ext cx="5577930" cy="4183447"/>
+          </a:xfrm>
+          <a:prstGeom prst="rect">
+            <a:avLst/>
+          </a:prstGeom>
+        </p:spPr>
+      </p:pic>
+      <p:pic>
+        <p:nvPicPr>
+          <p:cNvPr id="4" name="Image 3"/>
+          <p:cNvPicPr>
+            <a:picLocks noChangeAspect="1"/>
+          </p:cNvPicPr>
+          <p:nvPr/>
+        </p:nvPicPr>
+        <p:blipFill>
+          <a:blip r:embed="rId3">
+            <a:extLst>
+              <a:ext uri="{28A0092B-C50C-407E-A947-70E740481C1C}">
+                <a14:useLocalDpi xmlns:a14="http://schemas.microsoft.com/office/drawing/2010/main" val="0"/>
+              </a:ext>
+            </a:extLst>
+          </a:blip>
+          <a:stretch>
+            <a:fillRect/>
+          </a:stretch>
+        </p:blipFill>
+        <p:spPr>
+          <a:xfrm>
+            <a:off x="730425" y="2354094"/>
+            <a:ext cx="5423203" cy="4067402"/>
+          </a:xfrm>
+          <a:prstGeom prst="rect">
+            <a:avLst/>
+          </a:prstGeom>
+        </p:spPr>
+      </p:pic>
     </p:spTree>
     <p:extLst>
       <p:ext uri="{BB962C8B-B14F-4D97-AF65-F5344CB8AC3E}">
-        <p14:creationId xmlns:p14="http://schemas.microsoft.com/office/powerpoint/2010/main" val="821950528"/>
+        <p14:creationId xmlns:p14="http://schemas.microsoft.com/office/powerpoint/2010/main" val="1000010220"/>
       </p:ext>
     </p:extLst>
   </p:cSld>
   <p:clrMapOvr>
     <a:masterClrMapping/>
   </p:clrMapOvr>
-  <p:timing>
-    <p:tnLst>
-      <p:par>
-        <p:cTn id="1" dur="indefinite" restart="never" nodeType="tmRoot"/>
-      </p:par>
-    </p:tnLst>
-  </p:timing>
 </p:sld>
 </file>
 
@@ -6019,61 +6113,8 @@
         </p:nvSpPr>
         <p:spPr>
           <a:xfrm>
-            <a:off x="-205138" y="225654"/>
-            <a:ext cx="11057069" cy="1815882"/>
-          </a:xfrm>
-          <a:prstGeom prst="rect">
-            <a:avLst/>
-          </a:prstGeom>
-          <a:noFill/>
-        </p:spPr>
-        <p:txBody>
-          <a:bodyPr wrap="square" rtlCol="0">
-            <a:spAutoFit/>
-          </a:bodyPr>
-          <a:lstStyle/>
-          <a:p>
-            <a:pPr marL="571500" indent="-571500">
-              <a:buFont typeface="Arial" charset="0"/>
-              <a:buChar char="•"/>
-            </a:pPr>
-            <a:endParaRPr lang="fr-FR" sz="4000" dirty="0" smtClean="0">
-              <a:latin typeface="Futura Condensed" charset="0"/>
-              <a:ea typeface="Futura Condensed" charset="0"/>
-              <a:cs typeface="Futura Condensed" charset="0"/>
-            </a:endParaRPr>
-          </a:p>
-          <a:p>
-            <a:pPr marL="571500" indent="-571500">
-              <a:buFont typeface="Arial" charset="0"/>
-              <a:buChar char="•"/>
-            </a:pPr>
-            <a:endParaRPr lang="fr-FR" sz="4000" dirty="0" smtClean="0">
-              <a:latin typeface="Futura Condensed" charset="0"/>
-              <a:ea typeface="Futura Condensed" charset="0"/>
-              <a:cs typeface="Futura Condensed" charset="0"/>
-            </a:endParaRPr>
-          </a:p>
-          <a:p>
-            <a:pPr algn="ctr"/>
-            <a:endParaRPr lang="fr-FR" sz="3200" dirty="0">
-              <a:latin typeface="Futura Condensed" charset="0"/>
-              <a:ea typeface="Futura Condensed" charset="0"/>
-              <a:cs typeface="Futura Condensed" charset="0"/>
-            </a:endParaRPr>
-          </a:p>
-        </p:txBody>
-      </p:sp>
-      <p:sp>
-        <p:nvSpPr>
-          <p:cNvPr id="3" name="ZoneTexte 2"/>
-          <p:cNvSpPr txBox="1"/>
-          <p:nvPr/>
-        </p:nvSpPr>
-        <p:spPr>
-          <a:xfrm>
-            <a:off x="774435" y="672026"/>
-            <a:ext cx="9725400" cy="1815882"/>
+            <a:off x="625093" y="474549"/>
+            <a:ext cx="11057069" cy="5570756"/>
           </a:xfrm>
           <a:prstGeom prst="rect">
             <a:avLst/>
@@ -6093,8 +6134,18 @@
                 <a:ea typeface="Futura Condensed" charset="0"/>
                 <a:cs typeface="Futura Condensed" charset="0"/>
               </a:rPr>
-              <a:t>Relations qualitatives entre forme de la pièce et température moyenne</a:t>
-            </a:r>
+              <a:t>Relation entre le pas et le résultat</a:t>
+            </a:r>
+          </a:p>
+          <a:p>
+            <a:pPr algn="ctr"/>
+            <a:endParaRPr lang="fr-FR" sz="4000" b="1" dirty="0">
+              <a:latin typeface="Futura Condensed" charset="0"/>
+              <a:ea typeface="Futura Condensed" charset="0"/>
+              <a:cs typeface="Futura Condensed" charset="0"/>
+            </a:endParaRPr>
+          </a:p>
+          <a:p>
             <a:endParaRPr lang="fr-FR" sz="4000" dirty="0" smtClean="0">
               <a:latin typeface="Futura Condensed" charset="0"/>
               <a:ea typeface="Futura Condensed" charset="0"/>
@@ -6102,66 +6153,32 @@
             </a:endParaRPr>
           </a:p>
           <a:p>
-            <a:pPr algn="ctr"/>
-            <a:endParaRPr lang="fr-FR" sz="3200" dirty="0">
-              <a:latin typeface="Futura Condensed" charset="0"/>
-              <a:ea typeface="Futura Condensed" charset="0"/>
-              <a:cs typeface="Futura Condensed" charset="0"/>
-            </a:endParaRPr>
-          </a:p>
-        </p:txBody>
-      </p:sp>
-      <p:sp>
-        <p:nvSpPr>
-          <p:cNvPr id="9" name="ZoneTexte 8"/>
-          <p:cNvSpPr txBox="1"/>
-          <p:nvPr/>
-        </p:nvSpPr>
-        <p:spPr>
-          <a:xfrm>
-            <a:off x="7946242" y="2041536"/>
-            <a:ext cx="2905689" cy="8094524"/>
-          </a:xfrm>
-          <a:prstGeom prst="rect">
-            <a:avLst/>
-          </a:prstGeom>
-          <a:noFill/>
-        </p:spPr>
-        <p:txBody>
-          <a:bodyPr wrap="square" rtlCol="0">
-            <a:spAutoFit/>
-          </a:bodyPr>
-          <a:lstStyle/>
-          <a:p>
-            <a:pPr algn="ctr"/>
+            <a:pPr marL="457200" indent="-457200">
+              <a:buFont typeface="Arial" charset="0"/>
+              <a:buChar char="•"/>
+            </a:pPr>
             <a:r>
               <a:rPr lang="fr-FR" sz="2800" dirty="0" smtClean="0">
                 <a:latin typeface="Futura Condensed" charset="0"/>
                 <a:ea typeface="Futura Condensed" charset="0"/>
                 <a:cs typeface="Futura Condensed" charset="0"/>
               </a:rPr>
-              <a:t>Valeurs moyennes de la température :</a:t>
-            </a:r>
-          </a:p>
-          <a:p>
-            <a:pPr algn="ctr"/>
-            <a:endParaRPr lang="fr-FR" sz="2800" dirty="0">
-              <a:latin typeface="Futura Condensed" charset="0"/>
-              <a:ea typeface="Futura Condensed" charset="0"/>
-              <a:cs typeface="Futura Condensed" charset="0"/>
-            </a:endParaRPr>
-          </a:p>
-          <a:p>
+              <a:t>Problème : Courbe un peu chaotique et les premières valeurs ne sont pas exploitables car il faudrait faire plus d’</a:t>
+            </a:r>
             <a:r>
               <a:rPr lang="fr-FR" sz="2800" dirty="0" smtClean="0">
                 <a:latin typeface="Futura Condensed" charset="0"/>
                 <a:ea typeface="Futura Condensed" charset="0"/>
                 <a:cs typeface="Futura Condensed" charset="0"/>
               </a:rPr>
-              <a:t>Verte : 1279</a:t>
-            </a:r>
-          </a:p>
-          <a:p>
+              <a:t>itérations </a:t>
+            </a:r>
+          </a:p>
+          <a:p>
+            <a:pPr marL="457200" indent="-457200">
+              <a:buFont typeface="Arial" charset="0"/>
+              <a:buChar char="•"/>
+            </a:pPr>
             <a:endParaRPr lang="fr-FR" sz="2800" dirty="0">
               <a:latin typeface="Futura Condensed" charset="0"/>
               <a:ea typeface="Futura Condensed" charset="0"/>
@@ -6169,159 +6186,101 @@
             </a:endParaRPr>
           </a:p>
           <a:p>
+            <a:pPr marL="457200" indent="-457200">
+              <a:buFont typeface="Arial" charset="0"/>
+              <a:buChar char="•"/>
+            </a:pPr>
             <a:r>
               <a:rPr lang="fr-FR" sz="2800" dirty="0" smtClean="0">
                 <a:latin typeface="Futura Condensed" charset="0"/>
                 <a:ea typeface="Futura Condensed" charset="0"/>
                 <a:cs typeface="Futura Condensed" charset="0"/>
               </a:rPr>
-              <a:t>Bleue : 1370</a:t>
-            </a:r>
-          </a:p>
-          <a:p>
-            <a:endParaRPr lang="fr-FR" sz="2800" dirty="0">
-              <a:latin typeface="Futura Condensed" charset="0"/>
-              <a:ea typeface="Futura Condensed" charset="0"/>
-              <a:cs typeface="Futura Condensed" charset="0"/>
-            </a:endParaRPr>
-          </a:p>
-          <a:p>
+              <a:t>Tendance générale : Plus le petit pas est petit, plus on gagne en précision </a:t>
+            </a:r>
             <a:r>
               <a:rPr lang="fr-FR" sz="2800" dirty="0" smtClean="0">
+                <a:solidFill>
+                  <a:srgbClr val="FF0000"/>
+                </a:solidFill>
                 <a:latin typeface="Futura Condensed" charset="0"/>
                 <a:ea typeface="Futura Condensed" charset="0"/>
                 <a:cs typeface="Futura Condensed" charset="0"/>
               </a:rPr>
-              <a:t>Rouge : 1020</a:t>
-            </a:r>
-          </a:p>
-          <a:p>
-            <a:endParaRPr lang="fr-FR" sz="2800" dirty="0">
-              <a:latin typeface="Futura Condensed" charset="0"/>
-              <a:ea typeface="Futura Condensed" charset="0"/>
-              <a:cs typeface="Futura Condensed" charset="0"/>
-            </a:endParaRPr>
-          </a:p>
-          <a:p>
-            <a:r>
-              <a:rPr lang="fr-FR" sz="2800" dirty="0" smtClean="0">
+              <a:t>(Mais attention ce n’est pas toujours vrai: </a:t>
+            </a:r>
+          </a:p>
+          <a:p>
+            <a:pPr marL="914400" lvl="1" indent="-457200">
+              <a:buFont typeface="Arial" charset="0"/>
+              <a:buChar char="•"/>
+            </a:pPr>
+            <a:r>
+              <a:rPr lang="fr-FR" sz="2400" dirty="0" smtClean="0">
+                <a:solidFill>
+                  <a:srgbClr val="FF0000"/>
+                </a:solidFill>
                 <a:latin typeface="Futura Condensed" charset="0"/>
                 <a:ea typeface="Futura Condensed" charset="0"/>
                 <a:cs typeface="Futura Condensed" charset="0"/>
               </a:rPr>
-              <a:t>Cyan :  1455</a:t>
-            </a:r>
-          </a:p>
-          <a:p>
-            <a:endParaRPr lang="fr-FR" sz="2800" dirty="0">
+              <a:t>Dépend du polygone initial</a:t>
+            </a:r>
+          </a:p>
+          <a:p>
+            <a:pPr marL="914400" lvl="1" indent="-457200">
+              <a:buFont typeface="Arial" charset="0"/>
+              <a:buChar char="•"/>
+            </a:pPr>
+            <a:r>
+              <a:rPr lang="fr-FR" sz="2400" dirty="0" smtClean="0">
+                <a:solidFill>
+                  <a:srgbClr val="FF0000"/>
+                </a:solidFill>
+                <a:latin typeface="Futura Condensed" charset="0"/>
+                <a:ea typeface="Futura Condensed" charset="0"/>
+                <a:cs typeface="Futura Condensed" charset="0"/>
+              </a:rPr>
+              <a:t>Fluctuations locales importantes sur la courbe </a:t>
+            </a:r>
+            <a:r>
+              <a:rPr lang="fr-FR" sz="3200" dirty="0" smtClean="0">
+                <a:solidFill>
+                  <a:srgbClr val="FF0000"/>
+                </a:solidFill>
+                <a:latin typeface="Futura Condensed" charset="0"/>
+                <a:ea typeface="Futura Condensed" charset="0"/>
+                <a:cs typeface="Futura Condensed" charset="0"/>
+              </a:rPr>
+              <a:t>)</a:t>
+            </a:r>
+          </a:p>
+          <a:p>
+            <a:pPr marL="914400" lvl="1" indent="-457200">
+              <a:buFont typeface="Arial" charset="0"/>
+              <a:buChar char="•"/>
+            </a:pPr>
+            <a:endParaRPr lang="fr-FR" sz="3200" dirty="0">
+              <a:solidFill>
+                <a:srgbClr val="FF0000"/>
+              </a:solidFill>
               <a:latin typeface="Futura Condensed" charset="0"/>
               <a:ea typeface="Futura Condensed" charset="0"/>
               <a:cs typeface="Futura Condensed" charset="0"/>
             </a:endParaRPr>
           </a:p>
-          <a:p>
-            <a:endParaRPr lang="fr-FR" sz="2800" dirty="0" smtClean="0">
-              <a:latin typeface="Futura Condensed" charset="0"/>
-              <a:ea typeface="Futura Condensed" charset="0"/>
-              <a:cs typeface="Futura Condensed" charset="0"/>
-            </a:endParaRPr>
-          </a:p>
-          <a:p>
-            <a:endParaRPr lang="fr-FR" sz="2800" dirty="0">
-              <a:latin typeface="Futura Condensed" charset="0"/>
-              <a:ea typeface="Futura Condensed" charset="0"/>
-              <a:cs typeface="Futura Condensed" charset="0"/>
-            </a:endParaRPr>
-          </a:p>
-          <a:p>
-            <a:endParaRPr lang="fr-FR" sz="2800" dirty="0" smtClean="0">
-              <a:latin typeface="Futura Condensed" charset="0"/>
-              <a:ea typeface="Futura Condensed" charset="0"/>
-              <a:cs typeface="Futura Condensed" charset="0"/>
-            </a:endParaRPr>
-          </a:p>
-          <a:p>
-            <a:endParaRPr lang="fr-FR" sz="2800" dirty="0">
-              <a:latin typeface="Futura Condensed" charset="0"/>
-              <a:ea typeface="Futura Condensed" charset="0"/>
-              <a:cs typeface="Futura Condensed" charset="0"/>
-            </a:endParaRPr>
-          </a:p>
-          <a:p>
-            <a:endParaRPr lang="fr-FR" sz="2800" dirty="0" smtClean="0">
-              <a:latin typeface="Futura Condensed" charset="0"/>
-              <a:ea typeface="Futura Condensed" charset="0"/>
-              <a:cs typeface="Futura Condensed" charset="0"/>
-            </a:endParaRPr>
-          </a:p>
-          <a:p>
-            <a:pPr marL="571500" indent="-571500">
-              <a:buFont typeface="Arial" charset="0"/>
-              <a:buChar char="•"/>
-            </a:pPr>
-            <a:endParaRPr lang="fr-FR" sz="4000" dirty="0" smtClean="0">
-              <a:latin typeface="Futura Condensed" charset="0"/>
-              <a:ea typeface="Futura Condensed" charset="0"/>
-              <a:cs typeface="Futura Condensed" charset="0"/>
-            </a:endParaRPr>
-          </a:p>
-          <a:p>
-            <a:pPr algn="ctr"/>
-            <a:endParaRPr lang="fr-FR" sz="3200" dirty="0">
-              <a:latin typeface="Futura Condensed" charset="0"/>
-              <a:ea typeface="Futura Condensed" charset="0"/>
-              <a:cs typeface="Futura Condensed" charset="0"/>
-            </a:endParaRPr>
-          </a:p>
-        </p:txBody>
-      </p:sp>
-      <p:pic>
-        <p:nvPicPr>
-          <p:cNvPr id="10" name="Image 9"/>
-          <p:cNvPicPr>
-            <a:picLocks noChangeAspect="1"/>
-          </p:cNvPicPr>
-          <p:nvPr/>
-        </p:nvPicPr>
-        <p:blipFill>
-          <a:blip r:embed="rId2">
-            <a:extLst>
-              <a:ext uri="{28A0092B-C50C-407E-A947-70E740481C1C}">
-                <a14:useLocalDpi xmlns:a14="http://schemas.microsoft.com/office/drawing/2010/main" val="0"/>
-              </a:ext>
-            </a:extLst>
-          </a:blip>
-          <a:stretch>
-            <a:fillRect/>
-          </a:stretch>
-        </p:blipFill>
-        <p:spPr>
-          <a:xfrm>
-            <a:off x="1101271" y="2041536"/>
-            <a:ext cx="5852160" cy="4389120"/>
-          </a:xfrm>
-          <a:prstGeom prst="rect">
-            <a:avLst/>
-          </a:prstGeom>
-        </p:spPr>
-      </p:pic>
+        </p:txBody>
+      </p:sp>
     </p:spTree>
     <p:extLst>
       <p:ext uri="{BB962C8B-B14F-4D97-AF65-F5344CB8AC3E}">
-        <p14:creationId xmlns:p14="http://schemas.microsoft.com/office/powerpoint/2010/main" val="1307431881"/>
+        <p14:creationId xmlns:p14="http://schemas.microsoft.com/office/powerpoint/2010/main" val="1562975090"/>
       </p:ext>
     </p:extLst>
   </p:cSld>
   <p:clrMapOvr>
     <a:masterClrMapping/>
   </p:clrMapOvr>
-  <p:timing>
-    <p:tnLst>
-      <p:par>
-        <p:cTn id="1" dur="indefinite" restart="never" nodeType="tmRoot"/>
-      </p:par>
-    </p:tnLst>
-  </p:timing>
 </p:sld>
 </file>
 
@@ -6502,6 +6461,407 @@
       </p:grpSpPr>
       <p:sp>
         <p:nvSpPr>
+          <p:cNvPr id="2" name="Titre 1"/>
+          <p:cNvSpPr>
+            <a:spLocks noGrp="1"/>
+          </p:cNvSpPr>
+          <p:nvPr>
+            <p:ph type="ctrTitle"/>
+          </p:nvPr>
+        </p:nvSpPr>
+        <p:spPr/>
+        <p:txBody>
+          <a:bodyPr>
+            <a:normAutofit/>
+          </a:bodyPr>
+          <a:lstStyle/>
+          <a:p>
+            <a:r>
+              <a:rPr lang="fr-FR" sz="4800" b="1" dirty="0" smtClean="0">
+                <a:latin typeface="Futura Medium" charset="0"/>
+                <a:ea typeface="Futura Medium" charset="0"/>
+                <a:cs typeface="Futura Medium" charset="0"/>
+              </a:rPr>
+              <a:t>Perspectives pour la suite</a:t>
+            </a:r>
+            <a:endParaRPr lang="fr-FR" sz="4800" b="1" dirty="0">
+              <a:latin typeface="Futura Medium" charset="0"/>
+              <a:ea typeface="Futura Medium" charset="0"/>
+              <a:cs typeface="Futura Medium" charset="0"/>
+            </a:endParaRPr>
+          </a:p>
+        </p:txBody>
+      </p:sp>
+    </p:spTree>
+    <p:extLst>
+      <p:ext uri="{BB962C8B-B14F-4D97-AF65-F5344CB8AC3E}">
+        <p14:creationId xmlns:p14="http://schemas.microsoft.com/office/powerpoint/2010/main" val="821950528"/>
+      </p:ext>
+    </p:extLst>
+  </p:cSld>
+  <p:clrMapOvr>
+    <a:masterClrMapping/>
+  </p:clrMapOvr>
+  <p:timing>
+    <p:tnLst>
+      <p:par>
+        <p:cTn id="1" dur="indefinite" restart="never" nodeType="tmRoot"/>
+      </p:par>
+    </p:tnLst>
+  </p:timing>
+</p:sld>
+</file>
+
+<file path=ppt/slides/slide21.xml><?xml version="1.0" encoding="utf-8"?>
+<p:sld xmlns:a="http://schemas.openxmlformats.org/drawingml/2006/main" xmlns:r="http://schemas.openxmlformats.org/officeDocument/2006/relationships" xmlns:p="http://schemas.openxmlformats.org/presentationml/2006/main">
+  <p:cSld>
+    <p:spTree>
+      <p:nvGrpSpPr>
+        <p:cNvPr id="1" name=""/>
+        <p:cNvGrpSpPr/>
+        <p:nvPr/>
+      </p:nvGrpSpPr>
+      <p:grpSpPr>
+        <a:xfrm>
+          <a:off x="0" y="0"/>
+          <a:ext cx="0" cy="0"/>
+          <a:chOff x="0" y="0"/>
+          <a:chExt cx="0" cy="0"/>
+        </a:xfrm>
+      </p:grpSpPr>
+      <p:sp>
+        <p:nvSpPr>
+          <p:cNvPr id="2" name="ZoneTexte 1"/>
+          <p:cNvSpPr txBox="1"/>
+          <p:nvPr/>
+        </p:nvSpPr>
+        <p:spPr>
+          <a:xfrm>
+            <a:off x="-205138" y="225654"/>
+            <a:ext cx="11057069" cy="1815882"/>
+          </a:xfrm>
+          <a:prstGeom prst="rect">
+            <a:avLst/>
+          </a:prstGeom>
+          <a:noFill/>
+        </p:spPr>
+        <p:txBody>
+          <a:bodyPr wrap="square" rtlCol="0">
+            <a:spAutoFit/>
+          </a:bodyPr>
+          <a:lstStyle/>
+          <a:p>
+            <a:pPr marL="571500" indent="-571500">
+              <a:buFont typeface="Arial" charset="0"/>
+              <a:buChar char="•"/>
+            </a:pPr>
+            <a:endParaRPr lang="fr-FR" sz="4000" dirty="0" smtClean="0">
+              <a:latin typeface="Futura Condensed" charset="0"/>
+              <a:ea typeface="Futura Condensed" charset="0"/>
+              <a:cs typeface="Futura Condensed" charset="0"/>
+            </a:endParaRPr>
+          </a:p>
+          <a:p>
+            <a:pPr marL="571500" indent="-571500">
+              <a:buFont typeface="Arial" charset="0"/>
+              <a:buChar char="•"/>
+            </a:pPr>
+            <a:endParaRPr lang="fr-FR" sz="4000" dirty="0" smtClean="0">
+              <a:latin typeface="Futura Condensed" charset="0"/>
+              <a:ea typeface="Futura Condensed" charset="0"/>
+              <a:cs typeface="Futura Condensed" charset="0"/>
+            </a:endParaRPr>
+          </a:p>
+          <a:p>
+            <a:pPr algn="ctr"/>
+            <a:endParaRPr lang="fr-FR" sz="3200" dirty="0">
+              <a:latin typeface="Futura Condensed" charset="0"/>
+              <a:ea typeface="Futura Condensed" charset="0"/>
+              <a:cs typeface="Futura Condensed" charset="0"/>
+            </a:endParaRPr>
+          </a:p>
+        </p:txBody>
+      </p:sp>
+      <p:sp>
+        <p:nvSpPr>
+          <p:cNvPr id="3" name="ZoneTexte 2"/>
+          <p:cNvSpPr txBox="1"/>
+          <p:nvPr/>
+        </p:nvSpPr>
+        <p:spPr>
+          <a:xfrm>
+            <a:off x="774435" y="672026"/>
+            <a:ext cx="9725400" cy="1815882"/>
+          </a:xfrm>
+          <a:prstGeom prst="rect">
+            <a:avLst/>
+          </a:prstGeom>
+          <a:noFill/>
+        </p:spPr>
+        <p:txBody>
+          <a:bodyPr wrap="square" rtlCol="0">
+            <a:spAutoFit/>
+          </a:bodyPr>
+          <a:lstStyle/>
+          <a:p>
+            <a:pPr algn="ctr"/>
+            <a:r>
+              <a:rPr lang="fr-FR" sz="4000" b="1" dirty="0" smtClean="0">
+                <a:latin typeface="Futura Condensed" charset="0"/>
+                <a:ea typeface="Futura Condensed" charset="0"/>
+                <a:cs typeface="Futura Condensed" charset="0"/>
+              </a:rPr>
+              <a:t>Relations qualitatives entre forme de la pièce et température moyenne</a:t>
+            </a:r>
+            <a:endParaRPr lang="fr-FR" sz="4000" dirty="0" smtClean="0">
+              <a:latin typeface="Futura Condensed" charset="0"/>
+              <a:ea typeface="Futura Condensed" charset="0"/>
+              <a:cs typeface="Futura Condensed" charset="0"/>
+            </a:endParaRPr>
+          </a:p>
+          <a:p>
+            <a:pPr algn="ctr"/>
+            <a:endParaRPr lang="fr-FR" sz="3200" dirty="0">
+              <a:latin typeface="Futura Condensed" charset="0"/>
+              <a:ea typeface="Futura Condensed" charset="0"/>
+              <a:cs typeface="Futura Condensed" charset="0"/>
+            </a:endParaRPr>
+          </a:p>
+        </p:txBody>
+      </p:sp>
+      <p:sp>
+        <p:nvSpPr>
+          <p:cNvPr id="9" name="ZoneTexte 8"/>
+          <p:cNvSpPr txBox="1"/>
+          <p:nvPr/>
+        </p:nvSpPr>
+        <p:spPr>
+          <a:xfrm>
+            <a:off x="7946242" y="2041536"/>
+            <a:ext cx="2905689" cy="8094524"/>
+          </a:xfrm>
+          <a:prstGeom prst="rect">
+            <a:avLst/>
+          </a:prstGeom>
+          <a:noFill/>
+        </p:spPr>
+        <p:txBody>
+          <a:bodyPr wrap="square" rtlCol="0">
+            <a:spAutoFit/>
+          </a:bodyPr>
+          <a:lstStyle/>
+          <a:p>
+            <a:pPr algn="ctr"/>
+            <a:r>
+              <a:rPr lang="fr-FR" sz="2800" dirty="0" smtClean="0">
+                <a:latin typeface="Futura Condensed" charset="0"/>
+                <a:ea typeface="Futura Condensed" charset="0"/>
+                <a:cs typeface="Futura Condensed" charset="0"/>
+              </a:rPr>
+              <a:t>Valeurs moyennes de la température :</a:t>
+            </a:r>
+          </a:p>
+          <a:p>
+            <a:pPr algn="ctr"/>
+            <a:endParaRPr lang="fr-FR" sz="2800" dirty="0">
+              <a:latin typeface="Futura Condensed" charset="0"/>
+              <a:ea typeface="Futura Condensed" charset="0"/>
+              <a:cs typeface="Futura Condensed" charset="0"/>
+            </a:endParaRPr>
+          </a:p>
+          <a:p>
+            <a:r>
+              <a:rPr lang="fr-FR" sz="2800" dirty="0" smtClean="0">
+                <a:latin typeface="Futura Condensed" charset="0"/>
+                <a:ea typeface="Futura Condensed" charset="0"/>
+                <a:cs typeface="Futura Condensed" charset="0"/>
+              </a:rPr>
+              <a:t>Verte : 1279</a:t>
+            </a:r>
+          </a:p>
+          <a:p>
+            <a:endParaRPr lang="fr-FR" sz="2800" dirty="0">
+              <a:latin typeface="Futura Condensed" charset="0"/>
+              <a:ea typeface="Futura Condensed" charset="0"/>
+              <a:cs typeface="Futura Condensed" charset="0"/>
+            </a:endParaRPr>
+          </a:p>
+          <a:p>
+            <a:r>
+              <a:rPr lang="fr-FR" sz="2800" dirty="0" smtClean="0">
+                <a:latin typeface="Futura Condensed" charset="0"/>
+                <a:ea typeface="Futura Condensed" charset="0"/>
+                <a:cs typeface="Futura Condensed" charset="0"/>
+              </a:rPr>
+              <a:t>Bleue : 1370</a:t>
+            </a:r>
+          </a:p>
+          <a:p>
+            <a:endParaRPr lang="fr-FR" sz="2800" dirty="0">
+              <a:latin typeface="Futura Condensed" charset="0"/>
+              <a:ea typeface="Futura Condensed" charset="0"/>
+              <a:cs typeface="Futura Condensed" charset="0"/>
+            </a:endParaRPr>
+          </a:p>
+          <a:p>
+            <a:r>
+              <a:rPr lang="fr-FR" sz="2800" dirty="0" smtClean="0">
+                <a:latin typeface="Futura Condensed" charset="0"/>
+                <a:ea typeface="Futura Condensed" charset="0"/>
+                <a:cs typeface="Futura Condensed" charset="0"/>
+              </a:rPr>
+              <a:t>Rouge : 1020</a:t>
+            </a:r>
+          </a:p>
+          <a:p>
+            <a:endParaRPr lang="fr-FR" sz="2800" dirty="0">
+              <a:latin typeface="Futura Condensed" charset="0"/>
+              <a:ea typeface="Futura Condensed" charset="0"/>
+              <a:cs typeface="Futura Condensed" charset="0"/>
+            </a:endParaRPr>
+          </a:p>
+          <a:p>
+            <a:r>
+              <a:rPr lang="fr-FR" sz="2800" dirty="0" smtClean="0">
+                <a:latin typeface="Futura Condensed" charset="0"/>
+                <a:ea typeface="Futura Condensed" charset="0"/>
+                <a:cs typeface="Futura Condensed" charset="0"/>
+              </a:rPr>
+              <a:t>Cyan :  1455</a:t>
+            </a:r>
+          </a:p>
+          <a:p>
+            <a:endParaRPr lang="fr-FR" sz="2800" dirty="0">
+              <a:latin typeface="Futura Condensed" charset="0"/>
+              <a:ea typeface="Futura Condensed" charset="0"/>
+              <a:cs typeface="Futura Condensed" charset="0"/>
+            </a:endParaRPr>
+          </a:p>
+          <a:p>
+            <a:endParaRPr lang="fr-FR" sz="2800" dirty="0" smtClean="0">
+              <a:latin typeface="Futura Condensed" charset="0"/>
+              <a:ea typeface="Futura Condensed" charset="0"/>
+              <a:cs typeface="Futura Condensed" charset="0"/>
+            </a:endParaRPr>
+          </a:p>
+          <a:p>
+            <a:endParaRPr lang="fr-FR" sz="2800" dirty="0">
+              <a:latin typeface="Futura Condensed" charset="0"/>
+              <a:ea typeface="Futura Condensed" charset="0"/>
+              <a:cs typeface="Futura Condensed" charset="0"/>
+            </a:endParaRPr>
+          </a:p>
+          <a:p>
+            <a:endParaRPr lang="fr-FR" sz="2800" dirty="0" smtClean="0">
+              <a:latin typeface="Futura Condensed" charset="0"/>
+              <a:ea typeface="Futura Condensed" charset="0"/>
+              <a:cs typeface="Futura Condensed" charset="0"/>
+            </a:endParaRPr>
+          </a:p>
+          <a:p>
+            <a:endParaRPr lang="fr-FR" sz="2800" dirty="0">
+              <a:latin typeface="Futura Condensed" charset="0"/>
+              <a:ea typeface="Futura Condensed" charset="0"/>
+              <a:cs typeface="Futura Condensed" charset="0"/>
+            </a:endParaRPr>
+          </a:p>
+          <a:p>
+            <a:endParaRPr lang="fr-FR" sz="2800" dirty="0" smtClean="0">
+              <a:latin typeface="Futura Condensed" charset="0"/>
+              <a:ea typeface="Futura Condensed" charset="0"/>
+              <a:cs typeface="Futura Condensed" charset="0"/>
+            </a:endParaRPr>
+          </a:p>
+          <a:p>
+            <a:pPr marL="571500" indent="-571500">
+              <a:buFont typeface="Arial" charset="0"/>
+              <a:buChar char="•"/>
+            </a:pPr>
+            <a:endParaRPr lang="fr-FR" sz="4000" dirty="0" smtClean="0">
+              <a:latin typeface="Futura Condensed" charset="0"/>
+              <a:ea typeface="Futura Condensed" charset="0"/>
+              <a:cs typeface="Futura Condensed" charset="0"/>
+            </a:endParaRPr>
+          </a:p>
+          <a:p>
+            <a:pPr algn="ctr"/>
+            <a:endParaRPr lang="fr-FR" sz="3200" dirty="0">
+              <a:latin typeface="Futura Condensed" charset="0"/>
+              <a:ea typeface="Futura Condensed" charset="0"/>
+              <a:cs typeface="Futura Condensed" charset="0"/>
+            </a:endParaRPr>
+          </a:p>
+        </p:txBody>
+      </p:sp>
+      <p:pic>
+        <p:nvPicPr>
+          <p:cNvPr id="10" name="Image 9"/>
+          <p:cNvPicPr>
+            <a:picLocks noChangeAspect="1"/>
+          </p:cNvPicPr>
+          <p:nvPr/>
+        </p:nvPicPr>
+        <p:blipFill>
+          <a:blip r:embed="rId2">
+            <a:extLst>
+              <a:ext uri="{28A0092B-C50C-407E-A947-70E740481C1C}">
+                <a14:useLocalDpi xmlns:a14="http://schemas.microsoft.com/office/drawing/2010/main" val="0"/>
+              </a:ext>
+            </a:extLst>
+          </a:blip>
+          <a:stretch>
+            <a:fillRect/>
+          </a:stretch>
+        </p:blipFill>
+        <p:spPr>
+          <a:xfrm>
+            <a:off x="1101271" y="2041536"/>
+            <a:ext cx="5852160" cy="4389120"/>
+          </a:xfrm>
+          <a:prstGeom prst="rect">
+            <a:avLst/>
+          </a:prstGeom>
+        </p:spPr>
+      </p:pic>
+    </p:spTree>
+    <p:extLst>
+      <p:ext uri="{BB962C8B-B14F-4D97-AF65-F5344CB8AC3E}">
+        <p14:creationId xmlns:p14="http://schemas.microsoft.com/office/powerpoint/2010/main" val="1307431881"/>
+      </p:ext>
+    </p:extLst>
+  </p:cSld>
+  <p:clrMapOvr>
+    <a:masterClrMapping/>
+  </p:clrMapOvr>
+  <p:timing>
+    <p:tnLst>
+      <p:par>
+        <p:cTn id="1" dur="indefinite" restart="never" nodeType="tmRoot"/>
+      </p:par>
+    </p:tnLst>
+  </p:timing>
+</p:sld>
+</file>
+
+<file path=ppt/slides/slide22.xml><?xml version="1.0" encoding="utf-8"?>
+<p:sld xmlns:a="http://schemas.openxmlformats.org/drawingml/2006/main" xmlns:r="http://schemas.openxmlformats.org/officeDocument/2006/relationships" xmlns:p="http://schemas.openxmlformats.org/presentationml/2006/main">
+  <p:cSld>
+    <p:spTree>
+      <p:nvGrpSpPr>
+        <p:cNvPr id="1" name=""/>
+        <p:cNvGrpSpPr/>
+        <p:nvPr/>
+      </p:nvGrpSpPr>
+      <p:grpSpPr>
+        <a:xfrm>
+          <a:off x="0" y="0"/>
+          <a:ext cx="0" cy="0"/>
+          <a:chOff x="0" y="0"/>
+          <a:chExt cx="0" cy="0"/>
+        </a:xfrm>
+      </p:grpSpPr>
+      <p:sp>
+        <p:nvSpPr>
           <p:cNvPr id="2" name="ZoneTexte 1"/>
           <p:cNvSpPr txBox="1"/>
           <p:nvPr/>
@@ -6665,7 +7025,7 @@
 </p:sld>
 </file>
 
-<file path=ppt/slides/slide21.xml><?xml version="1.0" encoding="utf-8"?>
+<file path=ppt/slides/slide23.xml><?xml version="1.0" encoding="utf-8"?>
 <p:sld xmlns:a="http://schemas.openxmlformats.org/drawingml/2006/main" xmlns:r="http://schemas.openxmlformats.org/officeDocument/2006/relationships" xmlns:p="http://schemas.openxmlformats.org/presentationml/2006/main">
   <p:cSld>
     <p:spTree>
@@ -7470,7 +7830,7 @@
 </p:sld>
 </file>
 
-<file path=ppt/slides/slide22.xml><?xml version="1.0" encoding="utf-8"?>
+<file path=ppt/slides/slide24.xml><?xml version="1.0" encoding="utf-8"?>
 <p:sld xmlns:a="http://schemas.openxmlformats.org/drawingml/2006/main" xmlns:r="http://schemas.openxmlformats.org/officeDocument/2006/relationships" xmlns:p="http://schemas.openxmlformats.org/presentationml/2006/main">
   <p:cSld>
     <p:spTree>

--- a/Présentation1.pptx
+++ b/Présentation1.pptx
@@ -7050,7 +7050,7 @@
         </p:nvSpPr>
         <p:spPr>
           <a:xfrm>
-            <a:off x="925007" y="2628000"/>
+            <a:off x="925007" y="2886292"/>
             <a:ext cx="4245428" cy="3682800"/>
           </a:xfrm>
           <a:custGeom>
@@ -7149,7 +7149,7 @@
         </p:nvSpPr>
         <p:spPr>
           <a:xfrm>
-            <a:off x="3215231" y="2588050"/>
+            <a:off x="3215231" y="2846342"/>
             <a:ext cx="91556" cy="79899"/>
           </a:xfrm>
           <a:prstGeom prst="ellipse">
@@ -7189,7 +7189,7 @@
         </p:nvSpPr>
         <p:spPr>
           <a:xfrm>
-            <a:off x="2829209" y="2211440"/>
+            <a:off x="2829209" y="2469732"/>
             <a:ext cx="863600" cy="860233"/>
           </a:xfrm>
           <a:prstGeom prst="ellipse">
@@ -7234,7 +7234,7 @@
         </p:nvSpPr>
         <p:spPr>
           <a:xfrm>
-            <a:off x="3637404" y="2752733"/>
+            <a:off x="3637404" y="3011025"/>
             <a:ext cx="91556" cy="79899"/>
           </a:xfrm>
           <a:prstGeom prst="ellipse">
@@ -7277,7 +7277,7 @@
         </p:nvSpPr>
         <p:spPr>
           <a:xfrm>
-            <a:off x="3473065" y="2251784"/>
+            <a:off x="3473065" y="2510076"/>
             <a:ext cx="91556" cy="79899"/>
           </a:xfrm>
           <a:prstGeom prst="ellipse">
@@ -7320,7 +7320,7 @@
         </p:nvSpPr>
         <p:spPr>
           <a:xfrm>
-            <a:off x="3215231" y="3031723"/>
+            <a:off x="3215231" y="3290015"/>
             <a:ext cx="91556" cy="79899"/>
           </a:xfrm>
           <a:prstGeom prst="ellipse">
@@ -7363,7 +7363,7 @@
         </p:nvSpPr>
         <p:spPr>
           <a:xfrm>
-            <a:off x="2797738" y="2752732"/>
+            <a:off x="2797738" y="3011024"/>
             <a:ext cx="91556" cy="79899"/>
           </a:xfrm>
           <a:prstGeom prst="ellipse">
@@ -7406,7 +7406,7 @@
         </p:nvSpPr>
         <p:spPr>
           <a:xfrm>
-            <a:off x="2956165" y="2251784"/>
+            <a:off x="2956165" y="2510076"/>
             <a:ext cx="91556" cy="79899"/>
           </a:xfrm>
           <a:prstGeom prst="ellipse">
@@ -7449,7 +7449,7 @@
         </p:nvCxnSpPr>
         <p:spPr>
           <a:xfrm flipH="1">
-            <a:off x="3127016" y="1751160"/>
+            <a:off x="3127016" y="2009452"/>
             <a:ext cx="179771" cy="376610"/>
           </a:xfrm>
           <a:prstGeom prst="straightConnector1">
@@ -7482,7 +7482,7 @@
         </p:nvSpPr>
         <p:spPr>
           <a:xfrm>
-            <a:off x="2310608" y="1309746"/>
+            <a:off x="2058932" y="1569393"/>
             <a:ext cx="3156943" cy="400110"/>
           </a:xfrm>
           <a:prstGeom prst="rect">
@@ -7521,7 +7521,7 @@
         </p:nvSpPr>
         <p:spPr>
           <a:xfrm>
-            <a:off x="5467551" y="4469400"/>
+            <a:off x="5467551" y="4727692"/>
             <a:ext cx="1913467" cy="812800"/>
           </a:xfrm>
           <a:prstGeom prst="rightArrow">
@@ -7561,7 +7561,7 @@
         </p:nvSpPr>
         <p:spPr>
           <a:xfrm>
-            <a:off x="4845812" y="3761514"/>
+            <a:off x="4845812" y="4019806"/>
             <a:ext cx="3156943" cy="707886"/>
           </a:xfrm>
           <a:prstGeom prst="rect">
@@ -7600,7 +7600,7 @@
         </p:nvSpPr>
         <p:spPr>
           <a:xfrm>
-            <a:off x="8299871" y="2251783"/>
+            <a:off x="8299871" y="2510075"/>
             <a:ext cx="3623689" cy="4033157"/>
           </a:xfrm>
           <a:custGeom>
@@ -7746,7 +7746,7 @@
         </p:nvCxnSpPr>
         <p:spPr>
           <a:xfrm flipH="1">
-            <a:off x="8825948" y="2127770"/>
+            <a:off x="8825948" y="2386062"/>
             <a:ext cx="1824459" cy="0"/>
           </a:xfrm>
           <a:prstGeom prst="straightConnector1">
@@ -7779,7 +7779,7 @@
         </p:nvSpPr>
         <p:spPr>
           <a:xfrm>
-            <a:off x="8159705" y="1665654"/>
+            <a:off x="8159705" y="1923946"/>
             <a:ext cx="3156943" cy="400110"/>
           </a:xfrm>
           <a:prstGeom prst="rect">
